--- a/Model-schematics.pptx
+++ b/Model-schematics.pptx
@@ -8,6 +8,10 @@
     <p:sldId id="256" r:id="rId2"/>
     <p:sldId id="257" r:id="rId3"/>
     <p:sldId id="258" r:id="rId4"/>
+    <p:sldId id="260" r:id="rId5"/>
+    <p:sldId id="261" r:id="rId6"/>
+    <p:sldId id="259" r:id="rId7"/>
+    <p:sldId id="262" r:id="rId8"/>
   </p:sldIdLst>
   <p:sldSz cx="6858000" cy="9906000" type="A4"/>
   <p:notesSz cx="6858000" cy="9144000"/>
@@ -106,6 +110,11 @@
       </a:defRPr>
     </a:lvl9pPr>
   </p:defaultTextStyle>
+  <p:extLst>
+    <p:ext uri="{EFAFB233-063F-42B5-8137-9DF3F51BA10A}">
+      <p15:sldGuideLst xmlns:p15="http://schemas.microsoft.com/office/powerpoint/2012/main"/>
+    </p:ext>
+  </p:extLst>
 </p:presentation>
 </file>
 
@@ -240,7 +249,7 @@
           <a:p>
             <a:fld id="{52585953-74D6-4FF4-974B-78B745075B35}" type="datetimeFigureOut">
               <a:rPr lang="en-US" smtClean="0"/>
-              <a:t>12/16/2023</a:t>
+              <a:t>12/18/23</a:t>
             </a:fld>
             <a:endParaRPr lang="en-US"/>
           </a:p>
@@ -410,7 +419,7 @@
           <a:p>
             <a:fld id="{52585953-74D6-4FF4-974B-78B745075B35}" type="datetimeFigureOut">
               <a:rPr lang="en-US" smtClean="0"/>
-              <a:t>12/16/2023</a:t>
+              <a:t>12/18/23</a:t>
             </a:fld>
             <a:endParaRPr lang="en-US"/>
           </a:p>
@@ -590,7 +599,7 @@
           <a:p>
             <a:fld id="{52585953-74D6-4FF4-974B-78B745075B35}" type="datetimeFigureOut">
               <a:rPr lang="en-US" smtClean="0"/>
-              <a:t>12/16/2023</a:t>
+              <a:t>12/18/23</a:t>
             </a:fld>
             <a:endParaRPr lang="en-US"/>
           </a:p>
@@ -760,7 +769,7 @@
           <a:p>
             <a:fld id="{52585953-74D6-4FF4-974B-78B745075B35}" type="datetimeFigureOut">
               <a:rPr lang="en-US" smtClean="0"/>
-              <a:t>12/16/2023</a:t>
+              <a:t>12/18/23</a:t>
             </a:fld>
             <a:endParaRPr lang="en-US"/>
           </a:p>
@@ -1004,7 +1013,7 @@
           <a:p>
             <a:fld id="{52585953-74D6-4FF4-974B-78B745075B35}" type="datetimeFigureOut">
               <a:rPr lang="en-US" smtClean="0"/>
-              <a:t>12/16/2023</a:t>
+              <a:t>12/18/23</a:t>
             </a:fld>
             <a:endParaRPr lang="en-US"/>
           </a:p>
@@ -1236,7 +1245,7 @@
           <a:p>
             <a:fld id="{52585953-74D6-4FF4-974B-78B745075B35}" type="datetimeFigureOut">
               <a:rPr lang="en-US" smtClean="0"/>
-              <a:t>12/16/2023</a:t>
+              <a:t>12/18/23</a:t>
             </a:fld>
             <a:endParaRPr lang="en-US"/>
           </a:p>
@@ -1603,7 +1612,7 @@
           <a:p>
             <a:fld id="{52585953-74D6-4FF4-974B-78B745075B35}" type="datetimeFigureOut">
               <a:rPr lang="en-US" smtClean="0"/>
-              <a:t>12/16/2023</a:t>
+              <a:t>12/18/23</a:t>
             </a:fld>
             <a:endParaRPr lang="en-US"/>
           </a:p>
@@ -1721,7 +1730,7 @@
           <a:p>
             <a:fld id="{52585953-74D6-4FF4-974B-78B745075B35}" type="datetimeFigureOut">
               <a:rPr lang="en-US" smtClean="0"/>
-              <a:t>12/16/2023</a:t>
+              <a:t>12/18/23</a:t>
             </a:fld>
             <a:endParaRPr lang="en-US"/>
           </a:p>
@@ -1816,7 +1825,7 @@
           <a:p>
             <a:fld id="{52585953-74D6-4FF4-974B-78B745075B35}" type="datetimeFigureOut">
               <a:rPr lang="en-US" smtClean="0"/>
-              <a:t>12/16/2023</a:t>
+              <a:t>12/18/23</a:t>
             </a:fld>
             <a:endParaRPr lang="en-US"/>
           </a:p>
@@ -2093,7 +2102,7 @@
           <a:p>
             <a:fld id="{52585953-74D6-4FF4-974B-78B745075B35}" type="datetimeFigureOut">
               <a:rPr lang="en-US" smtClean="0"/>
-              <a:t>12/16/2023</a:t>
+              <a:t>12/18/23</a:t>
             </a:fld>
             <a:endParaRPr lang="en-US"/>
           </a:p>
@@ -2350,7 +2359,7 @@
           <a:p>
             <a:fld id="{52585953-74D6-4FF4-974B-78B745075B35}" type="datetimeFigureOut">
               <a:rPr lang="en-US" smtClean="0"/>
-              <a:t>12/16/2023</a:t>
+              <a:t>12/18/23</a:t>
             </a:fld>
             <a:endParaRPr lang="en-US"/>
           </a:p>
@@ -2563,7 +2572,7 @@
           <a:p>
             <a:fld id="{52585953-74D6-4FF4-974B-78B745075B35}" type="datetimeFigureOut">
               <a:rPr lang="en-US" smtClean="0"/>
-              <a:t>12/16/2023</a:t>
+              <a:t>12/18/23</a:t>
             </a:fld>
             <a:endParaRPr lang="en-US"/>
           </a:p>
@@ -8568,6 +8577,8101 @@
 </p:sld>
 </file>
 
+<file path=ppt/slides/slide4.xml><?xml version="1.0" encoding="utf-8"?>
+<p:sld xmlns:a="http://schemas.openxmlformats.org/drawingml/2006/main" xmlns:r="http://schemas.openxmlformats.org/officeDocument/2006/relationships" xmlns:p="http://schemas.openxmlformats.org/presentationml/2006/main">
+  <p:cSld>
+    <p:spTree>
+      <p:nvGrpSpPr>
+        <p:cNvPr id="1" name=""/>
+        <p:cNvGrpSpPr/>
+        <p:nvPr/>
+      </p:nvGrpSpPr>
+      <p:grpSpPr>
+        <a:xfrm>
+          <a:off x="0" y="0"/>
+          <a:ext cx="0" cy="0"/>
+          <a:chOff x="0" y="0"/>
+          <a:chExt cx="0" cy="0"/>
+        </a:xfrm>
+      </p:grpSpPr>
+      <p:sp>
+        <p:nvSpPr>
+          <p:cNvPr id="53" name="TextBox 52">
+            <a:extLst>
+              <a:ext uri="{FF2B5EF4-FFF2-40B4-BE49-F238E27FC236}">
+                <a16:creationId xmlns:a16="http://schemas.microsoft.com/office/drawing/2014/main" id="{EFAA18AA-66AB-D403-6066-BACF53454A31}"/>
+              </a:ext>
+            </a:extLst>
+          </p:cNvPr>
+          <p:cNvSpPr txBox="1"/>
+          <p:nvPr/>
+        </p:nvSpPr>
+        <p:spPr>
+          <a:xfrm>
+            <a:off x="425285" y="61577"/>
+            <a:ext cx="5997720" cy="492571"/>
+          </a:xfrm>
+          <a:prstGeom prst="rect">
+            <a:avLst/>
+          </a:prstGeom>
+          <a:noFill/>
+        </p:spPr>
+        <p:txBody>
+          <a:bodyPr wrap="square" rtlCol="0">
+            <a:spAutoFit/>
+          </a:bodyPr>
+          <a:lstStyle/>
+          <a:p>
+            <a:pPr algn="ctr"/>
+            <a:r>
+              <a:rPr lang="en-US" sz="2601" b="1" dirty="0"/>
+              <a:t>Model with clouds</a:t>
+            </a:r>
+          </a:p>
+        </p:txBody>
+      </p:sp>
+      <p:sp>
+        <p:nvSpPr>
+          <p:cNvPr id="60" name="TextBox 59">
+            <a:extLst>
+              <a:ext uri="{FF2B5EF4-FFF2-40B4-BE49-F238E27FC236}">
+                <a16:creationId xmlns:a16="http://schemas.microsoft.com/office/drawing/2014/main" id="{79B05A41-21F6-7BFD-9C00-D37C18CB0E63}"/>
+              </a:ext>
+            </a:extLst>
+          </p:cNvPr>
+          <p:cNvSpPr txBox="1"/>
+          <p:nvPr/>
+        </p:nvSpPr>
+        <p:spPr>
+          <a:xfrm>
+            <a:off x="84182" y="594259"/>
+            <a:ext cx="2989448" cy="400110"/>
+          </a:xfrm>
+          <a:prstGeom prst="rect">
+            <a:avLst/>
+          </a:prstGeom>
+          <a:noFill/>
+        </p:spPr>
+        <p:txBody>
+          <a:bodyPr wrap="square" rtlCol="0">
+            <a:spAutoFit/>
+          </a:bodyPr>
+          <a:lstStyle/>
+          <a:p>
+            <a:pPr algn="ctr"/>
+            <a:r>
+              <a:rPr lang="en-US" sz="2000" dirty="0"/>
+              <a:t>images</a:t>
+            </a:r>
+          </a:p>
+        </p:txBody>
+      </p:sp>
+      <p:cxnSp>
+        <p:nvCxnSpPr>
+          <p:cNvPr id="59" name="Straight Arrow Connector 58">
+            <a:extLst>
+              <a:ext uri="{FF2B5EF4-FFF2-40B4-BE49-F238E27FC236}">
+                <a16:creationId xmlns:a16="http://schemas.microsoft.com/office/drawing/2014/main" id="{3D0E3225-D83D-385C-CB5F-B54710252180}"/>
+              </a:ext>
+            </a:extLst>
+          </p:cNvPr>
+          <p:cNvCxnSpPr>
+            <a:cxnSpLocks/>
+            <a:stCxn id="60" idx="2"/>
+            <a:endCxn id="55" idx="0"/>
+          </p:cNvCxnSpPr>
+          <p:nvPr/>
+        </p:nvCxnSpPr>
+        <p:spPr>
+          <a:xfrm flipH="1">
+            <a:off x="1575121" y="994369"/>
+            <a:ext cx="3785" cy="342647"/>
+          </a:xfrm>
+          <a:prstGeom prst="straightConnector1">
+            <a:avLst/>
+          </a:prstGeom>
+          <a:ln w="28575">
+            <a:solidFill>
+              <a:schemeClr val="tx1"/>
+            </a:solidFill>
+            <a:tailEnd type="triangle"/>
+          </a:ln>
+        </p:spPr>
+        <p:style>
+          <a:lnRef idx="1">
+            <a:schemeClr val="accent1"/>
+          </a:lnRef>
+          <a:fillRef idx="0">
+            <a:schemeClr val="accent1"/>
+          </a:fillRef>
+          <a:effectRef idx="0">
+            <a:schemeClr val="accent1"/>
+          </a:effectRef>
+          <a:fontRef idx="minor">
+            <a:schemeClr val="tx1"/>
+          </a:fontRef>
+        </p:style>
+      </p:cxnSp>
+      <p:grpSp>
+        <p:nvGrpSpPr>
+          <p:cNvPr id="192" name="Group 191">
+            <a:extLst>
+              <a:ext uri="{FF2B5EF4-FFF2-40B4-BE49-F238E27FC236}">
+                <a16:creationId xmlns:a16="http://schemas.microsoft.com/office/drawing/2014/main" id="{523C5409-C8B2-AF35-04C0-874C82897C66}"/>
+              </a:ext>
+            </a:extLst>
+          </p:cNvPr>
+          <p:cNvGrpSpPr/>
+          <p:nvPr/>
+        </p:nvGrpSpPr>
+        <p:grpSpPr>
+          <a:xfrm>
+            <a:off x="268491" y="1337016"/>
+            <a:ext cx="2620830" cy="4932167"/>
+            <a:chOff x="261266" y="1298551"/>
+            <a:chExt cx="2620830" cy="4602547"/>
+          </a:xfrm>
+        </p:grpSpPr>
+        <p:sp>
+          <p:nvSpPr>
+            <p:cNvPr id="55" name="Rectangle 54">
+              <a:extLst>
+                <a:ext uri="{FF2B5EF4-FFF2-40B4-BE49-F238E27FC236}">
+                  <a16:creationId xmlns:a16="http://schemas.microsoft.com/office/drawing/2014/main" id="{B88D77DE-FBBA-C18C-7ECE-695B63FF0615}"/>
+                </a:ext>
+              </a:extLst>
+            </p:cNvPr>
+            <p:cNvSpPr/>
+            <p:nvPr/>
+          </p:nvSpPr>
+          <p:spPr>
+            <a:xfrm>
+              <a:off x="261266" y="1298551"/>
+              <a:ext cx="2613260" cy="163600"/>
+            </a:xfrm>
+            <a:prstGeom prst="rect">
+              <a:avLst/>
+            </a:prstGeom>
+            <a:solidFill>
+              <a:schemeClr val="bg1"/>
+            </a:solidFill>
+            <a:ln>
+              <a:solidFill>
+                <a:schemeClr val="tx1"/>
+              </a:solidFill>
+            </a:ln>
+          </p:spPr>
+          <p:style>
+            <a:lnRef idx="3">
+              <a:schemeClr val="lt1"/>
+            </a:lnRef>
+            <a:fillRef idx="1">
+              <a:schemeClr val="accent5"/>
+            </a:fillRef>
+            <a:effectRef idx="1">
+              <a:schemeClr val="accent5"/>
+            </a:effectRef>
+            <a:fontRef idx="minor">
+              <a:schemeClr val="lt1"/>
+            </a:fontRef>
+          </p:style>
+          <p:txBody>
+            <a:bodyPr rtlCol="0" anchor="ctr"/>
+            <a:lstStyle/>
+            <a:p>
+              <a:pPr algn="ctr"/>
+              <a:r>
+                <a:rPr lang="en-US" sz="1400" dirty="0">
+                  <a:solidFill>
+                    <a:schemeClr val="tx1"/>
+                  </a:solidFill>
+                </a:rPr>
+                <a:t>2D Convolution Layer (8,16,3,1)</a:t>
+              </a:r>
+            </a:p>
+          </p:txBody>
+        </p:sp>
+        <p:sp>
+          <p:nvSpPr>
+            <p:cNvPr id="56" name="Rectangle 55">
+              <a:extLst>
+                <a:ext uri="{FF2B5EF4-FFF2-40B4-BE49-F238E27FC236}">
+                  <a16:creationId xmlns:a16="http://schemas.microsoft.com/office/drawing/2014/main" id="{D68C6F2E-0F61-6E58-29BB-65795E913C5F}"/>
+                </a:ext>
+              </a:extLst>
+            </p:cNvPr>
+            <p:cNvSpPr/>
+            <p:nvPr/>
+          </p:nvSpPr>
+          <p:spPr>
+            <a:xfrm>
+              <a:off x="266084" y="1661623"/>
+              <a:ext cx="2613260" cy="163600"/>
+            </a:xfrm>
+            <a:prstGeom prst="rect">
+              <a:avLst/>
+            </a:prstGeom>
+            <a:solidFill>
+              <a:schemeClr val="bg1"/>
+            </a:solidFill>
+            <a:ln>
+              <a:solidFill>
+                <a:schemeClr val="tx1"/>
+              </a:solidFill>
+            </a:ln>
+          </p:spPr>
+          <p:style>
+            <a:lnRef idx="3">
+              <a:schemeClr val="lt1"/>
+            </a:lnRef>
+            <a:fillRef idx="1">
+              <a:schemeClr val="accent5"/>
+            </a:fillRef>
+            <a:effectRef idx="1">
+              <a:schemeClr val="accent5"/>
+            </a:effectRef>
+            <a:fontRef idx="minor">
+              <a:schemeClr val="lt1"/>
+            </a:fontRef>
+          </p:style>
+          <p:txBody>
+            <a:bodyPr rtlCol="0" anchor="ctr"/>
+            <a:lstStyle/>
+            <a:p>
+              <a:pPr algn="ctr"/>
+              <a:r>
+                <a:rPr lang="en-US" sz="1400" dirty="0">
+                  <a:solidFill>
+                    <a:schemeClr val="tx1"/>
+                  </a:solidFill>
+                </a:rPr>
+                <a:t>2D Batch Norm (16)</a:t>
+              </a:r>
+            </a:p>
+          </p:txBody>
+        </p:sp>
+        <p:cxnSp>
+          <p:nvCxnSpPr>
+            <p:cNvPr id="57" name="Straight Arrow Connector 56">
+              <a:extLst>
+                <a:ext uri="{FF2B5EF4-FFF2-40B4-BE49-F238E27FC236}">
+                  <a16:creationId xmlns:a16="http://schemas.microsoft.com/office/drawing/2014/main" id="{BCBE3167-7598-FC1F-DE37-C9D8A70F8286}"/>
+                </a:ext>
+              </a:extLst>
+            </p:cNvPr>
+            <p:cNvCxnSpPr>
+              <a:cxnSpLocks/>
+              <a:stCxn id="55" idx="2"/>
+              <a:endCxn id="56" idx="0"/>
+            </p:cNvCxnSpPr>
+            <p:nvPr/>
+          </p:nvCxnSpPr>
+          <p:spPr>
+            <a:xfrm>
+              <a:off x="1567896" y="1462151"/>
+              <a:ext cx="4818" cy="199472"/>
+            </a:xfrm>
+            <a:prstGeom prst="straightConnector1">
+              <a:avLst/>
+            </a:prstGeom>
+            <a:ln w="28575">
+              <a:solidFill>
+                <a:schemeClr val="tx1"/>
+              </a:solidFill>
+              <a:tailEnd type="triangle"/>
+            </a:ln>
+          </p:spPr>
+          <p:style>
+            <a:lnRef idx="1">
+              <a:schemeClr val="accent1"/>
+            </a:lnRef>
+            <a:fillRef idx="0">
+              <a:schemeClr val="accent1"/>
+            </a:fillRef>
+            <a:effectRef idx="0">
+              <a:schemeClr val="accent1"/>
+            </a:effectRef>
+            <a:fontRef idx="minor">
+              <a:schemeClr val="tx1"/>
+            </a:fontRef>
+          </p:style>
+        </p:cxnSp>
+        <p:sp>
+          <p:nvSpPr>
+            <p:cNvPr id="58" name="TextBox 57">
+              <a:extLst>
+                <a:ext uri="{FF2B5EF4-FFF2-40B4-BE49-F238E27FC236}">
+                  <a16:creationId xmlns:a16="http://schemas.microsoft.com/office/drawing/2014/main" id="{DEC08314-9B86-02A6-9F1D-0FC06C32327A}"/>
+                </a:ext>
+              </a:extLst>
+            </p:cNvPr>
+            <p:cNvSpPr txBox="1"/>
+            <p:nvPr/>
+          </p:nvSpPr>
+          <p:spPr>
+            <a:xfrm>
+              <a:off x="1572282" y="1430902"/>
+              <a:ext cx="849879" cy="261610"/>
+            </a:xfrm>
+            <a:prstGeom prst="rect">
+              <a:avLst/>
+            </a:prstGeom>
+            <a:noFill/>
+          </p:spPr>
+          <p:txBody>
+            <a:bodyPr wrap="square" rtlCol="0">
+              <a:spAutoFit/>
+            </a:bodyPr>
+            <a:lstStyle/>
+            <a:p>
+              <a:r>
+                <a:rPr lang="en-US" sz="1100" dirty="0" err="1"/>
+                <a:t>ReLU</a:t>
+              </a:r>
+              <a:endParaRPr lang="en-US" sz="1100" dirty="0"/>
+            </a:p>
+          </p:txBody>
+        </p:sp>
+        <p:sp>
+          <p:nvSpPr>
+            <p:cNvPr id="61" name="Rectangle 60">
+              <a:extLst>
+                <a:ext uri="{FF2B5EF4-FFF2-40B4-BE49-F238E27FC236}">
+                  <a16:creationId xmlns:a16="http://schemas.microsoft.com/office/drawing/2014/main" id="{0E323B05-C28D-7BCE-B6F3-22F1D05FF34F}"/>
+                </a:ext>
+              </a:extLst>
+            </p:cNvPr>
+            <p:cNvSpPr/>
+            <p:nvPr/>
+          </p:nvSpPr>
+          <p:spPr>
+            <a:xfrm>
+              <a:off x="266084" y="2132764"/>
+              <a:ext cx="2613260" cy="163600"/>
+            </a:xfrm>
+            <a:prstGeom prst="rect">
+              <a:avLst/>
+            </a:prstGeom>
+            <a:solidFill>
+              <a:schemeClr val="bg1"/>
+            </a:solidFill>
+            <a:ln>
+              <a:solidFill>
+                <a:schemeClr val="tx1"/>
+              </a:solidFill>
+            </a:ln>
+          </p:spPr>
+          <p:style>
+            <a:lnRef idx="3">
+              <a:schemeClr val="lt1"/>
+            </a:lnRef>
+            <a:fillRef idx="1">
+              <a:schemeClr val="accent5"/>
+            </a:fillRef>
+            <a:effectRef idx="1">
+              <a:schemeClr val="accent5"/>
+            </a:effectRef>
+            <a:fontRef idx="minor">
+              <a:schemeClr val="lt1"/>
+            </a:fontRef>
+          </p:style>
+          <p:txBody>
+            <a:bodyPr rtlCol="0" anchor="ctr"/>
+            <a:lstStyle/>
+            <a:p>
+              <a:pPr algn="ctr"/>
+              <a:r>
+                <a:rPr lang="en-US" sz="1400" dirty="0">
+                  <a:solidFill>
+                    <a:schemeClr val="tx1"/>
+                  </a:solidFill>
+                </a:rPr>
+                <a:t>2D Convolution Layer (16,16,3,1)</a:t>
+              </a:r>
+            </a:p>
+          </p:txBody>
+        </p:sp>
+        <p:sp>
+          <p:nvSpPr>
+            <p:cNvPr id="62" name="Rectangle 61">
+              <a:extLst>
+                <a:ext uri="{FF2B5EF4-FFF2-40B4-BE49-F238E27FC236}">
+                  <a16:creationId xmlns:a16="http://schemas.microsoft.com/office/drawing/2014/main" id="{8EA86D06-B6B5-9453-74B8-9234695BA252}"/>
+                </a:ext>
+              </a:extLst>
+            </p:cNvPr>
+            <p:cNvSpPr/>
+            <p:nvPr/>
+          </p:nvSpPr>
+          <p:spPr>
+            <a:xfrm>
+              <a:off x="266433" y="2493922"/>
+              <a:ext cx="2613260" cy="163600"/>
+            </a:xfrm>
+            <a:prstGeom prst="rect">
+              <a:avLst/>
+            </a:prstGeom>
+            <a:solidFill>
+              <a:schemeClr val="bg1"/>
+            </a:solidFill>
+            <a:ln>
+              <a:solidFill>
+                <a:schemeClr val="tx1"/>
+              </a:solidFill>
+            </a:ln>
+          </p:spPr>
+          <p:style>
+            <a:lnRef idx="3">
+              <a:schemeClr val="lt1"/>
+            </a:lnRef>
+            <a:fillRef idx="1">
+              <a:schemeClr val="accent5"/>
+            </a:fillRef>
+            <a:effectRef idx="1">
+              <a:schemeClr val="accent5"/>
+            </a:effectRef>
+            <a:fontRef idx="minor">
+              <a:schemeClr val="lt1"/>
+            </a:fontRef>
+          </p:style>
+          <p:txBody>
+            <a:bodyPr rtlCol="0" anchor="ctr"/>
+            <a:lstStyle/>
+            <a:p>
+              <a:pPr algn="ctr"/>
+              <a:r>
+                <a:rPr lang="en-US" sz="1400" dirty="0">
+                  <a:solidFill>
+                    <a:schemeClr val="tx1"/>
+                  </a:solidFill>
+                </a:rPr>
+                <a:t>2D Batch Norm (16)</a:t>
+              </a:r>
+            </a:p>
+          </p:txBody>
+        </p:sp>
+        <p:cxnSp>
+          <p:nvCxnSpPr>
+            <p:cNvPr id="63" name="Straight Arrow Connector 62">
+              <a:extLst>
+                <a:ext uri="{FF2B5EF4-FFF2-40B4-BE49-F238E27FC236}">
+                  <a16:creationId xmlns:a16="http://schemas.microsoft.com/office/drawing/2014/main" id="{E52B4DF5-E8FA-7533-5056-F6F95E3B6131}"/>
+                </a:ext>
+              </a:extLst>
+            </p:cNvPr>
+            <p:cNvCxnSpPr>
+              <a:cxnSpLocks/>
+              <a:stCxn id="61" idx="2"/>
+              <a:endCxn id="62" idx="0"/>
+            </p:cNvCxnSpPr>
+            <p:nvPr/>
+          </p:nvCxnSpPr>
+          <p:spPr>
+            <a:xfrm>
+              <a:off x="1572714" y="2296364"/>
+              <a:ext cx="349" cy="197558"/>
+            </a:xfrm>
+            <a:prstGeom prst="straightConnector1">
+              <a:avLst/>
+            </a:prstGeom>
+            <a:ln w="28575">
+              <a:solidFill>
+                <a:schemeClr val="tx1"/>
+              </a:solidFill>
+              <a:tailEnd type="triangle"/>
+            </a:ln>
+          </p:spPr>
+          <p:style>
+            <a:lnRef idx="1">
+              <a:schemeClr val="accent1"/>
+            </a:lnRef>
+            <a:fillRef idx="0">
+              <a:schemeClr val="accent1"/>
+            </a:fillRef>
+            <a:effectRef idx="0">
+              <a:schemeClr val="accent1"/>
+            </a:effectRef>
+            <a:fontRef idx="minor">
+              <a:schemeClr val="tx1"/>
+            </a:fontRef>
+          </p:style>
+        </p:cxnSp>
+        <p:sp>
+          <p:nvSpPr>
+            <p:cNvPr id="64" name="TextBox 63">
+              <a:extLst>
+                <a:ext uri="{FF2B5EF4-FFF2-40B4-BE49-F238E27FC236}">
+                  <a16:creationId xmlns:a16="http://schemas.microsoft.com/office/drawing/2014/main" id="{BCE99756-2446-739A-9F34-67019F3018B0}"/>
+                </a:ext>
+              </a:extLst>
+            </p:cNvPr>
+            <p:cNvSpPr txBox="1"/>
+            <p:nvPr/>
+          </p:nvSpPr>
+          <p:spPr>
+            <a:xfrm>
+              <a:off x="1572282" y="2250316"/>
+              <a:ext cx="849879" cy="261610"/>
+            </a:xfrm>
+            <a:prstGeom prst="rect">
+              <a:avLst/>
+            </a:prstGeom>
+            <a:noFill/>
+          </p:spPr>
+          <p:txBody>
+            <a:bodyPr wrap="square" rtlCol="0">
+              <a:spAutoFit/>
+            </a:bodyPr>
+            <a:lstStyle/>
+            <a:p>
+              <a:r>
+                <a:rPr lang="en-US" sz="1100" dirty="0" err="1"/>
+                <a:t>ReLU</a:t>
+              </a:r>
+              <a:endParaRPr lang="en-US" sz="1100" dirty="0"/>
+            </a:p>
+          </p:txBody>
+        </p:sp>
+        <p:cxnSp>
+          <p:nvCxnSpPr>
+            <p:cNvPr id="65" name="Straight Arrow Connector 64">
+              <a:extLst>
+                <a:ext uri="{FF2B5EF4-FFF2-40B4-BE49-F238E27FC236}">
+                  <a16:creationId xmlns:a16="http://schemas.microsoft.com/office/drawing/2014/main" id="{7DAFA837-D3D1-927C-FF47-246D8C07B6B1}"/>
+                </a:ext>
+              </a:extLst>
+            </p:cNvPr>
+            <p:cNvCxnSpPr>
+              <a:cxnSpLocks/>
+              <a:stCxn id="56" idx="2"/>
+              <a:endCxn id="61" idx="0"/>
+            </p:cNvCxnSpPr>
+            <p:nvPr/>
+          </p:nvCxnSpPr>
+          <p:spPr>
+            <a:xfrm>
+              <a:off x="1572714" y="1825223"/>
+              <a:ext cx="0" cy="307541"/>
+            </a:xfrm>
+            <a:prstGeom prst="straightConnector1">
+              <a:avLst/>
+            </a:prstGeom>
+            <a:ln w="28575">
+              <a:solidFill>
+                <a:schemeClr val="tx1"/>
+              </a:solidFill>
+              <a:tailEnd type="triangle"/>
+            </a:ln>
+          </p:spPr>
+          <p:style>
+            <a:lnRef idx="1">
+              <a:schemeClr val="accent1"/>
+            </a:lnRef>
+            <a:fillRef idx="0">
+              <a:schemeClr val="accent1"/>
+            </a:fillRef>
+            <a:effectRef idx="0">
+              <a:schemeClr val="accent1"/>
+            </a:effectRef>
+            <a:fontRef idx="minor">
+              <a:schemeClr val="tx1"/>
+            </a:fontRef>
+          </p:style>
+        </p:cxnSp>
+        <p:sp>
+          <p:nvSpPr>
+            <p:cNvPr id="66" name="Rectangle 65">
+              <a:extLst>
+                <a:ext uri="{FF2B5EF4-FFF2-40B4-BE49-F238E27FC236}">
+                  <a16:creationId xmlns:a16="http://schemas.microsoft.com/office/drawing/2014/main" id="{8F95317E-992C-8C6D-8379-AAEF2638376C}"/>
+                </a:ext>
+              </a:extLst>
+            </p:cNvPr>
+            <p:cNvSpPr/>
+            <p:nvPr/>
+          </p:nvSpPr>
+          <p:spPr>
+            <a:xfrm>
+              <a:off x="266084" y="2959313"/>
+              <a:ext cx="2613260" cy="163600"/>
+            </a:xfrm>
+            <a:prstGeom prst="rect">
+              <a:avLst/>
+            </a:prstGeom>
+            <a:solidFill>
+              <a:schemeClr val="bg1"/>
+            </a:solidFill>
+            <a:ln>
+              <a:solidFill>
+                <a:schemeClr val="tx1"/>
+              </a:solidFill>
+            </a:ln>
+          </p:spPr>
+          <p:style>
+            <a:lnRef idx="3">
+              <a:schemeClr val="lt1"/>
+            </a:lnRef>
+            <a:fillRef idx="1">
+              <a:schemeClr val="accent5"/>
+            </a:fillRef>
+            <a:effectRef idx="1">
+              <a:schemeClr val="accent5"/>
+            </a:effectRef>
+            <a:fontRef idx="minor">
+              <a:schemeClr val="lt1"/>
+            </a:fontRef>
+          </p:style>
+          <p:txBody>
+            <a:bodyPr rtlCol="0" anchor="ctr"/>
+            <a:lstStyle/>
+            <a:p>
+              <a:pPr algn="ctr"/>
+              <a:r>
+                <a:rPr lang="en-US" sz="1400" dirty="0">
+                  <a:solidFill>
+                    <a:schemeClr val="tx1"/>
+                  </a:solidFill>
+                </a:rPr>
+                <a:t>2D Max Pool (2)</a:t>
+              </a:r>
+            </a:p>
+          </p:txBody>
+        </p:sp>
+        <p:cxnSp>
+          <p:nvCxnSpPr>
+            <p:cNvPr id="67" name="Straight Arrow Connector 66">
+              <a:extLst>
+                <a:ext uri="{FF2B5EF4-FFF2-40B4-BE49-F238E27FC236}">
+                  <a16:creationId xmlns:a16="http://schemas.microsoft.com/office/drawing/2014/main" id="{1637CFE1-7AC3-7F9E-E674-D03818AA9A57}"/>
+                </a:ext>
+              </a:extLst>
+            </p:cNvPr>
+            <p:cNvCxnSpPr>
+              <a:cxnSpLocks/>
+              <a:stCxn id="62" idx="2"/>
+              <a:endCxn id="66" idx="0"/>
+            </p:cNvCxnSpPr>
+            <p:nvPr/>
+          </p:nvCxnSpPr>
+          <p:spPr>
+            <a:xfrm flipH="1">
+              <a:off x="1572714" y="2657522"/>
+              <a:ext cx="349" cy="301791"/>
+            </a:xfrm>
+            <a:prstGeom prst="straightConnector1">
+              <a:avLst/>
+            </a:prstGeom>
+            <a:ln w="28575">
+              <a:solidFill>
+                <a:schemeClr val="tx1"/>
+              </a:solidFill>
+              <a:tailEnd type="triangle"/>
+            </a:ln>
+          </p:spPr>
+          <p:style>
+            <a:lnRef idx="1">
+              <a:schemeClr val="accent1"/>
+            </a:lnRef>
+            <a:fillRef idx="0">
+              <a:schemeClr val="accent1"/>
+            </a:fillRef>
+            <a:effectRef idx="0">
+              <a:schemeClr val="accent1"/>
+            </a:effectRef>
+            <a:fontRef idx="minor">
+              <a:schemeClr val="tx1"/>
+            </a:fontRef>
+          </p:style>
+        </p:cxnSp>
+        <p:sp>
+          <p:nvSpPr>
+            <p:cNvPr id="68" name="Rectangle 67">
+              <a:extLst>
+                <a:ext uri="{FF2B5EF4-FFF2-40B4-BE49-F238E27FC236}">
+                  <a16:creationId xmlns:a16="http://schemas.microsoft.com/office/drawing/2014/main" id="{F82F534D-C218-5400-A9CE-92EBC24D4D0F}"/>
+                </a:ext>
+              </a:extLst>
+            </p:cNvPr>
+            <p:cNvSpPr/>
+            <p:nvPr/>
+          </p:nvSpPr>
+          <p:spPr>
+            <a:xfrm>
+              <a:off x="266084" y="3254769"/>
+              <a:ext cx="2613260" cy="163600"/>
+            </a:xfrm>
+            <a:prstGeom prst="rect">
+              <a:avLst/>
+            </a:prstGeom>
+            <a:solidFill>
+              <a:schemeClr val="bg1"/>
+            </a:solidFill>
+            <a:ln>
+              <a:solidFill>
+                <a:schemeClr val="tx1"/>
+              </a:solidFill>
+            </a:ln>
+          </p:spPr>
+          <p:style>
+            <a:lnRef idx="3">
+              <a:schemeClr val="lt1"/>
+            </a:lnRef>
+            <a:fillRef idx="1">
+              <a:schemeClr val="accent5"/>
+            </a:fillRef>
+            <a:effectRef idx="1">
+              <a:schemeClr val="accent5"/>
+            </a:effectRef>
+            <a:fontRef idx="minor">
+              <a:schemeClr val="lt1"/>
+            </a:fontRef>
+          </p:style>
+          <p:txBody>
+            <a:bodyPr rtlCol="0" anchor="ctr"/>
+            <a:lstStyle/>
+            <a:p>
+              <a:pPr algn="ctr"/>
+              <a:r>
+                <a:rPr lang="en-US" sz="1400" dirty="0">
+                  <a:solidFill>
+                    <a:schemeClr val="tx1"/>
+                  </a:solidFill>
+                </a:rPr>
+                <a:t>2D Dropout (0.3)</a:t>
+              </a:r>
+            </a:p>
+          </p:txBody>
+        </p:sp>
+        <p:cxnSp>
+          <p:nvCxnSpPr>
+            <p:cNvPr id="69" name="Straight Arrow Connector 68">
+              <a:extLst>
+                <a:ext uri="{FF2B5EF4-FFF2-40B4-BE49-F238E27FC236}">
+                  <a16:creationId xmlns:a16="http://schemas.microsoft.com/office/drawing/2014/main" id="{A2367420-9696-40D8-BEE0-B39A99027703}"/>
+                </a:ext>
+              </a:extLst>
+            </p:cNvPr>
+            <p:cNvCxnSpPr>
+              <a:cxnSpLocks/>
+              <a:stCxn id="66" idx="2"/>
+              <a:endCxn id="68" idx="0"/>
+            </p:cNvCxnSpPr>
+            <p:nvPr/>
+          </p:nvCxnSpPr>
+          <p:spPr>
+            <a:xfrm>
+              <a:off x="1572714" y="3122913"/>
+              <a:ext cx="0" cy="131856"/>
+            </a:xfrm>
+            <a:prstGeom prst="straightConnector1">
+              <a:avLst/>
+            </a:prstGeom>
+            <a:ln w="28575">
+              <a:solidFill>
+                <a:schemeClr val="tx1"/>
+              </a:solidFill>
+              <a:tailEnd type="triangle"/>
+            </a:ln>
+          </p:spPr>
+          <p:style>
+            <a:lnRef idx="1">
+              <a:schemeClr val="accent1"/>
+            </a:lnRef>
+            <a:fillRef idx="0">
+              <a:schemeClr val="accent1"/>
+            </a:fillRef>
+            <a:effectRef idx="0">
+              <a:schemeClr val="accent1"/>
+            </a:effectRef>
+            <a:fontRef idx="minor">
+              <a:schemeClr val="tx1"/>
+            </a:fontRef>
+          </p:style>
+        </p:cxnSp>
+        <p:sp>
+          <p:nvSpPr>
+            <p:cNvPr id="70" name="Rectangle 69">
+              <a:extLst>
+                <a:ext uri="{FF2B5EF4-FFF2-40B4-BE49-F238E27FC236}">
+                  <a16:creationId xmlns:a16="http://schemas.microsoft.com/office/drawing/2014/main" id="{EC216857-56B2-C398-D56A-52F6D12D56ED}"/>
+                </a:ext>
+              </a:extLst>
+            </p:cNvPr>
+            <p:cNvSpPr/>
+            <p:nvPr/>
+          </p:nvSpPr>
+          <p:spPr>
+            <a:xfrm>
+              <a:off x="266084" y="3896967"/>
+              <a:ext cx="2613260" cy="163600"/>
+            </a:xfrm>
+            <a:prstGeom prst="rect">
+              <a:avLst/>
+            </a:prstGeom>
+            <a:solidFill>
+              <a:schemeClr val="bg1"/>
+            </a:solidFill>
+            <a:ln>
+              <a:solidFill>
+                <a:schemeClr val="tx1"/>
+              </a:solidFill>
+            </a:ln>
+          </p:spPr>
+          <p:style>
+            <a:lnRef idx="3">
+              <a:schemeClr val="lt1"/>
+            </a:lnRef>
+            <a:fillRef idx="1">
+              <a:schemeClr val="accent5"/>
+            </a:fillRef>
+            <a:effectRef idx="1">
+              <a:schemeClr val="accent5"/>
+            </a:effectRef>
+            <a:fontRef idx="minor">
+              <a:schemeClr val="lt1"/>
+            </a:fontRef>
+          </p:style>
+          <p:txBody>
+            <a:bodyPr rtlCol="0" anchor="ctr"/>
+            <a:lstStyle/>
+            <a:p>
+              <a:pPr algn="ctr"/>
+              <a:r>
+                <a:rPr lang="en-US" sz="1400" dirty="0">
+                  <a:solidFill>
+                    <a:schemeClr val="tx1"/>
+                  </a:solidFill>
+                </a:rPr>
+                <a:t>2D Convolution Layer (16,32,3,1)</a:t>
+              </a:r>
+            </a:p>
+          </p:txBody>
+        </p:sp>
+        <p:sp>
+          <p:nvSpPr>
+            <p:cNvPr id="71" name="Rectangle 70">
+              <a:extLst>
+                <a:ext uri="{FF2B5EF4-FFF2-40B4-BE49-F238E27FC236}">
+                  <a16:creationId xmlns:a16="http://schemas.microsoft.com/office/drawing/2014/main" id="{36D8D136-3AE5-677C-0223-8D2C1776CEB1}"/>
+                </a:ext>
+              </a:extLst>
+            </p:cNvPr>
+            <p:cNvSpPr/>
+            <p:nvPr/>
+          </p:nvSpPr>
+          <p:spPr>
+            <a:xfrm>
+              <a:off x="266090" y="4264670"/>
+              <a:ext cx="2613260" cy="163600"/>
+            </a:xfrm>
+            <a:prstGeom prst="rect">
+              <a:avLst/>
+            </a:prstGeom>
+            <a:solidFill>
+              <a:schemeClr val="bg1"/>
+            </a:solidFill>
+            <a:ln>
+              <a:solidFill>
+                <a:schemeClr val="tx1"/>
+              </a:solidFill>
+            </a:ln>
+          </p:spPr>
+          <p:style>
+            <a:lnRef idx="3">
+              <a:schemeClr val="lt1"/>
+            </a:lnRef>
+            <a:fillRef idx="1">
+              <a:schemeClr val="accent5"/>
+            </a:fillRef>
+            <a:effectRef idx="1">
+              <a:schemeClr val="accent5"/>
+            </a:effectRef>
+            <a:fontRef idx="minor">
+              <a:schemeClr val="lt1"/>
+            </a:fontRef>
+          </p:style>
+          <p:txBody>
+            <a:bodyPr rtlCol="0" anchor="ctr"/>
+            <a:lstStyle/>
+            <a:p>
+              <a:pPr algn="ctr"/>
+              <a:r>
+                <a:rPr lang="en-US" sz="1400" dirty="0">
+                  <a:solidFill>
+                    <a:schemeClr val="tx1"/>
+                  </a:solidFill>
+                </a:rPr>
+                <a:t>2D Batch Norm (32)</a:t>
+              </a:r>
+            </a:p>
+          </p:txBody>
+        </p:sp>
+        <p:cxnSp>
+          <p:nvCxnSpPr>
+            <p:cNvPr id="72" name="Straight Arrow Connector 71">
+              <a:extLst>
+                <a:ext uri="{FF2B5EF4-FFF2-40B4-BE49-F238E27FC236}">
+                  <a16:creationId xmlns:a16="http://schemas.microsoft.com/office/drawing/2014/main" id="{1EAA1DC5-B9CF-48B4-A9BE-619E6333B7D5}"/>
+                </a:ext>
+              </a:extLst>
+            </p:cNvPr>
+            <p:cNvCxnSpPr>
+              <a:cxnSpLocks/>
+              <a:stCxn id="70" idx="2"/>
+              <a:endCxn id="71" idx="0"/>
+            </p:cNvCxnSpPr>
+            <p:nvPr/>
+          </p:nvCxnSpPr>
+          <p:spPr>
+            <a:xfrm>
+              <a:off x="1572714" y="4060567"/>
+              <a:ext cx="6" cy="204103"/>
+            </a:xfrm>
+            <a:prstGeom prst="straightConnector1">
+              <a:avLst/>
+            </a:prstGeom>
+            <a:ln w="28575">
+              <a:solidFill>
+                <a:schemeClr val="tx1"/>
+              </a:solidFill>
+              <a:tailEnd type="triangle"/>
+            </a:ln>
+          </p:spPr>
+          <p:style>
+            <a:lnRef idx="1">
+              <a:schemeClr val="accent1"/>
+            </a:lnRef>
+            <a:fillRef idx="0">
+              <a:schemeClr val="accent1"/>
+            </a:fillRef>
+            <a:effectRef idx="0">
+              <a:schemeClr val="accent1"/>
+            </a:effectRef>
+            <a:fontRef idx="minor">
+              <a:schemeClr val="tx1"/>
+            </a:fontRef>
+          </p:style>
+        </p:cxnSp>
+        <p:sp>
+          <p:nvSpPr>
+            <p:cNvPr id="73" name="TextBox 72">
+              <a:extLst>
+                <a:ext uri="{FF2B5EF4-FFF2-40B4-BE49-F238E27FC236}">
+                  <a16:creationId xmlns:a16="http://schemas.microsoft.com/office/drawing/2014/main" id="{6AA1BAE1-0EA2-99E8-8A4A-39D1D16C9EB9}"/>
+                </a:ext>
+              </a:extLst>
+            </p:cNvPr>
+            <p:cNvSpPr txBox="1"/>
+            <p:nvPr/>
+          </p:nvSpPr>
+          <p:spPr>
+            <a:xfrm>
+              <a:off x="1572282" y="4033337"/>
+              <a:ext cx="849879" cy="261610"/>
+            </a:xfrm>
+            <a:prstGeom prst="rect">
+              <a:avLst/>
+            </a:prstGeom>
+            <a:noFill/>
+          </p:spPr>
+          <p:txBody>
+            <a:bodyPr wrap="square" rtlCol="0">
+              <a:spAutoFit/>
+            </a:bodyPr>
+            <a:lstStyle/>
+            <a:p>
+              <a:r>
+                <a:rPr lang="en-US" sz="1100" dirty="0" err="1"/>
+                <a:t>ReLU</a:t>
+              </a:r>
+              <a:endParaRPr lang="en-US" sz="1100" dirty="0"/>
+            </a:p>
+          </p:txBody>
+        </p:sp>
+        <p:cxnSp>
+          <p:nvCxnSpPr>
+            <p:cNvPr id="74" name="Straight Arrow Connector 73">
+              <a:extLst>
+                <a:ext uri="{FF2B5EF4-FFF2-40B4-BE49-F238E27FC236}">
+                  <a16:creationId xmlns:a16="http://schemas.microsoft.com/office/drawing/2014/main" id="{D30F1A72-5177-0854-67CA-909757C258E9}"/>
+                </a:ext>
+              </a:extLst>
+            </p:cNvPr>
+            <p:cNvCxnSpPr>
+              <a:cxnSpLocks/>
+              <a:stCxn id="68" idx="2"/>
+              <a:endCxn id="70" idx="0"/>
+            </p:cNvCxnSpPr>
+            <p:nvPr/>
+          </p:nvCxnSpPr>
+          <p:spPr>
+            <a:xfrm>
+              <a:off x="1572714" y="3418369"/>
+              <a:ext cx="0" cy="478598"/>
+            </a:xfrm>
+            <a:prstGeom prst="straightConnector1">
+              <a:avLst/>
+            </a:prstGeom>
+            <a:ln w="28575">
+              <a:solidFill>
+                <a:schemeClr val="tx1"/>
+              </a:solidFill>
+              <a:tailEnd type="triangle"/>
+            </a:ln>
+          </p:spPr>
+          <p:style>
+            <a:lnRef idx="1">
+              <a:schemeClr val="accent1"/>
+            </a:lnRef>
+            <a:fillRef idx="0">
+              <a:schemeClr val="accent1"/>
+            </a:fillRef>
+            <a:effectRef idx="0">
+              <a:schemeClr val="accent1"/>
+            </a:effectRef>
+            <a:fontRef idx="minor">
+              <a:schemeClr val="tx1"/>
+            </a:fontRef>
+          </p:style>
+        </p:cxnSp>
+        <p:sp>
+          <p:nvSpPr>
+            <p:cNvPr id="75" name="Rectangle 74">
+              <a:extLst>
+                <a:ext uri="{FF2B5EF4-FFF2-40B4-BE49-F238E27FC236}">
+                  <a16:creationId xmlns:a16="http://schemas.microsoft.com/office/drawing/2014/main" id="{1289B420-C5A3-3591-3D96-3EE56B3CC4D2}"/>
+                </a:ext>
+              </a:extLst>
+            </p:cNvPr>
+            <p:cNvSpPr/>
+            <p:nvPr/>
+          </p:nvSpPr>
+          <p:spPr>
+            <a:xfrm>
+              <a:off x="266090" y="4659080"/>
+              <a:ext cx="2613260" cy="163600"/>
+            </a:xfrm>
+            <a:prstGeom prst="rect">
+              <a:avLst/>
+            </a:prstGeom>
+            <a:solidFill>
+              <a:schemeClr val="bg1"/>
+            </a:solidFill>
+            <a:ln>
+              <a:solidFill>
+                <a:schemeClr val="tx1"/>
+              </a:solidFill>
+            </a:ln>
+          </p:spPr>
+          <p:style>
+            <a:lnRef idx="3">
+              <a:schemeClr val="lt1"/>
+            </a:lnRef>
+            <a:fillRef idx="1">
+              <a:schemeClr val="accent5"/>
+            </a:fillRef>
+            <a:effectRef idx="1">
+              <a:schemeClr val="accent5"/>
+            </a:effectRef>
+            <a:fontRef idx="minor">
+              <a:schemeClr val="lt1"/>
+            </a:fontRef>
+          </p:style>
+          <p:txBody>
+            <a:bodyPr rtlCol="0" anchor="ctr"/>
+            <a:lstStyle/>
+            <a:p>
+              <a:pPr algn="ctr"/>
+              <a:r>
+                <a:rPr lang="en-US" sz="1400" dirty="0">
+                  <a:solidFill>
+                    <a:schemeClr val="tx1"/>
+                  </a:solidFill>
+                </a:rPr>
+                <a:t>2D Convolution Layer (32,32,3,1)</a:t>
+              </a:r>
+            </a:p>
+          </p:txBody>
+        </p:sp>
+        <p:sp>
+          <p:nvSpPr>
+            <p:cNvPr id="76" name="Rectangle 75">
+              <a:extLst>
+                <a:ext uri="{FF2B5EF4-FFF2-40B4-BE49-F238E27FC236}">
+                  <a16:creationId xmlns:a16="http://schemas.microsoft.com/office/drawing/2014/main" id="{099F0F4E-82C2-FC7F-6860-D5D531128607}"/>
+                </a:ext>
+              </a:extLst>
+            </p:cNvPr>
+            <p:cNvSpPr/>
+            <p:nvPr/>
+          </p:nvSpPr>
+          <p:spPr>
+            <a:xfrm>
+              <a:off x="266090" y="5017326"/>
+              <a:ext cx="2613260" cy="163600"/>
+            </a:xfrm>
+            <a:prstGeom prst="rect">
+              <a:avLst/>
+            </a:prstGeom>
+            <a:solidFill>
+              <a:schemeClr val="bg1"/>
+            </a:solidFill>
+            <a:ln>
+              <a:solidFill>
+                <a:schemeClr val="tx1"/>
+              </a:solidFill>
+            </a:ln>
+          </p:spPr>
+          <p:style>
+            <a:lnRef idx="3">
+              <a:schemeClr val="lt1"/>
+            </a:lnRef>
+            <a:fillRef idx="1">
+              <a:schemeClr val="accent5"/>
+            </a:fillRef>
+            <a:effectRef idx="1">
+              <a:schemeClr val="accent5"/>
+            </a:effectRef>
+            <a:fontRef idx="minor">
+              <a:schemeClr val="lt1"/>
+            </a:fontRef>
+          </p:style>
+          <p:txBody>
+            <a:bodyPr rtlCol="0" anchor="ctr"/>
+            <a:lstStyle/>
+            <a:p>
+              <a:pPr algn="ctr"/>
+              <a:r>
+                <a:rPr lang="en-US" sz="1400" dirty="0">
+                  <a:solidFill>
+                    <a:schemeClr val="tx1"/>
+                  </a:solidFill>
+                </a:rPr>
+                <a:t>2D Batch Norm (32)</a:t>
+              </a:r>
+            </a:p>
+          </p:txBody>
+        </p:sp>
+        <p:cxnSp>
+          <p:nvCxnSpPr>
+            <p:cNvPr id="77" name="Straight Arrow Connector 76">
+              <a:extLst>
+                <a:ext uri="{FF2B5EF4-FFF2-40B4-BE49-F238E27FC236}">
+                  <a16:creationId xmlns:a16="http://schemas.microsoft.com/office/drawing/2014/main" id="{53EEDD4E-901C-BA75-9DD3-ADEAA1EF16AC}"/>
+                </a:ext>
+              </a:extLst>
+            </p:cNvPr>
+            <p:cNvCxnSpPr>
+              <a:cxnSpLocks/>
+              <a:stCxn id="75" idx="2"/>
+              <a:endCxn id="76" idx="0"/>
+            </p:cNvCxnSpPr>
+            <p:nvPr/>
+          </p:nvCxnSpPr>
+          <p:spPr>
+            <a:xfrm>
+              <a:off x="1572720" y="4822680"/>
+              <a:ext cx="0" cy="194646"/>
+            </a:xfrm>
+            <a:prstGeom prst="straightConnector1">
+              <a:avLst/>
+            </a:prstGeom>
+            <a:ln w="28575">
+              <a:solidFill>
+                <a:schemeClr val="tx1"/>
+              </a:solidFill>
+              <a:tailEnd type="triangle"/>
+            </a:ln>
+          </p:spPr>
+          <p:style>
+            <a:lnRef idx="1">
+              <a:schemeClr val="accent1"/>
+            </a:lnRef>
+            <a:fillRef idx="0">
+              <a:schemeClr val="accent1"/>
+            </a:fillRef>
+            <a:effectRef idx="0">
+              <a:schemeClr val="accent1"/>
+            </a:effectRef>
+            <a:fontRef idx="minor">
+              <a:schemeClr val="tx1"/>
+            </a:fontRef>
+          </p:style>
+        </p:cxnSp>
+        <p:sp>
+          <p:nvSpPr>
+            <p:cNvPr id="78" name="TextBox 77">
+              <a:extLst>
+                <a:ext uri="{FF2B5EF4-FFF2-40B4-BE49-F238E27FC236}">
+                  <a16:creationId xmlns:a16="http://schemas.microsoft.com/office/drawing/2014/main" id="{179F578E-91C2-534A-C522-7D2205C4B7A3}"/>
+                </a:ext>
+              </a:extLst>
+            </p:cNvPr>
+            <p:cNvSpPr txBox="1"/>
+            <p:nvPr/>
+          </p:nvSpPr>
+          <p:spPr>
+            <a:xfrm>
+              <a:off x="1560796" y="4786499"/>
+              <a:ext cx="849879" cy="261610"/>
+            </a:xfrm>
+            <a:prstGeom prst="rect">
+              <a:avLst/>
+            </a:prstGeom>
+            <a:noFill/>
+          </p:spPr>
+          <p:txBody>
+            <a:bodyPr wrap="square" rtlCol="0">
+              <a:spAutoFit/>
+            </a:bodyPr>
+            <a:lstStyle/>
+            <a:p>
+              <a:r>
+                <a:rPr lang="en-US" sz="1100" dirty="0" err="1"/>
+                <a:t>ReLU</a:t>
+              </a:r>
+              <a:endParaRPr lang="en-US" sz="1100" dirty="0"/>
+            </a:p>
+          </p:txBody>
+        </p:sp>
+        <p:cxnSp>
+          <p:nvCxnSpPr>
+            <p:cNvPr id="79" name="Straight Arrow Connector 78">
+              <a:extLst>
+                <a:ext uri="{FF2B5EF4-FFF2-40B4-BE49-F238E27FC236}">
+                  <a16:creationId xmlns:a16="http://schemas.microsoft.com/office/drawing/2014/main" id="{39E290F1-E81B-744E-DDE1-2B1F83778127}"/>
+                </a:ext>
+              </a:extLst>
+            </p:cNvPr>
+            <p:cNvCxnSpPr>
+              <a:cxnSpLocks/>
+              <a:stCxn id="71" idx="2"/>
+              <a:endCxn id="75" idx="0"/>
+            </p:cNvCxnSpPr>
+            <p:nvPr/>
+          </p:nvCxnSpPr>
+          <p:spPr>
+            <a:xfrm>
+              <a:off x="1572720" y="4428270"/>
+              <a:ext cx="0" cy="230810"/>
+            </a:xfrm>
+            <a:prstGeom prst="straightConnector1">
+              <a:avLst/>
+            </a:prstGeom>
+            <a:ln w="28575">
+              <a:solidFill>
+                <a:schemeClr val="tx1"/>
+              </a:solidFill>
+              <a:tailEnd type="triangle"/>
+            </a:ln>
+          </p:spPr>
+          <p:style>
+            <a:lnRef idx="1">
+              <a:schemeClr val="accent1"/>
+            </a:lnRef>
+            <a:fillRef idx="0">
+              <a:schemeClr val="accent1"/>
+            </a:fillRef>
+            <a:effectRef idx="0">
+              <a:schemeClr val="accent1"/>
+            </a:effectRef>
+            <a:fontRef idx="minor">
+              <a:schemeClr val="tx1"/>
+            </a:fontRef>
+          </p:style>
+        </p:cxnSp>
+        <p:sp>
+          <p:nvSpPr>
+            <p:cNvPr id="80" name="Rectangle 79">
+              <a:extLst>
+                <a:ext uri="{FF2B5EF4-FFF2-40B4-BE49-F238E27FC236}">
+                  <a16:creationId xmlns:a16="http://schemas.microsoft.com/office/drawing/2014/main" id="{4ED0180D-B5D9-83D5-FD6A-4391A42B3377}"/>
+                </a:ext>
+              </a:extLst>
+            </p:cNvPr>
+            <p:cNvSpPr/>
+            <p:nvPr/>
+          </p:nvSpPr>
+          <p:spPr>
+            <a:xfrm>
+              <a:off x="266413" y="5436600"/>
+              <a:ext cx="2613260" cy="163600"/>
+            </a:xfrm>
+            <a:prstGeom prst="rect">
+              <a:avLst/>
+            </a:prstGeom>
+            <a:solidFill>
+              <a:schemeClr val="bg1"/>
+            </a:solidFill>
+            <a:ln>
+              <a:solidFill>
+                <a:schemeClr val="tx1"/>
+              </a:solidFill>
+            </a:ln>
+          </p:spPr>
+          <p:style>
+            <a:lnRef idx="3">
+              <a:schemeClr val="lt1"/>
+            </a:lnRef>
+            <a:fillRef idx="1">
+              <a:schemeClr val="accent5"/>
+            </a:fillRef>
+            <a:effectRef idx="1">
+              <a:schemeClr val="accent5"/>
+            </a:effectRef>
+            <a:fontRef idx="minor">
+              <a:schemeClr val="lt1"/>
+            </a:fontRef>
+          </p:style>
+          <p:txBody>
+            <a:bodyPr rtlCol="0" anchor="ctr"/>
+            <a:lstStyle/>
+            <a:p>
+              <a:pPr algn="ctr"/>
+              <a:r>
+                <a:rPr lang="en-US" sz="1400" dirty="0">
+                  <a:solidFill>
+                    <a:schemeClr val="tx1"/>
+                  </a:solidFill>
+                </a:rPr>
+                <a:t>2D Max Pool (2)</a:t>
+              </a:r>
+            </a:p>
+          </p:txBody>
+        </p:sp>
+        <p:cxnSp>
+          <p:nvCxnSpPr>
+            <p:cNvPr id="81" name="Straight Arrow Connector 80">
+              <a:extLst>
+                <a:ext uri="{FF2B5EF4-FFF2-40B4-BE49-F238E27FC236}">
+                  <a16:creationId xmlns:a16="http://schemas.microsoft.com/office/drawing/2014/main" id="{6B3F5DE1-5B2A-7493-34C4-403FE50A65D4}"/>
+                </a:ext>
+              </a:extLst>
+            </p:cNvPr>
+            <p:cNvCxnSpPr>
+              <a:cxnSpLocks/>
+              <a:stCxn id="76" idx="2"/>
+              <a:endCxn id="80" idx="0"/>
+            </p:cNvCxnSpPr>
+            <p:nvPr/>
+          </p:nvCxnSpPr>
+          <p:spPr>
+            <a:xfrm>
+              <a:off x="1572720" y="5180926"/>
+              <a:ext cx="323" cy="255674"/>
+            </a:xfrm>
+            <a:prstGeom prst="straightConnector1">
+              <a:avLst/>
+            </a:prstGeom>
+            <a:ln w="28575">
+              <a:solidFill>
+                <a:schemeClr val="tx1"/>
+              </a:solidFill>
+              <a:tailEnd type="triangle"/>
+            </a:ln>
+          </p:spPr>
+          <p:style>
+            <a:lnRef idx="1">
+              <a:schemeClr val="accent1"/>
+            </a:lnRef>
+            <a:fillRef idx="0">
+              <a:schemeClr val="accent1"/>
+            </a:fillRef>
+            <a:effectRef idx="0">
+              <a:schemeClr val="accent1"/>
+            </a:effectRef>
+            <a:fontRef idx="minor">
+              <a:schemeClr val="tx1"/>
+            </a:fontRef>
+          </p:style>
+        </p:cxnSp>
+        <p:sp>
+          <p:nvSpPr>
+            <p:cNvPr id="82" name="Rectangle 81">
+              <a:extLst>
+                <a:ext uri="{FF2B5EF4-FFF2-40B4-BE49-F238E27FC236}">
+                  <a16:creationId xmlns:a16="http://schemas.microsoft.com/office/drawing/2014/main" id="{50B067C0-8C36-95DE-52D6-98049711A55E}"/>
+                </a:ext>
+              </a:extLst>
+            </p:cNvPr>
+            <p:cNvSpPr/>
+            <p:nvPr/>
+          </p:nvSpPr>
+          <p:spPr>
+            <a:xfrm>
+              <a:off x="268836" y="5737498"/>
+              <a:ext cx="2613260" cy="163600"/>
+            </a:xfrm>
+            <a:prstGeom prst="rect">
+              <a:avLst/>
+            </a:prstGeom>
+            <a:solidFill>
+              <a:schemeClr val="bg1"/>
+            </a:solidFill>
+            <a:ln>
+              <a:solidFill>
+                <a:schemeClr val="tx1"/>
+              </a:solidFill>
+            </a:ln>
+          </p:spPr>
+          <p:style>
+            <a:lnRef idx="3">
+              <a:schemeClr val="lt1"/>
+            </a:lnRef>
+            <a:fillRef idx="1">
+              <a:schemeClr val="accent5"/>
+            </a:fillRef>
+            <a:effectRef idx="1">
+              <a:schemeClr val="accent5"/>
+            </a:effectRef>
+            <a:fontRef idx="minor">
+              <a:schemeClr val="lt1"/>
+            </a:fontRef>
+          </p:style>
+          <p:txBody>
+            <a:bodyPr rtlCol="0" anchor="ctr"/>
+            <a:lstStyle/>
+            <a:p>
+              <a:pPr algn="ctr"/>
+              <a:r>
+                <a:rPr lang="en-US" sz="1400" dirty="0">
+                  <a:solidFill>
+                    <a:schemeClr val="tx1"/>
+                  </a:solidFill>
+                </a:rPr>
+                <a:t>2D Dropout (0.3)</a:t>
+              </a:r>
+            </a:p>
+          </p:txBody>
+        </p:sp>
+        <p:cxnSp>
+          <p:nvCxnSpPr>
+            <p:cNvPr id="83" name="Straight Arrow Connector 82">
+              <a:extLst>
+                <a:ext uri="{FF2B5EF4-FFF2-40B4-BE49-F238E27FC236}">
+                  <a16:creationId xmlns:a16="http://schemas.microsoft.com/office/drawing/2014/main" id="{94A21D6F-B64F-DC70-F908-64FAFD8E2EFF}"/>
+                </a:ext>
+              </a:extLst>
+            </p:cNvPr>
+            <p:cNvCxnSpPr>
+              <a:cxnSpLocks/>
+            </p:cNvCxnSpPr>
+            <p:nvPr/>
+          </p:nvCxnSpPr>
+          <p:spPr>
+            <a:xfrm>
+              <a:off x="1573041" y="5600200"/>
+              <a:ext cx="2423" cy="137298"/>
+            </a:xfrm>
+            <a:prstGeom prst="straightConnector1">
+              <a:avLst/>
+            </a:prstGeom>
+            <a:ln w="28575">
+              <a:solidFill>
+                <a:schemeClr val="tx1"/>
+              </a:solidFill>
+              <a:tailEnd type="triangle"/>
+            </a:ln>
+          </p:spPr>
+          <p:style>
+            <a:lnRef idx="1">
+              <a:schemeClr val="accent1"/>
+            </a:lnRef>
+            <a:fillRef idx="0">
+              <a:schemeClr val="accent1"/>
+            </a:fillRef>
+            <a:effectRef idx="0">
+              <a:schemeClr val="accent1"/>
+            </a:effectRef>
+            <a:fontRef idx="minor">
+              <a:schemeClr val="tx1"/>
+            </a:fontRef>
+          </p:style>
+        </p:cxnSp>
+      </p:grpSp>
+      <p:sp>
+        <p:nvSpPr>
+          <p:cNvPr id="44" name="Rectangle 43">
+            <a:extLst>
+              <a:ext uri="{FF2B5EF4-FFF2-40B4-BE49-F238E27FC236}">
+                <a16:creationId xmlns:a16="http://schemas.microsoft.com/office/drawing/2014/main" id="{D7A8CD30-28B9-55B4-3335-4A6AC7870836}"/>
+              </a:ext>
+            </a:extLst>
+          </p:cNvPr>
+          <p:cNvSpPr/>
+          <p:nvPr/>
+        </p:nvSpPr>
+        <p:spPr>
+          <a:xfrm>
+            <a:off x="270822" y="6777620"/>
+            <a:ext cx="2621089" cy="174109"/>
+          </a:xfrm>
+          <a:prstGeom prst="rect">
+            <a:avLst/>
+          </a:prstGeom>
+          <a:solidFill>
+            <a:schemeClr val="bg1"/>
+          </a:solidFill>
+          <a:ln>
+            <a:solidFill>
+              <a:schemeClr val="tx1"/>
+            </a:solidFill>
+          </a:ln>
+        </p:spPr>
+        <p:style>
+          <a:lnRef idx="3">
+            <a:schemeClr val="lt1"/>
+          </a:lnRef>
+          <a:fillRef idx="1">
+            <a:schemeClr val="accent5"/>
+          </a:fillRef>
+          <a:effectRef idx="1">
+            <a:schemeClr val="accent5"/>
+          </a:effectRef>
+          <a:fontRef idx="minor">
+            <a:schemeClr val="lt1"/>
+          </a:fontRef>
+        </p:style>
+        <p:txBody>
+          <a:bodyPr rtlCol="0" anchor="ctr"/>
+          <a:lstStyle/>
+          <a:p>
+            <a:pPr algn="ctr"/>
+            <a:r>
+              <a:rPr lang="en-US" sz="1400" dirty="0">
+                <a:solidFill>
+                  <a:schemeClr val="tx1"/>
+                </a:solidFill>
+              </a:rPr>
+              <a:t>LSTM1 (15488,128)</a:t>
+            </a:r>
+          </a:p>
+        </p:txBody>
+      </p:sp>
+      <p:sp>
+        <p:nvSpPr>
+          <p:cNvPr id="45" name="Rectangle 44">
+            <a:extLst>
+              <a:ext uri="{FF2B5EF4-FFF2-40B4-BE49-F238E27FC236}">
+                <a16:creationId xmlns:a16="http://schemas.microsoft.com/office/drawing/2014/main" id="{5ABE9609-9C7F-0696-0BB1-FB08BB0344D3}"/>
+              </a:ext>
+            </a:extLst>
+          </p:cNvPr>
+          <p:cNvSpPr/>
+          <p:nvPr/>
+        </p:nvSpPr>
+        <p:spPr>
+          <a:xfrm>
+            <a:off x="270822" y="7119081"/>
+            <a:ext cx="2621089" cy="174109"/>
+          </a:xfrm>
+          <a:prstGeom prst="rect">
+            <a:avLst/>
+          </a:prstGeom>
+          <a:solidFill>
+            <a:schemeClr val="bg1"/>
+          </a:solidFill>
+          <a:ln>
+            <a:solidFill>
+              <a:schemeClr val="tx1"/>
+            </a:solidFill>
+          </a:ln>
+        </p:spPr>
+        <p:style>
+          <a:lnRef idx="3">
+            <a:schemeClr val="lt1"/>
+          </a:lnRef>
+          <a:fillRef idx="1">
+            <a:schemeClr val="accent5"/>
+          </a:fillRef>
+          <a:effectRef idx="1">
+            <a:schemeClr val="accent5"/>
+          </a:effectRef>
+          <a:fontRef idx="minor">
+            <a:schemeClr val="lt1"/>
+          </a:fontRef>
+        </p:style>
+        <p:txBody>
+          <a:bodyPr rtlCol="0" anchor="ctr"/>
+          <a:lstStyle/>
+          <a:p>
+            <a:pPr algn="ctr"/>
+            <a:r>
+              <a:rPr lang="en-US" sz="1400" dirty="0">
+                <a:solidFill>
+                  <a:schemeClr val="tx1"/>
+                </a:solidFill>
+              </a:rPr>
+              <a:t>LSTM2 (128,128)</a:t>
+            </a:r>
+          </a:p>
+        </p:txBody>
+      </p:sp>
+      <p:sp>
+        <p:nvSpPr>
+          <p:cNvPr id="46" name="Rectangle 45">
+            <a:extLst>
+              <a:ext uri="{FF2B5EF4-FFF2-40B4-BE49-F238E27FC236}">
+                <a16:creationId xmlns:a16="http://schemas.microsoft.com/office/drawing/2014/main" id="{7EED2A71-107D-0B21-E4C2-233235C66324}"/>
+              </a:ext>
+            </a:extLst>
+          </p:cNvPr>
+          <p:cNvSpPr/>
+          <p:nvPr/>
+        </p:nvSpPr>
+        <p:spPr>
+          <a:xfrm>
+            <a:off x="270932" y="7656708"/>
+            <a:ext cx="2621089" cy="174109"/>
+          </a:xfrm>
+          <a:prstGeom prst="rect">
+            <a:avLst/>
+          </a:prstGeom>
+          <a:solidFill>
+            <a:schemeClr val="bg1"/>
+          </a:solidFill>
+          <a:ln>
+            <a:solidFill>
+              <a:schemeClr val="tx1"/>
+            </a:solidFill>
+          </a:ln>
+        </p:spPr>
+        <p:style>
+          <a:lnRef idx="3">
+            <a:schemeClr val="lt1"/>
+          </a:lnRef>
+          <a:fillRef idx="1">
+            <a:schemeClr val="accent5"/>
+          </a:fillRef>
+          <a:effectRef idx="1">
+            <a:schemeClr val="accent5"/>
+          </a:effectRef>
+          <a:fontRef idx="minor">
+            <a:schemeClr val="lt1"/>
+          </a:fontRef>
+        </p:style>
+        <p:txBody>
+          <a:bodyPr rtlCol="0" anchor="ctr"/>
+          <a:lstStyle/>
+          <a:p>
+            <a:pPr algn="ctr"/>
+            <a:r>
+              <a:rPr lang="en-US" sz="1400" dirty="0">
+                <a:solidFill>
+                  <a:schemeClr val="tx1"/>
+                </a:solidFill>
+              </a:rPr>
+              <a:t>Fully Connected Layer (128,64)</a:t>
+            </a:r>
+          </a:p>
+        </p:txBody>
+      </p:sp>
+      <p:sp>
+        <p:nvSpPr>
+          <p:cNvPr id="47" name="Rectangle 46">
+            <a:extLst>
+              <a:ext uri="{FF2B5EF4-FFF2-40B4-BE49-F238E27FC236}">
+                <a16:creationId xmlns:a16="http://schemas.microsoft.com/office/drawing/2014/main" id="{D67BB8F1-F56C-5528-AE52-27A0D9C5F8F2}"/>
+              </a:ext>
+            </a:extLst>
+          </p:cNvPr>
+          <p:cNvSpPr/>
+          <p:nvPr/>
+        </p:nvSpPr>
+        <p:spPr>
+          <a:xfrm>
+            <a:off x="2022258" y="8973662"/>
+            <a:ext cx="2621089" cy="174109"/>
+          </a:xfrm>
+          <a:prstGeom prst="rect">
+            <a:avLst/>
+          </a:prstGeom>
+          <a:solidFill>
+            <a:schemeClr val="bg1"/>
+          </a:solidFill>
+          <a:ln>
+            <a:solidFill>
+              <a:schemeClr val="tx1"/>
+            </a:solidFill>
+          </a:ln>
+        </p:spPr>
+        <p:style>
+          <a:lnRef idx="3">
+            <a:schemeClr val="lt1"/>
+          </a:lnRef>
+          <a:fillRef idx="1">
+            <a:schemeClr val="accent5"/>
+          </a:fillRef>
+          <a:effectRef idx="1">
+            <a:schemeClr val="accent5"/>
+          </a:effectRef>
+          <a:fontRef idx="minor">
+            <a:schemeClr val="lt1"/>
+          </a:fontRef>
+        </p:style>
+        <p:txBody>
+          <a:bodyPr rtlCol="0" anchor="ctr"/>
+          <a:lstStyle/>
+          <a:p>
+            <a:pPr algn="ctr"/>
+            <a:r>
+              <a:rPr lang="en-US" sz="1400" dirty="0">
+                <a:solidFill>
+                  <a:schemeClr val="tx1"/>
+                </a:solidFill>
+              </a:rPr>
+              <a:t>Fully Connected Layer (128,1)</a:t>
+            </a:r>
+          </a:p>
+        </p:txBody>
+      </p:sp>
+      <p:cxnSp>
+        <p:nvCxnSpPr>
+          <p:cNvPr id="48" name="Straight Arrow Connector 47">
+            <a:extLst>
+              <a:ext uri="{FF2B5EF4-FFF2-40B4-BE49-F238E27FC236}">
+                <a16:creationId xmlns:a16="http://schemas.microsoft.com/office/drawing/2014/main" id="{0494B427-B83B-B5F3-3E73-E34C28637626}"/>
+              </a:ext>
+            </a:extLst>
+          </p:cNvPr>
+          <p:cNvCxnSpPr>
+            <a:cxnSpLocks/>
+            <a:stCxn id="44" idx="2"/>
+          </p:cNvCxnSpPr>
+          <p:nvPr/>
+        </p:nvCxnSpPr>
+        <p:spPr>
+          <a:xfrm flipH="1">
+            <a:off x="1581365" y="6951729"/>
+            <a:ext cx="1" cy="167353"/>
+          </a:xfrm>
+          <a:prstGeom prst="straightConnector1">
+            <a:avLst/>
+          </a:prstGeom>
+          <a:ln w="28575">
+            <a:solidFill>
+              <a:schemeClr val="tx1"/>
+            </a:solidFill>
+            <a:tailEnd type="triangle"/>
+          </a:ln>
+        </p:spPr>
+        <p:style>
+          <a:lnRef idx="1">
+            <a:schemeClr val="accent1"/>
+          </a:lnRef>
+          <a:fillRef idx="0">
+            <a:schemeClr val="accent1"/>
+          </a:fillRef>
+          <a:effectRef idx="0">
+            <a:schemeClr val="accent1"/>
+          </a:effectRef>
+          <a:fontRef idx="minor">
+            <a:schemeClr val="tx1"/>
+          </a:fontRef>
+        </p:style>
+      </p:cxnSp>
+      <p:cxnSp>
+        <p:nvCxnSpPr>
+          <p:cNvPr id="49" name="Straight Arrow Connector 48">
+            <a:extLst>
+              <a:ext uri="{FF2B5EF4-FFF2-40B4-BE49-F238E27FC236}">
+                <a16:creationId xmlns:a16="http://schemas.microsoft.com/office/drawing/2014/main" id="{A87D8269-B3A7-4FC6-2E04-92B2A6BFBDAE}"/>
+              </a:ext>
+            </a:extLst>
+          </p:cNvPr>
+          <p:cNvCxnSpPr>
+            <a:cxnSpLocks/>
+            <a:stCxn id="45" idx="2"/>
+            <a:endCxn id="46" idx="0"/>
+          </p:cNvCxnSpPr>
+          <p:nvPr/>
+        </p:nvCxnSpPr>
+        <p:spPr>
+          <a:xfrm>
+            <a:off x="1581367" y="7293190"/>
+            <a:ext cx="110" cy="363518"/>
+          </a:xfrm>
+          <a:prstGeom prst="straightConnector1">
+            <a:avLst/>
+          </a:prstGeom>
+          <a:ln w="28575">
+            <a:solidFill>
+              <a:schemeClr val="tx1"/>
+            </a:solidFill>
+            <a:tailEnd type="triangle"/>
+          </a:ln>
+        </p:spPr>
+        <p:style>
+          <a:lnRef idx="1">
+            <a:schemeClr val="accent1"/>
+          </a:lnRef>
+          <a:fillRef idx="0">
+            <a:schemeClr val="accent1"/>
+          </a:fillRef>
+          <a:effectRef idx="0">
+            <a:schemeClr val="accent1"/>
+          </a:effectRef>
+          <a:fontRef idx="minor">
+            <a:schemeClr val="tx1"/>
+          </a:fontRef>
+        </p:style>
+      </p:cxnSp>
+      <p:cxnSp>
+        <p:nvCxnSpPr>
+          <p:cNvPr id="54" name="Straight Arrow Connector 53">
+            <a:extLst>
+              <a:ext uri="{FF2B5EF4-FFF2-40B4-BE49-F238E27FC236}">
+                <a16:creationId xmlns:a16="http://schemas.microsoft.com/office/drawing/2014/main" id="{9CB789D9-4A67-DF2C-4CB5-04A3B93181F4}"/>
+              </a:ext>
+            </a:extLst>
+          </p:cNvPr>
+          <p:cNvCxnSpPr>
+            <a:cxnSpLocks/>
+            <a:stCxn id="47" idx="2"/>
+          </p:cNvCxnSpPr>
+          <p:nvPr/>
+        </p:nvCxnSpPr>
+        <p:spPr>
+          <a:xfrm flipH="1">
+            <a:off x="3332798" y="9147772"/>
+            <a:ext cx="7" cy="224918"/>
+          </a:xfrm>
+          <a:prstGeom prst="straightConnector1">
+            <a:avLst/>
+          </a:prstGeom>
+          <a:ln w="28575">
+            <a:solidFill>
+              <a:schemeClr val="tx1"/>
+            </a:solidFill>
+            <a:tailEnd type="triangle"/>
+          </a:ln>
+        </p:spPr>
+        <p:style>
+          <a:lnRef idx="1">
+            <a:schemeClr val="accent1"/>
+          </a:lnRef>
+          <a:fillRef idx="0">
+            <a:schemeClr val="accent1"/>
+          </a:fillRef>
+          <a:effectRef idx="0">
+            <a:schemeClr val="accent1"/>
+          </a:effectRef>
+          <a:fontRef idx="minor">
+            <a:schemeClr val="tx1"/>
+          </a:fontRef>
+        </p:style>
+      </p:cxnSp>
+      <p:sp>
+        <p:nvSpPr>
+          <p:cNvPr id="165" name="TextBox 164">
+            <a:extLst>
+              <a:ext uri="{FF2B5EF4-FFF2-40B4-BE49-F238E27FC236}">
+                <a16:creationId xmlns:a16="http://schemas.microsoft.com/office/drawing/2014/main" id="{214199D3-8E57-F763-7077-83344D799384}"/>
+              </a:ext>
+            </a:extLst>
+          </p:cNvPr>
+          <p:cNvSpPr txBox="1"/>
+          <p:nvPr/>
+        </p:nvSpPr>
+        <p:spPr>
+          <a:xfrm>
+            <a:off x="2908536" y="9347967"/>
+            <a:ext cx="848524" cy="392960"/>
+          </a:xfrm>
+          <a:prstGeom prst="rect">
+            <a:avLst/>
+          </a:prstGeom>
+          <a:noFill/>
+        </p:spPr>
+        <p:txBody>
+          <a:bodyPr wrap="square" rtlCol="0">
+            <a:spAutoFit/>
+          </a:bodyPr>
+          <a:lstStyle/>
+          <a:p>
+            <a:pPr algn="ctr"/>
+            <a:r>
+              <a:rPr lang="en-US" dirty="0"/>
+              <a:t>Output</a:t>
+            </a:r>
+          </a:p>
+        </p:txBody>
+      </p:sp>
+      <p:sp>
+        <p:nvSpPr>
+          <p:cNvPr id="177" name="TextBox 176">
+            <a:extLst>
+              <a:ext uri="{FF2B5EF4-FFF2-40B4-BE49-F238E27FC236}">
+                <a16:creationId xmlns:a16="http://schemas.microsoft.com/office/drawing/2014/main" id="{98A15BAE-E48D-934D-AFDE-09B467BE0B8B}"/>
+              </a:ext>
+            </a:extLst>
+          </p:cNvPr>
+          <p:cNvSpPr txBox="1"/>
+          <p:nvPr/>
+        </p:nvSpPr>
+        <p:spPr>
+          <a:xfrm>
+            <a:off x="4197217" y="6459930"/>
+            <a:ext cx="1630680" cy="369332"/>
+          </a:xfrm>
+          <a:prstGeom prst="rect">
+            <a:avLst/>
+          </a:prstGeom>
+          <a:noFill/>
+        </p:spPr>
+        <p:txBody>
+          <a:bodyPr wrap="square" rtlCol="0">
+            <a:spAutoFit/>
+          </a:bodyPr>
+          <a:lstStyle/>
+          <a:p>
+            <a:pPr algn="ctr"/>
+            <a:r>
+              <a:rPr lang="en-US" dirty="0" err="1"/>
+              <a:t>Meteo_data</a:t>
+            </a:r>
+            <a:endParaRPr lang="en-US" dirty="0"/>
+          </a:p>
+        </p:txBody>
+      </p:sp>
+      <p:cxnSp>
+        <p:nvCxnSpPr>
+          <p:cNvPr id="2" name="Straight Arrow Connector 1">
+            <a:extLst>
+              <a:ext uri="{FF2B5EF4-FFF2-40B4-BE49-F238E27FC236}">
+                <a16:creationId xmlns:a16="http://schemas.microsoft.com/office/drawing/2014/main" id="{D303CB93-A25B-A2D5-9322-9ECC39B95BA7}"/>
+              </a:ext>
+            </a:extLst>
+          </p:cNvPr>
+          <p:cNvCxnSpPr>
+            <a:cxnSpLocks/>
+            <a:stCxn id="82" idx="2"/>
+            <a:endCxn id="44" idx="0"/>
+          </p:cNvCxnSpPr>
+          <p:nvPr/>
+        </p:nvCxnSpPr>
+        <p:spPr>
+          <a:xfrm flipH="1">
+            <a:off x="1581367" y="6269183"/>
+            <a:ext cx="1324" cy="508437"/>
+          </a:xfrm>
+          <a:prstGeom prst="straightConnector1">
+            <a:avLst/>
+          </a:prstGeom>
+          <a:ln w="28575">
+            <a:solidFill>
+              <a:schemeClr val="tx1"/>
+            </a:solidFill>
+            <a:tailEnd type="triangle"/>
+          </a:ln>
+        </p:spPr>
+        <p:style>
+          <a:lnRef idx="1">
+            <a:schemeClr val="accent1"/>
+          </a:lnRef>
+          <a:fillRef idx="0">
+            <a:schemeClr val="accent1"/>
+          </a:fillRef>
+          <a:effectRef idx="0">
+            <a:schemeClr val="accent1"/>
+          </a:effectRef>
+          <a:fontRef idx="minor">
+            <a:schemeClr val="tx1"/>
+          </a:fontRef>
+        </p:style>
+      </p:cxnSp>
+      <p:sp>
+        <p:nvSpPr>
+          <p:cNvPr id="6" name="Rectangle 5">
+            <a:extLst>
+              <a:ext uri="{FF2B5EF4-FFF2-40B4-BE49-F238E27FC236}">
+                <a16:creationId xmlns:a16="http://schemas.microsoft.com/office/drawing/2014/main" id="{799623DB-28B7-7430-27C8-10001E56EA8B}"/>
+              </a:ext>
+            </a:extLst>
+          </p:cNvPr>
+          <p:cNvSpPr/>
+          <p:nvPr/>
+        </p:nvSpPr>
+        <p:spPr>
+          <a:xfrm>
+            <a:off x="3722105" y="7234738"/>
+            <a:ext cx="2621089" cy="174109"/>
+          </a:xfrm>
+          <a:prstGeom prst="rect">
+            <a:avLst/>
+          </a:prstGeom>
+          <a:solidFill>
+            <a:schemeClr val="bg1"/>
+          </a:solidFill>
+          <a:ln>
+            <a:solidFill>
+              <a:schemeClr val="tx1"/>
+            </a:solidFill>
+          </a:ln>
+        </p:spPr>
+        <p:style>
+          <a:lnRef idx="3">
+            <a:schemeClr val="lt1"/>
+          </a:lnRef>
+          <a:fillRef idx="1">
+            <a:schemeClr val="accent5"/>
+          </a:fillRef>
+          <a:effectRef idx="1">
+            <a:schemeClr val="accent5"/>
+          </a:effectRef>
+          <a:fontRef idx="minor">
+            <a:schemeClr val="lt1"/>
+          </a:fontRef>
+        </p:style>
+        <p:txBody>
+          <a:bodyPr rtlCol="0" anchor="ctr"/>
+          <a:lstStyle/>
+          <a:p>
+            <a:pPr algn="ctr"/>
+            <a:r>
+              <a:rPr lang="en-US" sz="1400" dirty="0">
+                <a:solidFill>
+                  <a:schemeClr val="tx1"/>
+                </a:solidFill>
+              </a:rPr>
+              <a:t>Fully Connected Layer (9,64)</a:t>
+            </a:r>
+          </a:p>
+        </p:txBody>
+      </p:sp>
+      <p:sp>
+        <p:nvSpPr>
+          <p:cNvPr id="7" name="Rectangle 6">
+            <a:extLst>
+              <a:ext uri="{FF2B5EF4-FFF2-40B4-BE49-F238E27FC236}">
+                <a16:creationId xmlns:a16="http://schemas.microsoft.com/office/drawing/2014/main" id="{01256428-BB26-11AB-23E3-B09AC0871C05}"/>
+              </a:ext>
+            </a:extLst>
+          </p:cNvPr>
+          <p:cNvSpPr/>
+          <p:nvPr/>
+        </p:nvSpPr>
+        <p:spPr>
+          <a:xfrm>
+            <a:off x="3722110" y="7645697"/>
+            <a:ext cx="2621089" cy="174109"/>
+          </a:xfrm>
+          <a:prstGeom prst="rect">
+            <a:avLst/>
+          </a:prstGeom>
+          <a:solidFill>
+            <a:schemeClr val="bg1"/>
+          </a:solidFill>
+          <a:ln>
+            <a:solidFill>
+              <a:schemeClr val="tx1"/>
+            </a:solidFill>
+          </a:ln>
+        </p:spPr>
+        <p:style>
+          <a:lnRef idx="3">
+            <a:schemeClr val="lt1"/>
+          </a:lnRef>
+          <a:fillRef idx="1">
+            <a:schemeClr val="accent5"/>
+          </a:fillRef>
+          <a:effectRef idx="1">
+            <a:schemeClr val="accent5"/>
+          </a:effectRef>
+          <a:fontRef idx="minor">
+            <a:schemeClr val="lt1"/>
+          </a:fontRef>
+        </p:style>
+        <p:txBody>
+          <a:bodyPr rtlCol="0" anchor="ctr"/>
+          <a:lstStyle/>
+          <a:p>
+            <a:pPr algn="ctr"/>
+            <a:r>
+              <a:rPr lang="en-US" sz="1400" dirty="0">
+                <a:solidFill>
+                  <a:schemeClr val="tx1"/>
+                </a:solidFill>
+              </a:rPr>
+              <a:t>Fully Connected Layer (64,64)</a:t>
+            </a:r>
+          </a:p>
+        </p:txBody>
+      </p:sp>
+      <p:cxnSp>
+        <p:nvCxnSpPr>
+          <p:cNvPr id="8" name="Straight Arrow Connector 7">
+            <a:extLst>
+              <a:ext uri="{FF2B5EF4-FFF2-40B4-BE49-F238E27FC236}">
+                <a16:creationId xmlns:a16="http://schemas.microsoft.com/office/drawing/2014/main" id="{285FD6BA-BFA8-7C95-39AA-37E8352F72C2}"/>
+              </a:ext>
+            </a:extLst>
+          </p:cNvPr>
+          <p:cNvCxnSpPr>
+            <a:cxnSpLocks/>
+            <a:stCxn id="6" idx="2"/>
+            <a:endCxn id="7" idx="0"/>
+          </p:cNvCxnSpPr>
+          <p:nvPr/>
+        </p:nvCxnSpPr>
+        <p:spPr>
+          <a:xfrm>
+            <a:off x="5032650" y="7408847"/>
+            <a:ext cx="5" cy="236850"/>
+          </a:xfrm>
+          <a:prstGeom prst="straightConnector1">
+            <a:avLst/>
+          </a:prstGeom>
+          <a:ln w="28575">
+            <a:solidFill>
+              <a:schemeClr val="tx1"/>
+            </a:solidFill>
+            <a:tailEnd type="triangle"/>
+          </a:ln>
+        </p:spPr>
+        <p:style>
+          <a:lnRef idx="1">
+            <a:schemeClr val="accent1"/>
+          </a:lnRef>
+          <a:fillRef idx="0">
+            <a:schemeClr val="accent1"/>
+          </a:fillRef>
+          <a:effectRef idx="0">
+            <a:schemeClr val="accent1"/>
+          </a:effectRef>
+          <a:fontRef idx="minor">
+            <a:schemeClr val="tx1"/>
+          </a:fontRef>
+        </p:style>
+      </p:cxnSp>
+      <p:sp>
+        <p:nvSpPr>
+          <p:cNvPr id="9" name="TextBox 8">
+            <a:extLst>
+              <a:ext uri="{FF2B5EF4-FFF2-40B4-BE49-F238E27FC236}">
+                <a16:creationId xmlns:a16="http://schemas.microsoft.com/office/drawing/2014/main" id="{69AE6AD7-39D9-D4B2-B9C7-7910FDC7360C}"/>
+              </a:ext>
+            </a:extLst>
+          </p:cNvPr>
+          <p:cNvSpPr txBox="1"/>
+          <p:nvPr/>
+        </p:nvSpPr>
+        <p:spPr>
+          <a:xfrm>
+            <a:off x="5032650" y="7380361"/>
+            <a:ext cx="601745" cy="261610"/>
+          </a:xfrm>
+          <a:prstGeom prst="rect">
+            <a:avLst/>
+          </a:prstGeom>
+          <a:noFill/>
+        </p:spPr>
+        <p:txBody>
+          <a:bodyPr wrap="square" rtlCol="0">
+            <a:spAutoFit/>
+          </a:bodyPr>
+          <a:lstStyle/>
+          <a:p>
+            <a:r>
+              <a:rPr lang="en-US" sz="1100" dirty="0" err="1"/>
+              <a:t>ReLU</a:t>
+            </a:r>
+            <a:endParaRPr lang="en-US" sz="1100" dirty="0"/>
+          </a:p>
+        </p:txBody>
+      </p:sp>
+      <p:sp>
+        <p:nvSpPr>
+          <p:cNvPr id="11" name="TextBox 10">
+            <a:extLst>
+              <a:ext uri="{FF2B5EF4-FFF2-40B4-BE49-F238E27FC236}">
+                <a16:creationId xmlns:a16="http://schemas.microsoft.com/office/drawing/2014/main" id="{2EF20522-3537-DDB6-2C56-97DCA19B3D9C}"/>
+              </a:ext>
+            </a:extLst>
+          </p:cNvPr>
+          <p:cNvSpPr txBox="1"/>
+          <p:nvPr/>
+        </p:nvSpPr>
+        <p:spPr>
+          <a:xfrm>
+            <a:off x="5032650" y="7802763"/>
+            <a:ext cx="601745" cy="261610"/>
+          </a:xfrm>
+          <a:prstGeom prst="rect">
+            <a:avLst/>
+          </a:prstGeom>
+          <a:noFill/>
+        </p:spPr>
+        <p:txBody>
+          <a:bodyPr wrap="square" rtlCol="0">
+            <a:spAutoFit/>
+          </a:bodyPr>
+          <a:lstStyle/>
+          <a:p>
+            <a:r>
+              <a:rPr lang="en-US" sz="1100" dirty="0" err="1"/>
+              <a:t>ReLU</a:t>
+            </a:r>
+            <a:endParaRPr lang="en-US" sz="1100" dirty="0"/>
+          </a:p>
+        </p:txBody>
+      </p:sp>
+      <p:sp>
+        <p:nvSpPr>
+          <p:cNvPr id="19" name="TextBox 18">
+            <a:extLst>
+              <a:ext uri="{FF2B5EF4-FFF2-40B4-BE49-F238E27FC236}">
+                <a16:creationId xmlns:a16="http://schemas.microsoft.com/office/drawing/2014/main" id="{90A04265-F12D-5ED8-4F42-8B876252D7F9}"/>
+              </a:ext>
+            </a:extLst>
+          </p:cNvPr>
+          <p:cNvSpPr txBox="1"/>
+          <p:nvPr/>
+        </p:nvSpPr>
+        <p:spPr>
+          <a:xfrm>
+            <a:off x="1568021" y="7846013"/>
+            <a:ext cx="601745" cy="261610"/>
+          </a:xfrm>
+          <a:prstGeom prst="rect">
+            <a:avLst/>
+          </a:prstGeom>
+          <a:noFill/>
+        </p:spPr>
+        <p:txBody>
+          <a:bodyPr wrap="square" rtlCol="0">
+            <a:spAutoFit/>
+          </a:bodyPr>
+          <a:lstStyle/>
+          <a:p>
+            <a:r>
+              <a:rPr lang="en-US" sz="1100" dirty="0" err="1"/>
+              <a:t>ReLU</a:t>
+            </a:r>
+            <a:endParaRPr lang="en-US" sz="1100" dirty="0"/>
+          </a:p>
+        </p:txBody>
+      </p:sp>
+      <p:cxnSp>
+        <p:nvCxnSpPr>
+          <p:cNvPr id="20" name="Connector: Elbow 19">
+            <a:extLst>
+              <a:ext uri="{FF2B5EF4-FFF2-40B4-BE49-F238E27FC236}">
+                <a16:creationId xmlns:a16="http://schemas.microsoft.com/office/drawing/2014/main" id="{884752A1-F607-55B6-A68E-39C14FB12DA7}"/>
+              </a:ext>
+            </a:extLst>
+          </p:cNvPr>
+          <p:cNvCxnSpPr>
+            <a:cxnSpLocks/>
+            <a:stCxn id="46" idx="2"/>
+            <a:endCxn id="47" idx="0"/>
+          </p:cNvCxnSpPr>
+          <p:nvPr/>
+        </p:nvCxnSpPr>
+        <p:spPr>
+          <a:xfrm rot="16200000" flipH="1">
+            <a:off x="1885718" y="7526576"/>
+            <a:ext cx="1142845" cy="1751326"/>
+          </a:xfrm>
+          <a:prstGeom prst="bentConnector3">
+            <a:avLst>
+              <a:gd name="adj1" fmla="val 50000"/>
+            </a:avLst>
+          </a:prstGeom>
+          <a:ln w="28575">
+            <a:solidFill>
+              <a:schemeClr val="tx1"/>
+            </a:solidFill>
+            <a:tailEnd type="triangle"/>
+          </a:ln>
+        </p:spPr>
+        <p:style>
+          <a:lnRef idx="1">
+            <a:schemeClr val="accent1"/>
+          </a:lnRef>
+          <a:fillRef idx="0">
+            <a:schemeClr val="accent1"/>
+          </a:fillRef>
+          <a:effectRef idx="0">
+            <a:schemeClr val="accent1"/>
+          </a:effectRef>
+          <a:fontRef idx="minor">
+            <a:schemeClr val="tx1"/>
+          </a:fontRef>
+        </p:style>
+      </p:cxnSp>
+      <p:cxnSp>
+        <p:nvCxnSpPr>
+          <p:cNvPr id="23" name="Straight Arrow Connector 22">
+            <a:extLst>
+              <a:ext uri="{FF2B5EF4-FFF2-40B4-BE49-F238E27FC236}">
+                <a16:creationId xmlns:a16="http://schemas.microsoft.com/office/drawing/2014/main" id="{252DB6D2-75CA-480B-C76F-C7EF0CEF5F73}"/>
+              </a:ext>
+            </a:extLst>
+          </p:cNvPr>
+          <p:cNvCxnSpPr>
+            <a:cxnSpLocks/>
+            <a:endCxn id="6" idx="0"/>
+          </p:cNvCxnSpPr>
+          <p:nvPr/>
+        </p:nvCxnSpPr>
+        <p:spPr>
+          <a:xfrm>
+            <a:off x="5029949" y="6805722"/>
+            <a:ext cx="2701" cy="429016"/>
+          </a:xfrm>
+          <a:prstGeom prst="straightConnector1">
+            <a:avLst/>
+          </a:prstGeom>
+          <a:ln w="28575">
+            <a:solidFill>
+              <a:schemeClr val="tx1"/>
+            </a:solidFill>
+            <a:tailEnd type="triangle"/>
+          </a:ln>
+        </p:spPr>
+        <p:style>
+          <a:lnRef idx="1">
+            <a:schemeClr val="accent1"/>
+          </a:lnRef>
+          <a:fillRef idx="0">
+            <a:schemeClr val="accent1"/>
+          </a:fillRef>
+          <a:effectRef idx="0">
+            <a:schemeClr val="accent1"/>
+          </a:effectRef>
+          <a:fontRef idx="minor">
+            <a:schemeClr val="tx1"/>
+          </a:fontRef>
+        </p:style>
+      </p:cxnSp>
+      <p:cxnSp>
+        <p:nvCxnSpPr>
+          <p:cNvPr id="26" name="Connector: Elbow 25">
+            <a:extLst>
+              <a:ext uri="{FF2B5EF4-FFF2-40B4-BE49-F238E27FC236}">
+                <a16:creationId xmlns:a16="http://schemas.microsoft.com/office/drawing/2014/main" id="{9AD6D7DA-9696-9EF8-A53D-4AFB34CF3C69}"/>
+              </a:ext>
+            </a:extLst>
+          </p:cNvPr>
+          <p:cNvCxnSpPr>
+            <a:cxnSpLocks/>
+            <a:stCxn id="7" idx="2"/>
+            <a:endCxn id="47" idx="0"/>
+          </p:cNvCxnSpPr>
+          <p:nvPr/>
+        </p:nvCxnSpPr>
+        <p:spPr>
+          <a:xfrm rot="5400000">
+            <a:off x="3605801" y="7546808"/>
+            <a:ext cx="1153856" cy="1699852"/>
+          </a:xfrm>
+          <a:prstGeom prst="bentConnector3">
+            <a:avLst>
+              <a:gd name="adj1" fmla="val 50660"/>
+            </a:avLst>
+          </a:prstGeom>
+          <a:ln w="28575">
+            <a:solidFill>
+              <a:schemeClr val="tx1"/>
+            </a:solidFill>
+            <a:tailEnd type="triangle"/>
+          </a:ln>
+        </p:spPr>
+        <p:style>
+          <a:lnRef idx="1">
+            <a:schemeClr val="accent1"/>
+          </a:lnRef>
+          <a:fillRef idx="0">
+            <a:schemeClr val="accent1"/>
+          </a:fillRef>
+          <a:effectRef idx="0">
+            <a:schemeClr val="accent1"/>
+          </a:effectRef>
+          <a:fontRef idx="minor">
+            <a:schemeClr val="tx1"/>
+          </a:fontRef>
+        </p:style>
+      </p:cxnSp>
+      <p:sp>
+        <p:nvSpPr>
+          <p:cNvPr id="3" name="TextBox 2">
+            <a:extLst>
+              <a:ext uri="{FF2B5EF4-FFF2-40B4-BE49-F238E27FC236}">
+                <a16:creationId xmlns:a16="http://schemas.microsoft.com/office/drawing/2014/main" id="{5A3E217E-8595-1212-E3D6-9AC94727517C}"/>
+              </a:ext>
+            </a:extLst>
+          </p:cNvPr>
+          <p:cNvSpPr txBox="1"/>
+          <p:nvPr/>
+        </p:nvSpPr>
+        <p:spPr>
+          <a:xfrm>
+            <a:off x="3157226" y="1233180"/>
+            <a:ext cx="3432283" cy="400110"/>
+          </a:xfrm>
+          <a:prstGeom prst="rect">
+            <a:avLst/>
+          </a:prstGeom>
+          <a:noFill/>
+        </p:spPr>
+        <p:txBody>
+          <a:bodyPr wrap="square" rtlCol="0">
+            <a:spAutoFit/>
+          </a:bodyPr>
+          <a:lstStyle/>
+          <a:p>
+            <a:r>
+              <a:rPr lang="en-US" sz="2000" dirty="0"/>
+              <a:t>+2 for the clouds dimension</a:t>
+            </a:r>
+          </a:p>
+        </p:txBody>
+      </p:sp>
+      <p:cxnSp>
+        <p:nvCxnSpPr>
+          <p:cNvPr id="4" name="Straight Arrow Connector 3">
+            <a:extLst>
+              <a:ext uri="{FF2B5EF4-FFF2-40B4-BE49-F238E27FC236}">
+                <a16:creationId xmlns:a16="http://schemas.microsoft.com/office/drawing/2014/main" id="{1D550647-5A1C-938E-303A-A0695466EF88}"/>
+              </a:ext>
+            </a:extLst>
+          </p:cNvPr>
+          <p:cNvCxnSpPr>
+            <a:cxnSpLocks/>
+            <a:stCxn id="3" idx="1"/>
+            <a:endCxn id="55" idx="3"/>
+          </p:cNvCxnSpPr>
+          <p:nvPr/>
+        </p:nvCxnSpPr>
+        <p:spPr>
+          <a:xfrm flipH="1" flipV="1">
+            <a:off x="2881751" y="1424675"/>
+            <a:ext cx="275475" cy="8560"/>
+          </a:xfrm>
+          <a:prstGeom prst="straightConnector1">
+            <a:avLst/>
+          </a:prstGeom>
+          <a:ln w="28575">
+            <a:solidFill>
+              <a:schemeClr val="tx1"/>
+            </a:solidFill>
+            <a:tailEnd type="triangle"/>
+          </a:ln>
+        </p:spPr>
+        <p:style>
+          <a:lnRef idx="1">
+            <a:schemeClr val="accent1"/>
+          </a:lnRef>
+          <a:fillRef idx="0">
+            <a:schemeClr val="accent1"/>
+          </a:fillRef>
+          <a:effectRef idx="0">
+            <a:schemeClr val="accent1"/>
+          </a:effectRef>
+          <a:fontRef idx="minor">
+            <a:schemeClr val="tx1"/>
+          </a:fontRef>
+        </p:style>
+      </p:cxnSp>
+    </p:spTree>
+    <p:extLst>
+      <p:ext uri="{BB962C8B-B14F-4D97-AF65-F5344CB8AC3E}">
+        <p14:creationId xmlns:p14="http://schemas.microsoft.com/office/powerpoint/2010/main" val="2286867403"/>
+      </p:ext>
+    </p:extLst>
+  </p:cSld>
+  <p:clrMapOvr>
+    <a:masterClrMapping/>
+  </p:clrMapOvr>
+</p:sld>
+</file>
+
+<file path=ppt/slides/slide5.xml><?xml version="1.0" encoding="utf-8"?>
+<p:sld xmlns:a="http://schemas.openxmlformats.org/drawingml/2006/main" xmlns:r="http://schemas.openxmlformats.org/officeDocument/2006/relationships" xmlns:p="http://schemas.openxmlformats.org/presentationml/2006/main">
+  <p:cSld>
+    <p:spTree>
+      <p:nvGrpSpPr>
+        <p:cNvPr id="1" name=""/>
+        <p:cNvGrpSpPr/>
+        <p:nvPr/>
+      </p:nvGrpSpPr>
+      <p:grpSpPr>
+        <a:xfrm>
+          <a:off x="0" y="0"/>
+          <a:ext cx="0" cy="0"/>
+          <a:chOff x="0" y="0"/>
+          <a:chExt cx="0" cy="0"/>
+        </a:xfrm>
+      </p:grpSpPr>
+      <p:sp>
+        <p:nvSpPr>
+          <p:cNvPr id="53" name="TextBox 52">
+            <a:extLst>
+              <a:ext uri="{FF2B5EF4-FFF2-40B4-BE49-F238E27FC236}">
+                <a16:creationId xmlns:a16="http://schemas.microsoft.com/office/drawing/2014/main" id="{EFAA18AA-66AB-D403-6066-BACF53454A31}"/>
+              </a:ext>
+            </a:extLst>
+          </p:cNvPr>
+          <p:cNvSpPr txBox="1"/>
+          <p:nvPr/>
+        </p:nvSpPr>
+        <p:spPr>
+          <a:xfrm>
+            <a:off x="425285" y="61577"/>
+            <a:ext cx="5997720" cy="492571"/>
+          </a:xfrm>
+          <a:prstGeom prst="rect">
+            <a:avLst/>
+          </a:prstGeom>
+          <a:noFill/>
+        </p:spPr>
+        <p:txBody>
+          <a:bodyPr wrap="square" rtlCol="0">
+            <a:spAutoFit/>
+          </a:bodyPr>
+          <a:lstStyle/>
+          <a:p>
+            <a:pPr algn="ctr"/>
+            <a:r>
+              <a:rPr lang="en-US" sz="2601" b="1" dirty="0"/>
+              <a:t>Model with only clouds</a:t>
+            </a:r>
+          </a:p>
+        </p:txBody>
+      </p:sp>
+      <p:sp>
+        <p:nvSpPr>
+          <p:cNvPr id="60" name="TextBox 59">
+            <a:extLst>
+              <a:ext uri="{FF2B5EF4-FFF2-40B4-BE49-F238E27FC236}">
+                <a16:creationId xmlns:a16="http://schemas.microsoft.com/office/drawing/2014/main" id="{79B05A41-21F6-7BFD-9C00-D37C18CB0E63}"/>
+              </a:ext>
+            </a:extLst>
+          </p:cNvPr>
+          <p:cNvSpPr txBox="1"/>
+          <p:nvPr/>
+        </p:nvSpPr>
+        <p:spPr>
+          <a:xfrm>
+            <a:off x="84182" y="594259"/>
+            <a:ext cx="2989448" cy="400110"/>
+          </a:xfrm>
+          <a:prstGeom prst="rect">
+            <a:avLst/>
+          </a:prstGeom>
+          <a:noFill/>
+        </p:spPr>
+        <p:txBody>
+          <a:bodyPr wrap="square" rtlCol="0">
+            <a:spAutoFit/>
+          </a:bodyPr>
+          <a:lstStyle/>
+          <a:p>
+            <a:pPr algn="ctr"/>
+            <a:r>
+              <a:rPr lang="en-US" sz="2000" dirty="0"/>
+              <a:t>images</a:t>
+            </a:r>
+          </a:p>
+        </p:txBody>
+      </p:sp>
+      <p:cxnSp>
+        <p:nvCxnSpPr>
+          <p:cNvPr id="59" name="Straight Arrow Connector 58">
+            <a:extLst>
+              <a:ext uri="{FF2B5EF4-FFF2-40B4-BE49-F238E27FC236}">
+                <a16:creationId xmlns:a16="http://schemas.microsoft.com/office/drawing/2014/main" id="{3D0E3225-D83D-385C-CB5F-B54710252180}"/>
+              </a:ext>
+            </a:extLst>
+          </p:cNvPr>
+          <p:cNvCxnSpPr>
+            <a:cxnSpLocks/>
+            <a:stCxn id="60" idx="2"/>
+            <a:endCxn id="55" idx="0"/>
+          </p:cNvCxnSpPr>
+          <p:nvPr/>
+        </p:nvCxnSpPr>
+        <p:spPr>
+          <a:xfrm flipH="1">
+            <a:off x="1575121" y="994369"/>
+            <a:ext cx="3785" cy="342647"/>
+          </a:xfrm>
+          <a:prstGeom prst="straightConnector1">
+            <a:avLst/>
+          </a:prstGeom>
+          <a:ln w="28575">
+            <a:solidFill>
+              <a:schemeClr val="tx1"/>
+            </a:solidFill>
+            <a:tailEnd type="triangle"/>
+          </a:ln>
+        </p:spPr>
+        <p:style>
+          <a:lnRef idx="1">
+            <a:schemeClr val="accent1"/>
+          </a:lnRef>
+          <a:fillRef idx="0">
+            <a:schemeClr val="accent1"/>
+          </a:fillRef>
+          <a:effectRef idx="0">
+            <a:schemeClr val="accent1"/>
+          </a:effectRef>
+          <a:fontRef idx="minor">
+            <a:schemeClr val="tx1"/>
+          </a:fontRef>
+        </p:style>
+      </p:cxnSp>
+      <p:grpSp>
+        <p:nvGrpSpPr>
+          <p:cNvPr id="192" name="Group 191">
+            <a:extLst>
+              <a:ext uri="{FF2B5EF4-FFF2-40B4-BE49-F238E27FC236}">
+                <a16:creationId xmlns:a16="http://schemas.microsoft.com/office/drawing/2014/main" id="{523C5409-C8B2-AF35-04C0-874C82897C66}"/>
+              </a:ext>
+            </a:extLst>
+          </p:cNvPr>
+          <p:cNvGrpSpPr/>
+          <p:nvPr/>
+        </p:nvGrpSpPr>
+        <p:grpSpPr>
+          <a:xfrm>
+            <a:off x="268491" y="1337016"/>
+            <a:ext cx="2620830" cy="4932167"/>
+            <a:chOff x="261266" y="1298551"/>
+            <a:chExt cx="2620830" cy="4602547"/>
+          </a:xfrm>
+        </p:grpSpPr>
+        <p:sp>
+          <p:nvSpPr>
+            <p:cNvPr id="55" name="Rectangle 54">
+              <a:extLst>
+                <a:ext uri="{FF2B5EF4-FFF2-40B4-BE49-F238E27FC236}">
+                  <a16:creationId xmlns:a16="http://schemas.microsoft.com/office/drawing/2014/main" id="{B88D77DE-FBBA-C18C-7ECE-695B63FF0615}"/>
+                </a:ext>
+              </a:extLst>
+            </p:cNvPr>
+            <p:cNvSpPr/>
+            <p:nvPr/>
+          </p:nvSpPr>
+          <p:spPr>
+            <a:xfrm>
+              <a:off x="261266" y="1298551"/>
+              <a:ext cx="2613260" cy="163600"/>
+            </a:xfrm>
+            <a:prstGeom prst="rect">
+              <a:avLst/>
+            </a:prstGeom>
+            <a:solidFill>
+              <a:schemeClr val="bg1"/>
+            </a:solidFill>
+            <a:ln>
+              <a:solidFill>
+                <a:schemeClr val="tx1"/>
+              </a:solidFill>
+            </a:ln>
+          </p:spPr>
+          <p:style>
+            <a:lnRef idx="3">
+              <a:schemeClr val="lt1"/>
+            </a:lnRef>
+            <a:fillRef idx="1">
+              <a:schemeClr val="accent5"/>
+            </a:fillRef>
+            <a:effectRef idx="1">
+              <a:schemeClr val="accent5"/>
+            </a:effectRef>
+            <a:fontRef idx="minor">
+              <a:schemeClr val="lt1"/>
+            </a:fontRef>
+          </p:style>
+          <p:txBody>
+            <a:bodyPr rtlCol="0" anchor="ctr"/>
+            <a:lstStyle/>
+            <a:p>
+              <a:pPr algn="ctr"/>
+              <a:r>
+                <a:rPr lang="en-US" sz="1400" dirty="0">
+                  <a:solidFill>
+                    <a:schemeClr val="tx1"/>
+                  </a:solidFill>
+                </a:rPr>
+                <a:t>2D Convolution Layer (2,16,3,1)</a:t>
+              </a:r>
+            </a:p>
+          </p:txBody>
+        </p:sp>
+        <p:sp>
+          <p:nvSpPr>
+            <p:cNvPr id="56" name="Rectangle 55">
+              <a:extLst>
+                <a:ext uri="{FF2B5EF4-FFF2-40B4-BE49-F238E27FC236}">
+                  <a16:creationId xmlns:a16="http://schemas.microsoft.com/office/drawing/2014/main" id="{D68C6F2E-0F61-6E58-29BB-65795E913C5F}"/>
+                </a:ext>
+              </a:extLst>
+            </p:cNvPr>
+            <p:cNvSpPr/>
+            <p:nvPr/>
+          </p:nvSpPr>
+          <p:spPr>
+            <a:xfrm>
+              <a:off x="266084" y="1661623"/>
+              <a:ext cx="2613260" cy="163600"/>
+            </a:xfrm>
+            <a:prstGeom prst="rect">
+              <a:avLst/>
+            </a:prstGeom>
+            <a:solidFill>
+              <a:schemeClr val="bg1"/>
+            </a:solidFill>
+            <a:ln>
+              <a:solidFill>
+                <a:schemeClr val="tx1"/>
+              </a:solidFill>
+            </a:ln>
+          </p:spPr>
+          <p:style>
+            <a:lnRef idx="3">
+              <a:schemeClr val="lt1"/>
+            </a:lnRef>
+            <a:fillRef idx="1">
+              <a:schemeClr val="accent5"/>
+            </a:fillRef>
+            <a:effectRef idx="1">
+              <a:schemeClr val="accent5"/>
+            </a:effectRef>
+            <a:fontRef idx="minor">
+              <a:schemeClr val="lt1"/>
+            </a:fontRef>
+          </p:style>
+          <p:txBody>
+            <a:bodyPr rtlCol="0" anchor="ctr"/>
+            <a:lstStyle/>
+            <a:p>
+              <a:pPr algn="ctr"/>
+              <a:r>
+                <a:rPr lang="en-US" sz="1400" dirty="0">
+                  <a:solidFill>
+                    <a:schemeClr val="tx1"/>
+                  </a:solidFill>
+                </a:rPr>
+                <a:t>2D Batch Norm (16)</a:t>
+              </a:r>
+            </a:p>
+          </p:txBody>
+        </p:sp>
+        <p:cxnSp>
+          <p:nvCxnSpPr>
+            <p:cNvPr id="57" name="Straight Arrow Connector 56">
+              <a:extLst>
+                <a:ext uri="{FF2B5EF4-FFF2-40B4-BE49-F238E27FC236}">
+                  <a16:creationId xmlns:a16="http://schemas.microsoft.com/office/drawing/2014/main" id="{BCBE3167-7598-FC1F-DE37-C9D8A70F8286}"/>
+                </a:ext>
+              </a:extLst>
+            </p:cNvPr>
+            <p:cNvCxnSpPr>
+              <a:cxnSpLocks/>
+              <a:stCxn id="55" idx="2"/>
+              <a:endCxn id="56" idx="0"/>
+            </p:cNvCxnSpPr>
+            <p:nvPr/>
+          </p:nvCxnSpPr>
+          <p:spPr>
+            <a:xfrm>
+              <a:off x="1567896" y="1462151"/>
+              <a:ext cx="4818" cy="199472"/>
+            </a:xfrm>
+            <a:prstGeom prst="straightConnector1">
+              <a:avLst/>
+            </a:prstGeom>
+            <a:ln w="28575">
+              <a:solidFill>
+                <a:schemeClr val="tx1"/>
+              </a:solidFill>
+              <a:tailEnd type="triangle"/>
+            </a:ln>
+          </p:spPr>
+          <p:style>
+            <a:lnRef idx="1">
+              <a:schemeClr val="accent1"/>
+            </a:lnRef>
+            <a:fillRef idx="0">
+              <a:schemeClr val="accent1"/>
+            </a:fillRef>
+            <a:effectRef idx="0">
+              <a:schemeClr val="accent1"/>
+            </a:effectRef>
+            <a:fontRef idx="minor">
+              <a:schemeClr val="tx1"/>
+            </a:fontRef>
+          </p:style>
+        </p:cxnSp>
+        <p:sp>
+          <p:nvSpPr>
+            <p:cNvPr id="58" name="TextBox 57">
+              <a:extLst>
+                <a:ext uri="{FF2B5EF4-FFF2-40B4-BE49-F238E27FC236}">
+                  <a16:creationId xmlns:a16="http://schemas.microsoft.com/office/drawing/2014/main" id="{DEC08314-9B86-02A6-9F1D-0FC06C32327A}"/>
+                </a:ext>
+              </a:extLst>
+            </p:cNvPr>
+            <p:cNvSpPr txBox="1"/>
+            <p:nvPr/>
+          </p:nvSpPr>
+          <p:spPr>
+            <a:xfrm>
+              <a:off x="1572282" y="1430902"/>
+              <a:ext cx="849879" cy="261610"/>
+            </a:xfrm>
+            <a:prstGeom prst="rect">
+              <a:avLst/>
+            </a:prstGeom>
+            <a:noFill/>
+          </p:spPr>
+          <p:txBody>
+            <a:bodyPr wrap="square" rtlCol="0">
+              <a:spAutoFit/>
+            </a:bodyPr>
+            <a:lstStyle/>
+            <a:p>
+              <a:r>
+                <a:rPr lang="en-US" sz="1100" dirty="0" err="1"/>
+                <a:t>ReLU</a:t>
+              </a:r>
+              <a:endParaRPr lang="en-US" sz="1100" dirty="0"/>
+            </a:p>
+          </p:txBody>
+        </p:sp>
+        <p:sp>
+          <p:nvSpPr>
+            <p:cNvPr id="61" name="Rectangle 60">
+              <a:extLst>
+                <a:ext uri="{FF2B5EF4-FFF2-40B4-BE49-F238E27FC236}">
+                  <a16:creationId xmlns:a16="http://schemas.microsoft.com/office/drawing/2014/main" id="{0E323B05-C28D-7BCE-B6F3-22F1D05FF34F}"/>
+                </a:ext>
+              </a:extLst>
+            </p:cNvPr>
+            <p:cNvSpPr/>
+            <p:nvPr/>
+          </p:nvSpPr>
+          <p:spPr>
+            <a:xfrm>
+              <a:off x="266084" y="2132764"/>
+              <a:ext cx="2613260" cy="163600"/>
+            </a:xfrm>
+            <a:prstGeom prst="rect">
+              <a:avLst/>
+            </a:prstGeom>
+            <a:solidFill>
+              <a:schemeClr val="bg1"/>
+            </a:solidFill>
+            <a:ln>
+              <a:solidFill>
+                <a:schemeClr val="tx1"/>
+              </a:solidFill>
+            </a:ln>
+          </p:spPr>
+          <p:style>
+            <a:lnRef idx="3">
+              <a:schemeClr val="lt1"/>
+            </a:lnRef>
+            <a:fillRef idx="1">
+              <a:schemeClr val="accent5"/>
+            </a:fillRef>
+            <a:effectRef idx="1">
+              <a:schemeClr val="accent5"/>
+            </a:effectRef>
+            <a:fontRef idx="minor">
+              <a:schemeClr val="lt1"/>
+            </a:fontRef>
+          </p:style>
+          <p:txBody>
+            <a:bodyPr rtlCol="0" anchor="ctr"/>
+            <a:lstStyle/>
+            <a:p>
+              <a:pPr algn="ctr"/>
+              <a:r>
+                <a:rPr lang="en-US" sz="1400" dirty="0">
+                  <a:solidFill>
+                    <a:schemeClr val="tx1"/>
+                  </a:solidFill>
+                </a:rPr>
+                <a:t>2D Convolution Layer (16,16,3,1)</a:t>
+              </a:r>
+            </a:p>
+          </p:txBody>
+        </p:sp>
+        <p:sp>
+          <p:nvSpPr>
+            <p:cNvPr id="62" name="Rectangle 61">
+              <a:extLst>
+                <a:ext uri="{FF2B5EF4-FFF2-40B4-BE49-F238E27FC236}">
+                  <a16:creationId xmlns:a16="http://schemas.microsoft.com/office/drawing/2014/main" id="{8EA86D06-B6B5-9453-74B8-9234695BA252}"/>
+                </a:ext>
+              </a:extLst>
+            </p:cNvPr>
+            <p:cNvSpPr/>
+            <p:nvPr/>
+          </p:nvSpPr>
+          <p:spPr>
+            <a:xfrm>
+              <a:off x="266433" y="2493922"/>
+              <a:ext cx="2613260" cy="163600"/>
+            </a:xfrm>
+            <a:prstGeom prst="rect">
+              <a:avLst/>
+            </a:prstGeom>
+            <a:solidFill>
+              <a:schemeClr val="bg1"/>
+            </a:solidFill>
+            <a:ln>
+              <a:solidFill>
+                <a:schemeClr val="tx1"/>
+              </a:solidFill>
+            </a:ln>
+          </p:spPr>
+          <p:style>
+            <a:lnRef idx="3">
+              <a:schemeClr val="lt1"/>
+            </a:lnRef>
+            <a:fillRef idx="1">
+              <a:schemeClr val="accent5"/>
+            </a:fillRef>
+            <a:effectRef idx="1">
+              <a:schemeClr val="accent5"/>
+            </a:effectRef>
+            <a:fontRef idx="minor">
+              <a:schemeClr val="lt1"/>
+            </a:fontRef>
+          </p:style>
+          <p:txBody>
+            <a:bodyPr rtlCol="0" anchor="ctr"/>
+            <a:lstStyle/>
+            <a:p>
+              <a:pPr algn="ctr"/>
+              <a:r>
+                <a:rPr lang="en-US" sz="1400" dirty="0">
+                  <a:solidFill>
+                    <a:schemeClr val="tx1"/>
+                  </a:solidFill>
+                </a:rPr>
+                <a:t>2D Batch Norm (16)</a:t>
+              </a:r>
+            </a:p>
+          </p:txBody>
+        </p:sp>
+        <p:cxnSp>
+          <p:nvCxnSpPr>
+            <p:cNvPr id="63" name="Straight Arrow Connector 62">
+              <a:extLst>
+                <a:ext uri="{FF2B5EF4-FFF2-40B4-BE49-F238E27FC236}">
+                  <a16:creationId xmlns:a16="http://schemas.microsoft.com/office/drawing/2014/main" id="{E52B4DF5-E8FA-7533-5056-F6F95E3B6131}"/>
+                </a:ext>
+              </a:extLst>
+            </p:cNvPr>
+            <p:cNvCxnSpPr>
+              <a:cxnSpLocks/>
+              <a:stCxn id="61" idx="2"/>
+              <a:endCxn id="62" idx="0"/>
+            </p:cNvCxnSpPr>
+            <p:nvPr/>
+          </p:nvCxnSpPr>
+          <p:spPr>
+            <a:xfrm>
+              <a:off x="1572714" y="2296364"/>
+              <a:ext cx="349" cy="197558"/>
+            </a:xfrm>
+            <a:prstGeom prst="straightConnector1">
+              <a:avLst/>
+            </a:prstGeom>
+            <a:ln w="28575">
+              <a:solidFill>
+                <a:schemeClr val="tx1"/>
+              </a:solidFill>
+              <a:tailEnd type="triangle"/>
+            </a:ln>
+          </p:spPr>
+          <p:style>
+            <a:lnRef idx="1">
+              <a:schemeClr val="accent1"/>
+            </a:lnRef>
+            <a:fillRef idx="0">
+              <a:schemeClr val="accent1"/>
+            </a:fillRef>
+            <a:effectRef idx="0">
+              <a:schemeClr val="accent1"/>
+            </a:effectRef>
+            <a:fontRef idx="minor">
+              <a:schemeClr val="tx1"/>
+            </a:fontRef>
+          </p:style>
+        </p:cxnSp>
+        <p:sp>
+          <p:nvSpPr>
+            <p:cNvPr id="64" name="TextBox 63">
+              <a:extLst>
+                <a:ext uri="{FF2B5EF4-FFF2-40B4-BE49-F238E27FC236}">
+                  <a16:creationId xmlns:a16="http://schemas.microsoft.com/office/drawing/2014/main" id="{BCE99756-2446-739A-9F34-67019F3018B0}"/>
+                </a:ext>
+              </a:extLst>
+            </p:cNvPr>
+            <p:cNvSpPr txBox="1"/>
+            <p:nvPr/>
+          </p:nvSpPr>
+          <p:spPr>
+            <a:xfrm>
+              <a:off x="1572282" y="2250316"/>
+              <a:ext cx="849879" cy="261610"/>
+            </a:xfrm>
+            <a:prstGeom prst="rect">
+              <a:avLst/>
+            </a:prstGeom>
+            <a:noFill/>
+          </p:spPr>
+          <p:txBody>
+            <a:bodyPr wrap="square" rtlCol="0">
+              <a:spAutoFit/>
+            </a:bodyPr>
+            <a:lstStyle/>
+            <a:p>
+              <a:r>
+                <a:rPr lang="en-US" sz="1100" dirty="0" err="1"/>
+                <a:t>ReLU</a:t>
+              </a:r>
+              <a:endParaRPr lang="en-US" sz="1100" dirty="0"/>
+            </a:p>
+          </p:txBody>
+        </p:sp>
+        <p:cxnSp>
+          <p:nvCxnSpPr>
+            <p:cNvPr id="65" name="Straight Arrow Connector 64">
+              <a:extLst>
+                <a:ext uri="{FF2B5EF4-FFF2-40B4-BE49-F238E27FC236}">
+                  <a16:creationId xmlns:a16="http://schemas.microsoft.com/office/drawing/2014/main" id="{7DAFA837-D3D1-927C-FF47-246D8C07B6B1}"/>
+                </a:ext>
+              </a:extLst>
+            </p:cNvPr>
+            <p:cNvCxnSpPr>
+              <a:cxnSpLocks/>
+              <a:stCxn id="56" idx="2"/>
+              <a:endCxn id="61" idx="0"/>
+            </p:cNvCxnSpPr>
+            <p:nvPr/>
+          </p:nvCxnSpPr>
+          <p:spPr>
+            <a:xfrm>
+              <a:off x="1572714" y="1825223"/>
+              <a:ext cx="0" cy="307541"/>
+            </a:xfrm>
+            <a:prstGeom prst="straightConnector1">
+              <a:avLst/>
+            </a:prstGeom>
+            <a:ln w="28575">
+              <a:solidFill>
+                <a:schemeClr val="tx1"/>
+              </a:solidFill>
+              <a:tailEnd type="triangle"/>
+            </a:ln>
+          </p:spPr>
+          <p:style>
+            <a:lnRef idx="1">
+              <a:schemeClr val="accent1"/>
+            </a:lnRef>
+            <a:fillRef idx="0">
+              <a:schemeClr val="accent1"/>
+            </a:fillRef>
+            <a:effectRef idx="0">
+              <a:schemeClr val="accent1"/>
+            </a:effectRef>
+            <a:fontRef idx="minor">
+              <a:schemeClr val="tx1"/>
+            </a:fontRef>
+          </p:style>
+        </p:cxnSp>
+        <p:sp>
+          <p:nvSpPr>
+            <p:cNvPr id="66" name="Rectangle 65">
+              <a:extLst>
+                <a:ext uri="{FF2B5EF4-FFF2-40B4-BE49-F238E27FC236}">
+                  <a16:creationId xmlns:a16="http://schemas.microsoft.com/office/drawing/2014/main" id="{8F95317E-992C-8C6D-8379-AAEF2638376C}"/>
+                </a:ext>
+              </a:extLst>
+            </p:cNvPr>
+            <p:cNvSpPr/>
+            <p:nvPr/>
+          </p:nvSpPr>
+          <p:spPr>
+            <a:xfrm>
+              <a:off x="266084" y="2959313"/>
+              <a:ext cx="2613260" cy="163600"/>
+            </a:xfrm>
+            <a:prstGeom prst="rect">
+              <a:avLst/>
+            </a:prstGeom>
+            <a:solidFill>
+              <a:schemeClr val="bg1"/>
+            </a:solidFill>
+            <a:ln>
+              <a:solidFill>
+                <a:schemeClr val="tx1"/>
+              </a:solidFill>
+            </a:ln>
+          </p:spPr>
+          <p:style>
+            <a:lnRef idx="3">
+              <a:schemeClr val="lt1"/>
+            </a:lnRef>
+            <a:fillRef idx="1">
+              <a:schemeClr val="accent5"/>
+            </a:fillRef>
+            <a:effectRef idx="1">
+              <a:schemeClr val="accent5"/>
+            </a:effectRef>
+            <a:fontRef idx="minor">
+              <a:schemeClr val="lt1"/>
+            </a:fontRef>
+          </p:style>
+          <p:txBody>
+            <a:bodyPr rtlCol="0" anchor="ctr"/>
+            <a:lstStyle/>
+            <a:p>
+              <a:pPr algn="ctr"/>
+              <a:r>
+                <a:rPr lang="en-US" sz="1400" dirty="0">
+                  <a:solidFill>
+                    <a:schemeClr val="tx1"/>
+                  </a:solidFill>
+                </a:rPr>
+                <a:t>2D Max Pool (2)</a:t>
+              </a:r>
+            </a:p>
+          </p:txBody>
+        </p:sp>
+        <p:cxnSp>
+          <p:nvCxnSpPr>
+            <p:cNvPr id="67" name="Straight Arrow Connector 66">
+              <a:extLst>
+                <a:ext uri="{FF2B5EF4-FFF2-40B4-BE49-F238E27FC236}">
+                  <a16:creationId xmlns:a16="http://schemas.microsoft.com/office/drawing/2014/main" id="{1637CFE1-7AC3-7F9E-E674-D03818AA9A57}"/>
+                </a:ext>
+              </a:extLst>
+            </p:cNvPr>
+            <p:cNvCxnSpPr>
+              <a:cxnSpLocks/>
+              <a:stCxn id="62" idx="2"/>
+              <a:endCxn id="66" idx="0"/>
+            </p:cNvCxnSpPr>
+            <p:nvPr/>
+          </p:nvCxnSpPr>
+          <p:spPr>
+            <a:xfrm flipH="1">
+              <a:off x="1572714" y="2657522"/>
+              <a:ext cx="349" cy="301791"/>
+            </a:xfrm>
+            <a:prstGeom prst="straightConnector1">
+              <a:avLst/>
+            </a:prstGeom>
+            <a:ln w="28575">
+              <a:solidFill>
+                <a:schemeClr val="tx1"/>
+              </a:solidFill>
+              <a:tailEnd type="triangle"/>
+            </a:ln>
+          </p:spPr>
+          <p:style>
+            <a:lnRef idx="1">
+              <a:schemeClr val="accent1"/>
+            </a:lnRef>
+            <a:fillRef idx="0">
+              <a:schemeClr val="accent1"/>
+            </a:fillRef>
+            <a:effectRef idx="0">
+              <a:schemeClr val="accent1"/>
+            </a:effectRef>
+            <a:fontRef idx="minor">
+              <a:schemeClr val="tx1"/>
+            </a:fontRef>
+          </p:style>
+        </p:cxnSp>
+        <p:sp>
+          <p:nvSpPr>
+            <p:cNvPr id="68" name="Rectangle 67">
+              <a:extLst>
+                <a:ext uri="{FF2B5EF4-FFF2-40B4-BE49-F238E27FC236}">
+                  <a16:creationId xmlns:a16="http://schemas.microsoft.com/office/drawing/2014/main" id="{F82F534D-C218-5400-A9CE-92EBC24D4D0F}"/>
+                </a:ext>
+              </a:extLst>
+            </p:cNvPr>
+            <p:cNvSpPr/>
+            <p:nvPr/>
+          </p:nvSpPr>
+          <p:spPr>
+            <a:xfrm>
+              <a:off x="266084" y="3254769"/>
+              <a:ext cx="2613260" cy="163600"/>
+            </a:xfrm>
+            <a:prstGeom prst="rect">
+              <a:avLst/>
+            </a:prstGeom>
+            <a:solidFill>
+              <a:schemeClr val="bg1"/>
+            </a:solidFill>
+            <a:ln>
+              <a:solidFill>
+                <a:schemeClr val="tx1"/>
+              </a:solidFill>
+            </a:ln>
+          </p:spPr>
+          <p:style>
+            <a:lnRef idx="3">
+              <a:schemeClr val="lt1"/>
+            </a:lnRef>
+            <a:fillRef idx="1">
+              <a:schemeClr val="accent5"/>
+            </a:fillRef>
+            <a:effectRef idx="1">
+              <a:schemeClr val="accent5"/>
+            </a:effectRef>
+            <a:fontRef idx="minor">
+              <a:schemeClr val="lt1"/>
+            </a:fontRef>
+          </p:style>
+          <p:txBody>
+            <a:bodyPr rtlCol="0" anchor="ctr"/>
+            <a:lstStyle/>
+            <a:p>
+              <a:pPr algn="ctr"/>
+              <a:r>
+                <a:rPr lang="en-US" sz="1400" dirty="0">
+                  <a:solidFill>
+                    <a:schemeClr val="tx1"/>
+                  </a:solidFill>
+                </a:rPr>
+                <a:t>2D Dropout (0.3)</a:t>
+              </a:r>
+            </a:p>
+          </p:txBody>
+        </p:sp>
+        <p:cxnSp>
+          <p:nvCxnSpPr>
+            <p:cNvPr id="69" name="Straight Arrow Connector 68">
+              <a:extLst>
+                <a:ext uri="{FF2B5EF4-FFF2-40B4-BE49-F238E27FC236}">
+                  <a16:creationId xmlns:a16="http://schemas.microsoft.com/office/drawing/2014/main" id="{A2367420-9696-40D8-BEE0-B39A99027703}"/>
+                </a:ext>
+              </a:extLst>
+            </p:cNvPr>
+            <p:cNvCxnSpPr>
+              <a:cxnSpLocks/>
+              <a:stCxn id="66" idx="2"/>
+              <a:endCxn id="68" idx="0"/>
+            </p:cNvCxnSpPr>
+            <p:nvPr/>
+          </p:nvCxnSpPr>
+          <p:spPr>
+            <a:xfrm>
+              <a:off x="1572714" y="3122913"/>
+              <a:ext cx="0" cy="131856"/>
+            </a:xfrm>
+            <a:prstGeom prst="straightConnector1">
+              <a:avLst/>
+            </a:prstGeom>
+            <a:ln w="28575">
+              <a:solidFill>
+                <a:schemeClr val="tx1"/>
+              </a:solidFill>
+              <a:tailEnd type="triangle"/>
+            </a:ln>
+          </p:spPr>
+          <p:style>
+            <a:lnRef idx="1">
+              <a:schemeClr val="accent1"/>
+            </a:lnRef>
+            <a:fillRef idx="0">
+              <a:schemeClr val="accent1"/>
+            </a:fillRef>
+            <a:effectRef idx="0">
+              <a:schemeClr val="accent1"/>
+            </a:effectRef>
+            <a:fontRef idx="minor">
+              <a:schemeClr val="tx1"/>
+            </a:fontRef>
+          </p:style>
+        </p:cxnSp>
+        <p:sp>
+          <p:nvSpPr>
+            <p:cNvPr id="70" name="Rectangle 69">
+              <a:extLst>
+                <a:ext uri="{FF2B5EF4-FFF2-40B4-BE49-F238E27FC236}">
+                  <a16:creationId xmlns:a16="http://schemas.microsoft.com/office/drawing/2014/main" id="{EC216857-56B2-C398-D56A-52F6D12D56ED}"/>
+                </a:ext>
+              </a:extLst>
+            </p:cNvPr>
+            <p:cNvSpPr/>
+            <p:nvPr/>
+          </p:nvSpPr>
+          <p:spPr>
+            <a:xfrm>
+              <a:off x="266084" y="3896967"/>
+              <a:ext cx="2613260" cy="163600"/>
+            </a:xfrm>
+            <a:prstGeom prst="rect">
+              <a:avLst/>
+            </a:prstGeom>
+            <a:solidFill>
+              <a:schemeClr val="bg1"/>
+            </a:solidFill>
+            <a:ln>
+              <a:solidFill>
+                <a:schemeClr val="tx1"/>
+              </a:solidFill>
+            </a:ln>
+          </p:spPr>
+          <p:style>
+            <a:lnRef idx="3">
+              <a:schemeClr val="lt1"/>
+            </a:lnRef>
+            <a:fillRef idx="1">
+              <a:schemeClr val="accent5"/>
+            </a:fillRef>
+            <a:effectRef idx="1">
+              <a:schemeClr val="accent5"/>
+            </a:effectRef>
+            <a:fontRef idx="minor">
+              <a:schemeClr val="lt1"/>
+            </a:fontRef>
+          </p:style>
+          <p:txBody>
+            <a:bodyPr rtlCol="0" anchor="ctr"/>
+            <a:lstStyle/>
+            <a:p>
+              <a:pPr algn="ctr"/>
+              <a:r>
+                <a:rPr lang="en-US" sz="1400" dirty="0">
+                  <a:solidFill>
+                    <a:schemeClr val="tx1"/>
+                  </a:solidFill>
+                </a:rPr>
+                <a:t>2D Convolution Layer (16,32,3,1)</a:t>
+              </a:r>
+            </a:p>
+          </p:txBody>
+        </p:sp>
+        <p:sp>
+          <p:nvSpPr>
+            <p:cNvPr id="71" name="Rectangle 70">
+              <a:extLst>
+                <a:ext uri="{FF2B5EF4-FFF2-40B4-BE49-F238E27FC236}">
+                  <a16:creationId xmlns:a16="http://schemas.microsoft.com/office/drawing/2014/main" id="{36D8D136-3AE5-677C-0223-8D2C1776CEB1}"/>
+                </a:ext>
+              </a:extLst>
+            </p:cNvPr>
+            <p:cNvSpPr/>
+            <p:nvPr/>
+          </p:nvSpPr>
+          <p:spPr>
+            <a:xfrm>
+              <a:off x="266090" y="4264670"/>
+              <a:ext cx="2613260" cy="163600"/>
+            </a:xfrm>
+            <a:prstGeom prst="rect">
+              <a:avLst/>
+            </a:prstGeom>
+            <a:solidFill>
+              <a:schemeClr val="bg1"/>
+            </a:solidFill>
+            <a:ln>
+              <a:solidFill>
+                <a:schemeClr val="tx1"/>
+              </a:solidFill>
+            </a:ln>
+          </p:spPr>
+          <p:style>
+            <a:lnRef idx="3">
+              <a:schemeClr val="lt1"/>
+            </a:lnRef>
+            <a:fillRef idx="1">
+              <a:schemeClr val="accent5"/>
+            </a:fillRef>
+            <a:effectRef idx="1">
+              <a:schemeClr val="accent5"/>
+            </a:effectRef>
+            <a:fontRef idx="minor">
+              <a:schemeClr val="lt1"/>
+            </a:fontRef>
+          </p:style>
+          <p:txBody>
+            <a:bodyPr rtlCol="0" anchor="ctr"/>
+            <a:lstStyle/>
+            <a:p>
+              <a:pPr algn="ctr"/>
+              <a:r>
+                <a:rPr lang="en-US" sz="1400" dirty="0">
+                  <a:solidFill>
+                    <a:schemeClr val="tx1"/>
+                  </a:solidFill>
+                </a:rPr>
+                <a:t>2D Batch Norm (32)</a:t>
+              </a:r>
+            </a:p>
+          </p:txBody>
+        </p:sp>
+        <p:cxnSp>
+          <p:nvCxnSpPr>
+            <p:cNvPr id="72" name="Straight Arrow Connector 71">
+              <a:extLst>
+                <a:ext uri="{FF2B5EF4-FFF2-40B4-BE49-F238E27FC236}">
+                  <a16:creationId xmlns:a16="http://schemas.microsoft.com/office/drawing/2014/main" id="{1EAA1DC5-B9CF-48B4-A9BE-619E6333B7D5}"/>
+                </a:ext>
+              </a:extLst>
+            </p:cNvPr>
+            <p:cNvCxnSpPr>
+              <a:cxnSpLocks/>
+              <a:stCxn id="70" idx="2"/>
+              <a:endCxn id="71" idx="0"/>
+            </p:cNvCxnSpPr>
+            <p:nvPr/>
+          </p:nvCxnSpPr>
+          <p:spPr>
+            <a:xfrm>
+              <a:off x="1572714" y="4060567"/>
+              <a:ext cx="6" cy="204103"/>
+            </a:xfrm>
+            <a:prstGeom prst="straightConnector1">
+              <a:avLst/>
+            </a:prstGeom>
+            <a:ln w="28575">
+              <a:solidFill>
+                <a:schemeClr val="tx1"/>
+              </a:solidFill>
+              <a:tailEnd type="triangle"/>
+            </a:ln>
+          </p:spPr>
+          <p:style>
+            <a:lnRef idx="1">
+              <a:schemeClr val="accent1"/>
+            </a:lnRef>
+            <a:fillRef idx="0">
+              <a:schemeClr val="accent1"/>
+            </a:fillRef>
+            <a:effectRef idx="0">
+              <a:schemeClr val="accent1"/>
+            </a:effectRef>
+            <a:fontRef idx="minor">
+              <a:schemeClr val="tx1"/>
+            </a:fontRef>
+          </p:style>
+        </p:cxnSp>
+        <p:sp>
+          <p:nvSpPr>
+            <p:cNvPr id="73" name="TextBox 72">
+              <a:extLst>
+                <a:ext uri="{FF2B5EF4-FFF2-40B4-BE49-F238E27FC236}">
+                  <a16:creationId xmlns:a16="http://schemas.microsoft.com/office/drawing/2014/main" id="{6AA1BAE1-0EA2-99E8-8A4A-39D1D16C9EB9}"/>
+                </a:ext>
+              </a:extLst>
+            </p:cNvPr>
+            <p:cNvSpPr txBox="1"/>
+            <p:nvPr/>
+          </p:nvSpPr>
+          <p:spPr>
+            <a:xfrm>
+              <a:off x="1572282" y="4033337"/>
+              <a:ext cx="849879" cy="261610"/>
+            </a:xfrm>
+            <a:prstGeom prst="rect">
+              <a:avLst/>
+            </a:prstGeom>
+            <a:noFill/>
+          </p:spPr>
+          <p:txBody>
+            <a:bodyPr wrap="square" rtlCol="0">
+              <a:spAutoFit/>
+            </a:bodyPr>
+            <a:lstStyle/>
+            <a:p>
+              <a:r>
+                <a:rPr lang="en-US" sz="1100" dirty="0" err="1"/>
+                <a:t>ReLU</a:t>
+              </a:r>
+              <a:endParaRPr lang="en-US" sz="1100" dirty="0"/>
+            </a:p>
+          </p:txBody>
+        </p:sp>
+        <p:cxnSp>
+          <p:nvCxnSpPr>
+            <p:cNvPr id="74" name="Straight Arrow Connector 73">
+              <a:extLst>
+                <a:ext uri="{FF2B5EF4-FFF2-40B4-BE49-F238E27FC236}">
+                  <a16:creationId xmlns:a16="http://schemas.microsoft.com/office/drawing/2014/main" id="{D30F1A72-5177-0854-67CA-909757C258E9}"/>
+                </a:ext>
+              </a:extLst>
+            </p:cNvPr>
+            <p:cNvCxnSpPr>
+              <a:cxnSpLocks/>
+              <a:stCxn id="68" idx="2"/>
+              <a:endCxn id="70" idx="0"/>
+            </p:cNvCxnSpPr>
+            <p:nvPr/>
+          </p:nvCxnSpPr>
+          <p:spPr>
+            <a:xfrm>
+              <a:off x="1572714" y="3418369"/>
+              <a:ext cx="0" cy="478598"/>
+            </a:xfrm>
+            <a:prstGeom prst="straightConnector1">
+              <a:avLst/>
+            </a:prstGeom>
+            <a:ln w="28575">
+              <a:solidFill>
+                <a:schemeClr val="tx1"/>
+              </a:solidFill>
+              <a:tailEnd type="triangle"/>
+            </a:ln>
+          </p:spPr>
+          <p:style>
+            <a:lnRef idx="1">
+              <a:schemeClr val="accent1"/>
+            </a:lnRef>
+            <a:fillRef idx="0">
+              <a:schemeClr val="accent1"/>
+            </a:fillRef>
+            <a:effectRef idx="0">
+              <a:schemeClr val="accent1"/>
+            </a:effectRef>
+            <a:fontRef idx="minor">
+              <a:schemeClr val="tx1"/>
+            </a:fontRef>
+          </p:style>
+        </p:cxnSp>
+        <p:sp>
+          <p:nvSpPr>
+            <p:cNvPr id="75" name="Rectangle 74">
+              <a:extLst>
+                <a:ext uri="{FF2B5EF4-FFF2-40B4-BE49-F238E27FC236}">
+                  <a16:creationId xmlns:a16="http://schemas.microsoft.com/office/drawing/2014/main" id="{1289B420-C5A3-3591-3D96-3EE56B3CC4D2}"/>
+                </a:ext>
+              </a:extLst>
+            </p:cNvPr>
+            <p:cNvSpPr/>
+            <p:nvPr/>
+          </p:nvSpPr>
+          <p:spPr>
+            <a:xfrm>
+              <a:off x="266090" y="4659080"/>
+              <a:ext cx="2613260" cy="163600"/>
+            </a:xfrm>
+            <a:prstGeom prst="rect">
+              <a:avLst/>
+            </a:prstGeom>
+            <a:solidFill>
+              <a:schemeClr val="bg1"/>
+            </a:solidFill>
+            <a:ln>
+              <a:solidFill>
+                <a:schemeClr val="tx1"/>
+              </a:solidFill>
+            </a:ln>
+          </p:spPr>
+          <p:style>
+            <a:lnRef idx="3">
+              <a:schemeClr val="lt1"/>
+            </a:lnRef>
+            <a:fillRef idx="1">
+              <a:schemeClr val="accent5"/>
+            </a:fillRef>
+            <a:effectRef idx="1">
+              <a:schemeClr val="accent5"/>
+            </a:effectRef>
+            <a:fontRef idx="minor">
+              <a:schemeClr val="lt1"/>
+            </a:fontRef>
+          </p:style>
+          <p:txBody>
+            <a:bodyPr rtlCol="0" anchor="ctr"/>
+            <a:lstStyle/>
+            <a:p>
+              <a:pPr algn="ctr"/>
+              <a:r>
+                <a:rPr lang="en-US" sz="1400" dirty="0">
+                  <a:solidFill>
+                    <a:schemeClr val="tx1"/>
+                  </a:solidFill>
+                </a:rPr>
+                <a:t>2D Convolution Layer (32,32,3,1)</a:t>
+              </a:r>
+            </a:p>
+          </p:txBody>
+        </p:sp>
+        <p:sp>
+          <p:nvSpPr>
+            <p:cNvPr id="76" name="Rectangle 75">
+              <a:extLst>
+                <a:ext uri="{FF2B5EF4-FFF2-40B4-BE49-F238E27FC236}">
+                  <a16:creationId xmlns:a16="http://schemas.microsoft.com/office/drawing/2014/main" id="{099F0F4E-82C2-FC7F-6860-D5D531128607}"/>
+                </a:ext>
+              </a:extLst>
+            </p:cNvPr>
+            <p:cNvSpPr/>
+            <p:nvPr/>
+          </p:nvSpPr>
+          <p:spPr>
+            <a:xfrm>
+              <a:off x="266090" y="5017326"/>
+              <a:ext cx="2613260" cy="163600"/>
+            </a:xfrm>
+            <a:prstGeom prst="rect">
+              <a:avLst/>
+            </a:prstGeom>
+            <a:solidFill>
+              <a:schemeClr val="bg1"/>
+            </a:solidFill>
+            <a:ln>
+              <a:solidFill>
+                <a:schemeClr val="tx1"/>
+              </a:solidFill>
+            </a:ln>
+          </p:spPr>
+          <p:style>
+            <a:lnRef idx="3">
+              <a:schemeClr val="lt1"/>
+            </a:lnRef>
+            <a:fillRef idx="1">
+              <a:schemeClr val="accent5"/>
+            </a:fillRef>
+            <a:effectRef idx="1">
+              <a:schemeClr val="accent5"/>
+            </a:effectRef>
+            <a:fontRef idx="minor">
+              <a:schemeClr val="lt1"/>
+            </a:fontRef>
+          </p:style>
+          <p:txBody>
+            <a:bodyPr rtlCol="0" anchor="ctr"/>
+            <a:lstStyle/>
+            <a:p>
+              <a:pPr algn="ctr"/>
+              <a:r>
+                <a:rPr lang="en-US" sz="1400" dirty="0">
+                  <a:solidFill>
+                    <a:schemeClr val="tx1"/>
+                  </a:solidFill>
+                </a:rPr>
+                <a:t>2D Batch Norm (32)</a:t>
+              </a:r>
+            </a:p>
+          </p:txBody>
+        </p:sp>
+        <p:cxnSp>
+          <p:nvCxnSpPr>
+            <p:cNvPr id="77" name="Straight Arrow Connector 76">
+              <a:extLst>
+                <a:ext uri="{FF2B5EF4-FFF2-40B4-BE49-F238E27FC236}">
+                  <a16:creationId xmlns:a16="http://schemas.microsoft.com/office/drawing/2014/main" id="{53EEDD4E-901C-BA75-9DD3-ADEAA1EF16AC}"/>
+                </a:ext>
+              </a:extLst>
+            </p:cNvPr>
+            <p:cNvCxnSpPr>
+              <a:cxnSpLocks/>
+              <a:stCxn id="75" idx="2"/>
+              <a:endCxn id="76" idx="0"/>
+            </p:cNvCxnSpPr>
+            <p:nvPr/>
+          </p:nvCxnSpPr>
+          <p:spPr>
+            <a:xfrm>
+              <a:off x="1572720" y="4822680"/>
+              <a:ext cx="0" cy="194646"/>
+            </a:xfrm>
+            <a:prstGeom prst="straightConnector1">
+              <a:avLst/>
+            </a:prstGeom>
+            <a:ln w="28575">
+              <a:solidFill>
+                <a:schemeClr val="tx1"/>
+              </a:solidFill>
+              <a:tailEnd type="triangle"/>
+            </a:ln>
+          </p:spPr>
+          <p:style>
+            <a:lnRef idx="1">
+              <a:schemeClr val="accent1"/>
+            </a:lnRef>
+            <a:fillRef idx="0">
+              <a:schemeClr val="accent1"/>
+            </a:fillRef>
+            <a:effectRef idx="0">
+              <a:schemeClr val="accent1"/>
+            </a:effectRef>
+            <a:fontRef idx="minor">
+              <a:schemeClr val="tx1"/>
+            </a:fontRef>
+          </p:style>
+        </p:cxnSp>
+        <p:sp>
+          <p:nvSpPr>
+            <p:cNvPr id="78" name="TextBox 77">
+              <a:extLst>
+                <a:ext uri="{FF2B5EF4-FFF2-40B4-BE49-F238E27FC236}">
+                  <a16:creationId xmlns:a16="http://schemas.microsoft.com/office/drawing/2014/main" id="{179F578E-91C2-534A-C522-7D2205C4B7A3}"/>
+                </a:ext>
+              </a:extLst>
+            </p:cNvPr>
+            <p:cNvSpPr txBox="1"/>
+            <p:nvPr/>
+          </p:nvSpPr>
+          <p:spPr>
+            <a:xfrm>
+              <a:off x="1560796" y="4786499"/>
+              <a:ext cx="849879" cy="261610"/>
+            </a:xfrm>
+            <a:prstGeom prst="rect">
+              <a:avLst/>
+            </a:prstGeom>
+            <a:noFill/>
+          </p:spPr>
+          <p:txBody>
+            <a:bodyPr wrap="square" rtlCol="0">
+              <a:spAutoFit/>
+            </a:bodyPr>
+            <a:lstStyle/>
+            <a:p>
+              <a:r>
+                <a:rPr lang="en-US" sz="1100" dirty="0" err="1"/>
+                <a:t>ReLU</a:t>
+              </a:r>
+              <a:endParaRPr lang="en-US" sz="1100" dirty="0"/>
+            </a:p>
+          </p:txBody>
+        </p:sp>
+        <p:cxnSp>
+          <p:nvCxnSpPr>
+            <p:cNvPr id="79" name="Straight Arrow Connector 78">
+              <a:extLst>
+                <a:ext uri="{FF2B5EF4-FFF2-40B4-BE49-F238E27FC236}">
+                  <a16:creationId xmlns:a16="http://schemas.microsoft.com/office/drawing/2014/main" id="{39E290F1-E81B-744E-DDE1-2B1F83778127}"/>
+                </a:ext>
+              </a:extLst>
+            </p:cNvPr>
+            <p:cNvCxnSpPr>
+              <a:cxnSpLocks/>
+              <a:stCxn id="71" idx="2"/>
+              <a:endCxn id="75" idx="0"/>
+            </p:cNvCxnSpPr>
+            <p:nvPr/>
+          </p:nvCxnSpPr>
+          <p:spPr>
+            <a:xfrm>
+              <a:off x="1572720" y="4428270"/>
+              <a:ext cx="0" cy="230810"/>
+            </a:xfrm>
+            <a:prstGeom prst="straightConnector1">
+              <a:avLst/>
+            </a:prstGeom>
+            <a:ln w="28575">
+              <a:solidFill>
+                <a:schemeClr val="tx1"/>
+              </a:solidFill>
+              <a:tailEnd type="triangle"/>
+            </a:ln>
+          </p:spPr>
+          <p:style>
+            <a:lnRef idx="1">
+              <a:schemeClr val="accent1"/>
+            </a:lnRef>
+            <a:fillRef idx="0">
+              <a:schemeClr val="accent1"/>
+            </a:fillRef>
+            <a:effectRef idx="0">
+              <a:schemeClr val="accent1"/>
+            </a:effectRef>
+            <a:fontRef idx="minor">
+              <a:schemeClr val="tx1"/>
+            </a:fontRef>
+          </p:style>
+        </p:cxnSp>
+        <p:sp>
+          <p:nvSpPr>
+            <p:cNvPr id="80" name="Rectangle 79">
+              <a:extLst>
+                <a:ext uri="{FF2B5EF4-FFF2-40B4-BE49-F238E27FC236}">
+                  <a16:creationId xmlns:a16="http://schemas.microsoft.com/office/drawing/2014/main" id="{4ED0180D-B5D9-83D5-FD6A-4391A42B3377}"/>
+                </a:ext>
+              </a:extLst>
+            </p:cNvPr>
+            <p:cNvSpPr/>
+            <p:nvPr/>
+          </p:nvSpPr>
+          <p:spPr>
+            <a:xfrm>
+              <a:off x="266413" y="5436600"/>
+              <a:ext cx="2613260" cy="163600"/>
+            </a:xfrm>
+            <a:prstGeom prst="rect">
+              <a:avLst/>
+            </a:prstGeom>
+            <a:solidFill>
+              <a:schemeClr val="bg1"/>
+            </a:solidFill>
+            <a:ln>
+              <a:solidFill>
+                <a:schemeClr val="tx1"/>
+              </a:solidFill>
+            </a:ln>
+          </p:spPr>
+          <p:style>
+            <a:lnRef idx="3">
+              <a:schemeClr val="lt1"/>
+            </a:lnRef>
+            <a:fillRef idx="1">
+              <a:schemeClr val="accent5"/>
+            </a:fillRef>
+            <a:effectRef idx="1">
+              <a:schemeClr val="accent5"/>
+            </a:effectRef>
+            <a:fontRef idx="minor">
+              <a:schemeClr val="lt1"/>
+            </a:fontRef>
+          </p:style>
+          <p:txBody>
+            <a:bodyPr rtlCol="0" anchor="ctr"/>
+            <a:lstStyle/>
+            <a:p>
+              <a:pPr algn="ctr"/>
+              <a:r>
+                <a:rPr lang="en-US" sz="1400" dirty="0">
+                  <a:solidFill>
+                    <a:schemeClr val="tx1"/>
+                  </a:solidFill>
+                </a:rPr>
+                <a:t>2D Max Pool (2)</a:t>
+              </a:r>
+            </a:p>
+          </p:txBody>
+        </p:sp>
+        <p:cxnSp>
+          <p:nvCxnSpPr>
+            <p:cNvPr id="81" name="Straight Arrow Connector 80">
+              <a:extLst>
+                <a:ext uri="{FF2B5EF4-FFF2-40B4-BE49-F238E27FC236}">
+                  <a16:creationId xmlns:a16="http://schemas.microsoft.com/office/drawing/2014/main" id="{6B3F5DE1-5B2A-7493-34C4-403FE50A65D4}"/>
+                </a:ext>
+              </a:extLst>
+            </p:cNvPr>
+            <p:cNvCxnSpPr>
+              <a:cxnSpLocks/>
+              <a:stCxn id="76" idx="2"/>
+              <a:endCxn id="80" idx="0"/>
+            </p:cNvCxnSpPr>
+            <p:nvPr/>
+          </p:nvCxnSpPr>
+          <p:spPr>
+            <a:xfrm>
+              <a:off x="1572720" y="5180926"/>
+              <a:ext cx="323" cy="255674"/>
+            </a:xfrm>
+            <a:prstGeom prst="straightConnector1">
+              <a:avLst/>
+            </a:prstGeom>
+            <a:ln w="28575">
+              <a:solidFill>
+                <a:schemeClr val="tx1"/>
+              </a:solidFill>
+              <a:tailEnd type="triangle"/>
+            </a:ln>
+          </p:spPr>
+          <p:style>
+            <a:lnRef idx="1">
+              <a:schemeClr val="accent1"/>
+            </a:lnRef>
+            <a:fillRef idx="0">
+              <a:schemeClr val="accent1"/>
+            </a:fillRef>
+            <a:effectRef idx="0">
+              <a:schemeClr val="accent1"/>
+            </a:effectRef>
+            <a:fontRef idx="minor">
+              <a:schemeClr val="tx1"/>
+            </a:fontRef>
+          </p:style>
+        </p:cxnSp>
+        <p:sp>
+          <p:nvSpPr>
+            <p:cNvPr id="82" name="Rectangle 81">
+              <a:extLst>
+                <a:ext uri="{FF2B5EF4-FFF2-40B4-BE49-F238E27FC236}">
+                  <a16:creationId xmlns:a16="http://schemas.microsoft.com/office/drawing/2014/main" id="{50B067C0-8C36-95DE-52D6-98049711A55E}"/>
+                </a:ext>
+              </a:extLst>
+            </p:cNvPr>
+            <p:cNvSpPr/>
+            <p:nvPr/>
+          </p:nvSpPr>
+          <p:spPr>
+            <a:xfrm>
+              <a:off x="268836" y="5737498"/>
+              <a:ext cx="2613260" cy="163600"/>
+            </a:xfrm>
+            <a:prstGeom prst="rect">
+              <a:avLst/>
+            </a:prstGeom>
+            <a:solidFill>
+              <a:schemeClr val="bg1"/>
+            </a:solidFill>
+            <a:ln>
+              <a:solidFill>
+                <a:schemeClr val="tx1"/>
+              </a:solidFill>
+            </a:ln>
+          </p:spPr>
+          <p:style>
+            <a:lnRef idx="3">
+              <a:schemeClr val="lt1"/>
+            </a:lnRef>
+            <a:fillRef idx="1">
+              <a:schemeClr val="accent5"/>
+            </a:fillRef>
+            <a:effectRef idx="1">
+              <a:schemeClr val="accent5"/>
+            </a:effectRef>
+            <a:fontRef idx="minor">
+              <a:schemeClr val="lt1"/>
+            </a:fontRef>
+          </p:style>
+          <p:txBody>
+            <a:bodyPr rtlCol="0" anchor="ctr"/>
+            <a:lstStyle/>
+            <a:p>
+              <a:pPr algn="ctr"/>
+              <a:r>
+                <a:rPr lang="en-US" sz="1400" dirty="0">
+                  <a:solidFill>
+                    <a:schemeClr val="tx1"/>
+                  </a:solidFill>
+                </a:rPr>
+                <a:t>2D Dropout (0.3)</a:t>
+              </a:r>
+            </a:p>
+          </p:txBody>
+        </p:sp>
+        <p:cxnSp>
+          <p:nvCxnSpPr>
+            <p:cNvPr id="83" name="Straight Arrow Connector 82">
+              <a:extLst>
+                <a:ext uri="{FF2B5EF4-FFF2-40B4-BE49-F238E27FC236}">
+                  <a16:creationId xmlns:a16="http://schemas.microsoft.com/office/drawing/2014/main" id="{94A21D6F-B64F-DC70-F908-64FAFD8E2EFF}"/>
+                </a:ext>
+              </a:extLst>
+            </p:cNvPr>
+            <p:cNvCxnSpPr>
+              <a:cxnSpLocks/>
+            </p:cNvCxnSpPr>
+            <p:nvPr/>
+          </p:nvCxnSpPr>
+          <p:spPr>
+            <a:xfrm>
+              <a:off x="1573041" y="5600200"/>
+              <a:ext cx="2423" cy="137298"/>
+            </a:xfrm>
+            <a:prstGeom prst="straightConnector1">
+              <a:avLst/>
+            </a:prstGeom>
+            <a:ln w="28575">
+              <a:solidFill>
+                <a:schemeClr val="tx1"/>
+              </a:solidFill>
+              <a:tailEnd type="triangle"/>
+            </a:ln>
+          </p:spPr>
+          <p:style>
+            <a:lnRef idx="1">
+              <a:schemeClr val="accent1"/>
+            </a:lnRef>
+            <a:fillRef idx="0">
+              <a:schemeClr val="accent1"/>
+            </a:fillRef>
+            <a:effectRef idx="0">
+              <a:schemeClr val="accent1"/>
+            </a:effectRef>
+            <a:fontRef idx="minor">
+              <a:schemeClr val="tx1"/>
+            </a:fontRef>
+          </p:style>
+        </p:cxnSp>
+      </p:grpSp>
+      <p:sp>
+        <p:nvSpPr>
+          <p:cNvPr id="44" name="Rectangle 43">
+            <a:extLst>
+              <a:ext uri="{FF2B5EF4-FFF2-40B4-BE49-F238E27FC236}">
+                <a16:creationId xmlns:a16="http://schemas.microsoft.com/office/drawing/2014/main" id="{D7A8CD30-28B9-55B4-3335-4A6AC7870836}"/>
+              </a:ext>
+            </a:extLst>
+          </p:cNvPr>
+          <p:cNvSpPr/>
+          <p:nvPr/>
+        </p:nvSpPr>
+        <p:spPr>
+          <a:xfrm>
+            <a:off x="270822" y="6777620"/>
+            <a:ext cx="2621089" cy="174109"/>
+          </a:xfrm>
+          <a:prstGeom prst="rect">
+            <a:avLst/>
+          </a:prstGeom>
+          <a:solidFill>
+            <a:schemeClr val="bg1"/>
+          </a:solidFill>
+          <a:ln>
+            <a:solidFill>
+              <a:schemeClr val="tx1"/>
+            </a:solidFill>
+          </a:ln>
+        </p:spPr>
+        <p:style>
+          <a:lnRef idx="3">
+            <a:schemeClr val="lt1"/>
+          </a:lnRef>
+          <a:fillRef idx="1">
+            <a:schemeClr val="accent5"/>
+          </a:fillRef>
+          <a:effectRef idx="1">
+            <a:schemeClr val="accent5"/>
+          </a:effectRef>
+          <a:fontRef idx="minor">
+            <a:schemeClr val="lt1"/>
+          </a:fontRef>
+        </p:style>
+        <p:txBody>
+          <a:bodyPr rtlCol="0" anchor="ctr"/>
+          <a:lstStyle/>
+          <a:p>
+            <a:pPr algn="ctr"/>
+            <a:r>
+              <a:rPr lang="en-US" sz="1400" dirty="0">
+                <a:solidFill>
+                  <a:schemeClr val="tx1"/>
+                </a:solidFill>
+              </a:rPr>
+              <a:t>LSTM1 (15488,128)</a:t>
+            </a:r>
+          </a:p>
+        </p:txBody>
+      </p:sp>
+      <p:sp>
+        <p:nvSpPr>
+          <p:cNvPr id="45" name="Rectangle 44">
+            <a:extLst>
+              <a:ext uri="{FF2B5EF4-FFF2-40B4-BE49-F238E27FC236}">
+                <a16:creationId xmlns:a16="http://schemas.microsoft.com/office/drawing/2014/main" id="{5ABE9609-9C7F-0696-0BB1-FB08BB0344D3}"/>
+              </a:ext>
+            </a:extLst>
+          </p:cNvPr>
+          <p:cNvSpPr/>
+          <p:nvPr/>
+        </p:nvSpPr>
+        <p:spPr>
+          <a:xfrm>
+            <a:off x="270822" y="7119081"/>
+            <a:ext cx="2621089" cy="174109"/>
+          </a:xfrm>
+          <a:prstGeom prst="rect">
+            <a:avLst/>
+          </a:prstGeom>
+          <a:solidFill>
+            <a:schemeClr val="bg1"/>
+          </a:solidFill>
+          <a:ln>
+            <a:solidFill>
+              <a:schemeClr val="tx1"/>
+            </a:solidFill>
+          </a:ln>
+        </p:spPr>
+        <p:style>
+          <a:lnRef idx="3">
+            <a:schemeClr val="lt1"/>
+          </a:lnRef>
+          <a:fillRef idx="1">
+            <a:schemeClr val="accent5"/>
+          </a:fillRef>
+          <a:effectRef idx="1">
+            <a:schemeClr val="accent5"/>
+          </a:effectRef>
+          <a:fontRef idx="minor">
+            <a:schemeClr val="lt1"/>
+          </a:fontRef>
+        </p:style>
+        <p:txBody>
+          <a:bodyPr rtlCol="0" anchor="ctr"/>
+          <a:lstStyle/>
+          <a:p>
+            <a:pPr algn="ctr"/>
+            <a:r>
+              <a:rPr lang="en-US" sz="1400" dirty="0">
+                <a:solidFill>
+                  <a:schemeClr val="tx1"/>
+                </a:solidFill>
+              </a:rPr>
+              <a:t>LSTM2 (128,128)</a:t>
+            </a:r>
+          </a:p>
+        </p:txBody>
+      </p:sp>
+      <p:sp>
+        <p:nvSpPr>
+          <p:cNvPr id="46" name="Rectangle 45">
+            <a:extLst>
+              <a:ext uri="{FF2B5EF4-FFF2-40B4-BE49-F238E27FC236}">
+                <a16:creationId xmlns:a16="http://schemas.microsoft.com/office/drawing/2014/main" id="{7EED2A71-107D-0B21-E4C2-233235C66324}"/>
+              </a:ext>
+            </a:extLst>
+          </p:cNvPr>
+          <p:cNvSpPr/>
+          <p:nvPr/>
+        </p:nvSpPr>
+        <p:spPr>
+          <a:xfrm>
+            <a:off x="270932" y="7656708"/>
+            <a:ext cx="2621089" cy="174109"/>
+          </a:xfrm>
+          <a:prstGeom prst="rect">
+            <a:avLst/>
+          </a:prstGeom>
+          <a:solidFill>
+            <a:schemeClr val="bg1"/>
+          </a:solidFill>
+          <a:ln>
+            <a:solidFill>
+              <a:schemeClr val="tx1"/>
+            </a:solidFill>
+          </a:ln>
+        </p:spPr>
+        <p:style>
+          <a:lnRef idx="3">
+            <a:schemeClr val="lt1"/>
+          </a:lnRef>
+          <a:fillRef idx="1">
+            <a:schemeClr val="accent5"/>
+          </a:fillRef>
+          <a:effectRef idx="1">
+            <a:schemeClr val="accent5"/>
+          </a:effectRef>
+          <a:fontRef idx="minor">
+            <a:schemeClr val="lt1"/>
+          </a:fontRef>
+        </p:style>
+        <p:txBody>
+          <a:bodyPr rtlCol="0" anchor="ctr"/>
+          <a:lstStyle/>
+          <a:p>
+            <a:pPr algn="ctr"/>
+            <a:r>
+              <a:rPr lang="en-US" sz="1400" dirty="0">
+                <a:solidFill>
+                  <a:schemeClr val="tx1"/>
+                </a:solidFill>
+              </a:rPr>
+              <a:t>Fully Connected Layer (128,64)</a:t>
+            </a:r>
+          </a:p>
+        </p:txBody>
+      </p:sp>
+      <p:sp>
+        <p:nvSpPr>
+          <p:cNvPr id="47" name="Rectangle 46">
+            <a:extLst>
+              <a:ext uri="{FF2B5EF4-FFF2-40B4-BE49-F238E27FC236}">
+                <a16:creationId xmlns:a16="http://schemas.microsoft.com/office/drawing/2014/main" id="{D67BB8F1-F56C-5528-AE52-27A0D9C5F8F2}"/>
+              </a:ext>
+            </a:extLst>
+          </p:cNvPr>
+          <p:cNvSpPr/>
+          <p:nvPr/>
+        </p:nvSpPr>
+        <p:spPr>
+          <a:xfrm>
+            <a:off x="2022258" y="8973662"/>
+            <a:ext cx="2621089" cy="174109"/>
+          </a:xfrm>
+          <a:prstGeom prst="rect">
+            <a:avLst/>
+          </a:prstGeom>
+          <a:solidFill>
+            <a:schemeClr val="bg1"/>
+          </a:solidFill>
+          <a:ln>
+            <a:solidFill>
+              <a:schemeClr val="tx1"/>
+            </a:solidFill>
+          </a:ln>
+        </p:spPr>
+        <p:style>
+          <a:lnRef idx="3">
+            <a:schemeClr val="lt1"/>
+          </a:lnRef>
+          <a:fillRef idx="1">
+            <a:schemeClr val="accent5"/>
+          </a:fillRef>
+          <a:effectRef idx="1">
+            <a:schemeClr val="accent5"/>
+          </a:effectRef>
+          <a:fontRef idx="minor">
+            <a:schemeClr val="lt1"/>
+          </a:fontRef>
+        </p:style>
+        <p:txBody>
+          <a:bodyPr rtlCol="0" anchor="ctr"/>
+          <a:lstStyle/>
+          <a:p>
+            <a:pPr algn="ctr"/>
+            <a:r>
+              <a:rPr lang="en-US" sz="1400" dirty="0">
+                <a:solidFill>
+                  <a:schemeClr val="tx1"/>
+                </a:solidFill>
+              </a:rPr>
+              <a:t>Fully Connected Layer (128,1)</a:t>
+            </a:r>
+          </a:p>
+        </p:txBody>
+      </p:sp>
+      <p:cxnSp>
+        <p:nvCxnSpPr>
+          <p:cNvPr id="48" name="Straight Arrow Connector 47">
+            <a:extLst>
+              <a:ext uri="{FF2B5EF4-FFF2-40B4-BE49-F238E27FC236}">
+                <a16:creationId xmlns:a16="http://schemas.microsoft.com/office/drawing/2014/main" id="{0494B427-B83B-B5F3-3E73-E34C28637626}"/>
+              </a:ext>
+            </a:extLst>
+          </p:cNvPr>
+          <p:cNvCxnSpPr>
+            <a:cxnSpLocks/>
+            <a:stCxn id="44" idx="2"/>
+          </p:cNvCxnSpPr>
+          <p:nvPr/>
+        </p:nvCxnSpPr>
+        <p:spPr>
+          <a:xfrm flipH="1">
+            <a:off x="1581365" y="6951729"/>
+            <a:ext cx="1" cy="167353"/>
+          </a:xfrm>
+          <a:prstGeom prst="straightConnector1">
+            <a:avLst/>
+          </a:prstGeom>
+          <a:ln w="28575">
+            <a:solidFill>
+              <a:schemeClr val="tx1"/>
+            </a:solidFill>
+            <a:tailEnd type="triangle"/>
+          </a:ln>
+        </p:spPr>
+        <p:style>
+          <a:lnRef idx="1">
+            <a:schemeClr val="accent1"/>
+          </a:lnRef>
+          <a:fillRef idx="0">
+            <a:schemeClr val="accent1"/>
+          </a:fillRef>
+          <a:effectRef idx="0">
+            <a:schemeClr val="accent1"/>
+          </a:effectRef>
+          <a:fontRef idx="minor">
+            <a:schemeClr val="tx1"/>
+          </a:fontRef>
+        </p:style>
+      </p:cxnSp>
+      <p:cxnSp>
+        <p:nvCxnSpPr>
+          <p:cNvPr id="49" name="Straight Arrow Connector 48">
+            <a:extLst>
+              <a:ext uri="{FF2B5EF4-FFF2-40B4-BE49-F238E27FC236}">
+                <a16:creationId xmlns:a16="http://schemas.microsoft.com/office/drawing/2014/main" id="{A87D8269-B3A7-4FC6-2E04-92B2A6BFBDAE}"/>
+              </a:ext>
+            </a:extLst>
+          </p:cNvPr>
+          <p:cNvCxnSpPr>
+            <a:cxnSpLocks/>
+            <a:stCxn id="45" idx="2"/>
+            <a:endCxn id="46" idx="0"/>
+          </p:cNvCxnSpPr>
+          <p:nvPr/>
+        </p:nvCxnSpPr>
+        <p:spPr>
+          <a:xfrm>
+            <a:off x="1581367" y="7293190"/>
+            <a:ext cx="110" cy="363518"/>
+          </a:xfrm>
+          <a:prstGeom prst="straightConnector1">
+            <a:avLst/>
+          </a:prstGeom>
+          <a:ln w="28575">
+            <a:solidFill>
+              <a:schemeClr val="tx1"/>
+            </a:solidFill>
+            <a:tailEnd type="triangle"/>
+          </a:ln>
+        </p:spPr>
+        <p:style>
+          <a:lnRef idx="1">
+            <a:schemeClr val="accent1"/>
+          </a:lnRef>
+          <a:fillRef idx="0">
+            <a:schemeClr val="accent1"/>
+          </a:fillRef>
+          <a:effectRef idx="0">
+            <a:schemeClr val="accent1"/>
+          </a:effectRef>
+          <a:fontRef idx="minor">
+            <a:schemeClr val="tx1"/>
+          </a:fontRef>
+        </p:style>
+      </p:cxnSp>
+      <p:cxnSp>
+        <p:nvCxnSpPr>
+          <p:cNvPr id="54" name="Straight Arrow Connector 53">
+            <a:extLst>
+              <a:ext uri="{FF2B5EF4-FFF2-40B4-BE49-F238E27FC236}">
+                <a16:creationId xmlns:a16="http://schemas.microsoft.com/office/drawing/2014/main" id="{9CB789D9-4A67-DF2C-4CB5-04A3B93181F4}"/>
+              </a:ext>
+            </a:extLst>
+          </p:cNvPr>
+          <p:cNvCxnSpPr>
+            <a:cxnSpLocks/>
+            <a:stCxn id="47" idx="2"/>
+          </p:cNvCxnSpPr>
+          <p:nvPr/>
+        </p:nvCxnSpPr>
+        <p:spPr>
+          <a:xfrm flipH="1">
+            <a:off x="3332798" y="9147772"/>
+            <a:ext cx="7" cy="224918"/>
+          </a:xfrm>
+          <a:prstGeom prst="straightConnector1">
+            <a:avLst/>
+          </a:prstGeom>
+          <a:ln w="28575">
+            <a:solidFill>
+              <a:schemeClr val="tx1"/>
+            </a:solidFill>
+            <a:tailEnd type="triangle"/>
+          </a:ln>
+        </p:spPr>
+        <p:style>
+          <a:lnRef idx="1">
+            <a:schemeClr val="accent1"/>
+          </a:lnRef>
+          <a:fillRef idx="0">
+            <a:schemeClr val="accent1"/>
+          </a:fillRef>
+          <a:effectRef idx="0">
+            <a:schemeClr val="accent1"/>
+          </a:effectRef>
+          <a:fontRef idx="minor">
+            <a:schemeClr val="tx1"/>
+          </a:fontRef>
+        </p:style>
+      </p:cxnSp>
+      <p:sp>
+        <p:nvSpPr>
+          <p:cNvPr id="165" name="TextBox 164">
+            <a:extLst>
+              <a:ext uri="{FF2B5EF4-FFF2-40B4-BE49-F238E27FC236}">
+                <a16:creationId xmlns:a16="http://schemas.microsoft.com/office/drawing/2014/main" id="{214199D3-8E57-F763-7077-83344D799384}"/>
+              </a:ext>
+            </a:extLst>
+          </p:cNvPr>
+          <p:cNvSpPr txBox="1"/>
+          <p:nvPr/>
+        </p:nvSpPr>
+        <p:spPr>
+          <a:xfrm>
+            <a:off x="2908536" y="9347967"/>
+            <a:ext cx="848524" cy="392960"/>
+          </a:xfrm>
+          <a:prstGeom prst="rect">
+            <a:avLst/>
+          </a:prstGeom>
+          <a:noFill/>
+        </p:spPr>
+        <p:txBody>
+          <a:bodyPr wrap="square" rtlCol="0">
+            <a:spAutoFit/>
+          </a:bodyPr>
+          <a:lstStyle/>
+          <a:p>
+            <a:pPr algn="ctr"/>
+            <a:r>
+              <a:rPr lang="en-US" dirty="0"/>
+              <a:t>Output</a:t>
+            </a:r>
+          </a:p>
+        </p:txBody>
+      </p:sp>
+      <p:sp>
+        <p:nvSpPr>
+          <p:cNvPr id="177" name="TextBox 176">
+            <a:extLst>
+              <a:ext uri="{FF2B5EF4-FFF2-40B4-BE49-F238E27FC236}">
+                <a16:creationId xmlns:a16="http://schemas.microsoft.com/office/drawing/2014/main" id="{98A15BAE-E48D-934D-AFDE-09B467BE0B8B}"/>
+              </a:ext>
+            </a:extLst>
+          </p:cNvPr>
+          <p:cNvSpPr txBox="1"/>
+          <p:nvPr/>
+        </p:nvSpPr>
+        <p:spPr>
+          <a:xfrm>
+            <a:off x="4197217" y="6459930"/>
+            <a:ext cx="1630680" cy="369332"/>
+          </a:xfrm>
+          <a:prstGeom prst="rect">
+            <a:avLst/>
+          </a:prstGeom>
+          <a:noFill/>
+        </p:spPr>
+        <p:txBody>
+          <a:bodyPr wrap="square" rtlCol="0">
+            <a:spAutoFit/>
+          </a:bodyPr>
+          <a:lstStyle/>
+          <a:p>
+            <a:pPr algn="ctr"/>
+            <a:r>
+              <a:rPr lang="en-US" dirty="0" err="1"/>
+              <a:t>Meteo_data</a:t>
+            </a:r>
+            <a:endParaRPr lang="en-US" dirty="0"/>
+          </a:p>
+        </p:txBody>
+      </p:sp>
+      <p:cxnSp>
+        <p:nvCxnSpPr>
+          <p:cNvPr id="2" name="Straight Arrow Connector 1">
+            <a:extLst>
+              <a:ext uri="{FF2B5EF4-FFF2-40B4-BE49-F238E27FC236}">
+                <a16:creationId xmlns:a16="http://schemas.microsoft.com/office/drawing/2014/main" id="{D303CB93-A25B-A2D5-9322-9ECC39B95BA7}"/>
+              </a:ext>
+            </a:extLst>
+          </p:cNvPr>
+          <p:cNvCxnSpPr>
+            <a:cxnSpLocks/>
+            <a:stCxn id="82" idx="2"/>
+            <a:endCxn id="44" idx="0"/>
+          </p:cNvCxnSpPr>
+          <p:nvPr/>
+        </p:nvCxnSpPr>
+        <p:spPr>
+          <a:xfrm flipH="1">
+            <a:off x="1581367" y="6269183"/>
+            <a:ext cx="1324" cy="508437"/>
+          </a:xfrm>
+          <a:prstGeom prst="straightConnector1">
+            <a:avLst/>
+          </a:prstGeom>
+          <a:ln w="28575">
+            <a:solidFill>
+              <a:schemeClr val="tx1"/>
+            </a:solidFill>
+            <a:tailEnd type="triangle"/>
+          </a:ln>
+        </p:spPr>
+        <p:style>
+          <a:lnRef idx="1">
+            <a:schemeClr val="accent1"/>
+          </a:lnRef>
+          <a:fillRef idx="0">
+            <a:schemeClr val="accent1"/>
+          </a:fillRef>
+          <a:effectRef idx="0">
+            <a:schemeClr val="accent1"/>
+          </a:effectRef>
+          <a:fontRef idx="minor">
+            <a:schemeClr val="tx1"/>
+          </a:fontRef>
+        </p:style>
+      </p:cxnSp>
+      <p:sp>
+        <p:nvSpPr>
+          <p:cNvPr id="6" name="Rectangle 5">
+            <a:extLst>
+              <a:ext uri="{FF2B5EF4-FFF2-40B4-BE49-F238E27FC236}">
+                <a16:creationId xmlns:a16="http://schemas.microsoft.com/office/drawing/2014/main" id="{799623DB-28B7-7430-27C8-10001E56EA8B}"/>
+              </a:ext>
+            </a:extLst>
+          </p:cNvPr>
+          <p:cNvSpPr/>
+          <p:nvPr/>
+        </p:nvSpPr>
+        <p:spPr>
+          <a:xfrm>
+            <a:off x="3722105" y="7234738"/>
+            <a:ext cx="2621089" cy="174109"/>
+          </a:xfrm>
+          <a:prstGeom prst="rect">
+            <a:avLst/>
+          </a:prstGeom>
+          <a:solidFill>
+            <a:schemeClr val="bg1"/>
+          </a:solidFill>
+          <a:ln>
+            <a:solidFill>
+              <a:schemeClr val="tx1"/>
+            </a:solidFill>
+          </a:ln>
+        </p:spPr>
+        <p:style>
+          <a:lnRef idx="3">
+            <a:schemeClr val="lt1"/>
+          </a:lnRef>
+          <a:fillRef idx="1">
+            <a:schemeClr val="accent5"/>
+          </a:fillRef>
+          <a:effectRef idx="1">
+            <a:schemeClr val="accent5"/>
+          </a:effectRef>
+          <a:fontRef idx="minor">
+            <a:schemeClr val="lt1"/>
+          </a:fontRef>
+        </p:style>
+        <p:txBody>
+          <a:bodyPr rtlCol="0" anchor="ctr"/>
+          <a:lstStyle/>
+          <a:p>
+            <a:pPr algn="ctr"/>
+            <a:r>
+              <a:rPr lang="en-US" sz="1400" dirty="0">
+                <a:solidFill>
+                  <a:schemeClr val="tx1"/>
+                </a:solidFill>
+              </a:rPr>
+              <a:t>Fully Connected Layer (9,64)</a:t>
+            </a:r>
+          </a:p>
+        </p:txBody>
+      </p:sp>
+      <p:sp>
+        <p:nvSpPr>
+          <p:cNvPr id="7" name="Rectangle 6">
+            <a:extLst>
+              <a:ext uri="{FF2B5EF4-FFF2-40B4-BE49-F238E27FC236}">
+                <a16:creationId xmlns:a16="http://schemas.microsoft.com/office/drawing/2014/main" id="{01256428-BB26-11AB-23E3-B09AC0871C05}"/>
+              </a:ext>
+            </a:extLst>
+          </p:cNvPr>
+          <p:cNvSpPr/>
+          <p:nvPr/>
+        </p:nvSpPr>
+        <p:spPr>
+          <a:xfrm>
+            <a:off x="3722110" y="7645697"/>
+            <a:ext cx="2621089" cy="174109"/>
+          </a:xfrm>
+          <a:prstGeom prst="rect">
+            <a:avLst/>
+          </a:prstGeom>
+          <a:solidFill>
+            <a:schemeClr val="bg1"/>
+          </a:solidFill>
+          <a:ln>
+            <a:solidFill>
+              <a:schemeClr val="tx1"/>
+            </a:solidFill>
+          </a:ln>
+        </p:spPr>
+        <p:style>
+          <a:lnRef idx="3">
+            <a:schemeClr val="lt1"/>
+          </a:lnRef>
+          <a:fillRef idx="1">
+            <a:schemeClr val="accent5"/>
+          </a:fillRef>
+          <a:effectRef idx="1">
+            <a:schemeClr val="accent5"/>
+          </a:effectRef>
+          <a:fontRef idx="minor">
+            <a:schemeClr val="lt1"/>
+          </a:fontRef>
+        </p:style>
+        <p:txBody>
+          <a:bodyPr rtlCol="0" anchor="ctr"/>
+          <a:lstStyle/>
+          <a:p>
+            <a:pPr algn="ctr"/>
+            <a:r>
+              <a:rPr lang="en-US" sz="1400" dirty="0">
+                <a:solidFill>
+                  <a:schemeClr val="tx1"/>
+                </a:solidFill>
+              </a:rPr>
+              <a:t>Fully Connected Layer (64,64)</a:t>
+            </a:r>
+          </a:p>
+        </p:txBody>
+      </p:sp>
+      <p:cxnSp>
+        <p:nvCxnSpPr>
+          <p:cNvPr id="8" name="Straight Arrow Connector 7">
+            <a:extLst>
+              <a:ext uri="{FF2B5EF4-FFF2-40B4-BE49-F238E27FC236}">
+                <a16:creationId xmlns:a16="http://schemas.microsoft.com/office/drawing/2014/main" id="{285FD6BA-BFA8-7C95-39AA-37E8352F72C2}"/>
+              </a:ext>
+            </a:extLst>
+          </p:cNvPr>
+          <p:cNvCxnSpPr>
+            <a:cxnSpLocks/>
+            <a:stCxn id="6" idx="2"/>
+            <a:endCxn id="7" idx="0"/>
+          </p:cNvCxnSpPr>
+          <p:nvPr/>
+        </p:nvCxnSpPr>
+        <p:spPr>
+          <a:xfrm>
+            <a:off x="5032650" y="7408847"/>
+            <a:ext cx="5" cy="236850"/>
+          </a:xfrm>
+          <a:prstGeom prst="straightConnector1">
+            <a:avLst/>
+          </a:prstGeom>
+          <a:ln w="28575">
+            <a:solidFill>
+              <a:schemeClr val="tx1"/>
+            </a:solidFill>
+            <a:tailEnd type="triangle"/>
+          </a:ln>
+        </p:spPr>
+        <p:style>
+          <a:lnRef idx="1">
+            <a:schemeClr val="accent1"/>
+          </a:lnRef>
+          <a:fillRef idx="0">
+            <a:schemeClr val="accent1"/>
+          </a:fillRef>
+          <a:effectRef idx="0">
+            <a:schemeClr val="accent1"/>
+          </a:effectRef>
+          <a:fontRef idx="minor">
+            <a:schemeClr val="tx1"/>
+          </a:fontRef>
+        </p:style>
+      </p:cxnSp>
+      <p:sp>
+        <p:nvSpPr>
+          <p:cNvPr id="9" name="TextBox 8">
+            <a:extLst>
+              <a:ext uri="{FF2B5EF4-FFF2-40B4-BE49-F238E27FC236}">
+                <a16:creationId xmlns:a16="http://schemas.microsoft.com/office/drawing/2014/main" id="{69AE6AD7-39D9-D4B2-B9C7-7910FDC7360C}"/>
+              </a:ext>
+            </a:extLst>
+          </p:cNvPr>
+          <p:cNvSpPr txBox="1"/>
+          <p:nvPr/>
+        </p:nvSpPr>
+        <p:spPr>
+          <a:xfrm>
+            <a:off x="5032650" y="7380361"/>
+            <a:ext cx="601745" cy="261610"/>
+          </a:xfrm>
+          <a:prstGeom prst="rect">
+            <a:avLst/>
+          </a:prstGeom>
+          <a:noFill/>
+        </p:spPr>
+        <p:txBody>
+          <a:bodyPr wrap="square" rtlCol="0">
+            <a:spAutoFit/>
+          </a:bodyPr>
+          <a:lstStyle/>
+          <a:p>
+            <a:r>
+              <a:rPr lang="en-US" sz="1100" dirty="0" err="1"/>
+              <a:t>ReLU</a:t>
+            </a:r>
+            <a:endParaRPr lang="en-US" sz="1100" dirty="0"/>
+          </a:p>
+        </p:txBody>
+      </p:sp>
+      <p:sp>
+        <p:nvSpPr>
+          <p:cNvPr id="11" name="TextBox 10">
+            <a:extLst>
+              <a:ext uri="{FF2B5EF4-FFF2-40B4-BE49-F238E27FC236}">
+                <a16:creationId xmlns:a16="http://schemas.microsoft.com/office/drawing/2014/main" id="{2EF20522-3537-DDB6-2C56-97DCA19B3D9C}"/>
+              </a:ext>
+            </a:extLst>
+          </p:cNvPr>
+          <p:cNvSpPr txBox="1"/>
+          <p:nvPr/>
+        </p:nvSpPr>
+        <p:spPr>
+          <a:xfrm>
+            <a:off x="5032650" y="7802763"/>
+            <a:ext cx="601745" cy="261610"/>
+          </a:xfrm>
+          <a:prstGeom prst="rect">
+            <a:avLst/>
+          </a:prstGeom>
+          <a:noFill/>
+        </p:spPr>
+        <p:txBody>
+          <a:bodyPr wrap="square" rtlCol="0">
+            <a:spAutoFit/>
+          </a:bodyPr>
+          <a:lstStyle/>
+          <a:p>
+            <a:r>
+              <a:rPr lang="en-US" sz="1100" dirty="0" err="1"/>
+              <a:t>ReLU</a:t>
+            </a:r>
+            <a:endParaRPr lang="en-US" sz="1100" dirty="0"/>
+          </a:p>
+        </p:txBody>
+      </p:sp>
+      <p:sp>
+        <p:nvSpPr>
+          <p:cNvPr id="19" name="TextBox 18">
+            <a:extLst>
+              <a:ext uri="{FF2B5EF4-FFF2-40B4-BE49-F238E27FC236}">
+                <a16:creationId xmlns:a16="http://schemas.microsoft.com/office/drawing/2014/main" id="{90A04265-F12D-5ED8-4F42-8B876252D7F9}"/>
+              </a:ext>
+            </a:extLst>
+          </p:cNvPr>
+          <p:cNvSpPr txBox="1"/>
+          <p:nvPr/>
+        </p:nvSpPr>
+        <p:spPr>
+          <a:xfrm>
+            <a:off x="1568021" y="7846013"/>
+            <a:ext cx="601745" cy="261610"/>
+          </a:xfrm>
+          <a:prstGeom prst="rect">
+            <a:avLst/>
+          </a:prstGeom>
+          <a:noFill/>
+        </p:spPr>
+        <p:txBody>
+          <a:bodyPr wrap="square" rtlCol="0">
+            <a:spAutoFit/>
+          </a:bodyPr>
+          <a:lstStyle/>
+          <a:p>
+            <a:r>
+              <a:rPr lang="en-US" sz="1100" dirty="0" err="1"/>
+              <a:t>ReLU</a:t>
+            </a:r>
+            <a:endParaRPr lang="en-US" sz="1100" dirty="0"/>
+          </a:p>
+        </p:txBody>
+      </p:sp>
+      <p:cxnSp>
+        <p:nvCxnSpPr>
+          <p:cNvPr id="20" name="Connector: Elbow 19">
+            <a:extLst>
+              <a:ext uri="{FF2B5EF4-FFF2-40B4-BE49-F238E27FC236}">
+                <a16:creationId xmlns:a16="http://schemas.microsoft.com/office/drawing/2014/main" id="{884752A1-F607-55B6-A68E-39C14FB12DA7}"/>
+              </a:ext>
+            </a:extLst>
+          </p:cNvPr>
+          <p:cNvCxnSpPr>
+            <a:cxnSpLocks/>
+            <a:stCxn id="46" idx="2"/>
+            <a:endCxn id="47" idx="0"/>
+          </p:cNvCxnSpPr>
+          <p:nvPr/>
+        </p:nvCxnSpPr>
+        <p:spPr>
+          <a:xfrm rot="16200000" flipH="1">
+            <a:off x="1885718" y="7526576"/>
+            <a:ext cx="1142845" cy="1751326"/>
+          </a:xfrm>
+          <a:prstGeom prst="bentConnector3">
+            <a:avLst>
+              <a:gd name="adj1" fmla="val 50000"/>
+            </a:avLst>
+          </a:prstGeom>
+          <a:ln w="28575">
+            <a:solidFill>
+              <a:schemeClr val="tx1"/>
+            </a:solidFill>
+            <a:tailEnd type="triangle"/>
+          </a:ln>
+        </p:spPr>
+        <p:style>
+          <a:lnRef idx="1">
+            <a:schemeClr val="accent1"/>
+          </a:lnRef>
+          <a:fillRef idx="0">
+            <a:schemeClr val="accent1"/>
+          </a:fillRef>
+          <a:effectRef idx="0">
+            <a:schemeClr val="accent1"/>
+          </a:effectRef>
+          <a:fontRef idx="minor">
+            <a:schemeClr val="tx1"/>
+          </a:fontRef>
+        </p:style>
+      </p:cxnSp>
+      <p:cxnSp>
+        <p:nvCxnSpPr>
+          <p:cNvPr id="23" name="Straight Arrow Connector 22">
+            <a:extLst>
+              <a:ext uri="{FF2B5EF4-FFF2-40B4-BE49-F238E27FC236}">
+                <a16:creationId xmlns:a16="http://schemas.microsoft.com/office/drawing/2014/main" id="{252DB6D2-75CA-480B-C76F-C7EF0CEF5F73}"/>
+              </a:ext>
+            </a:extLst>
+          </p:cNvPr>
+          <p:cNvCxnSpPr>
+            <a:cxnSpLocks/>
+            <a:endCxn id="6" idx="0"/>
+          </p:cNvCxnSpPr>
+          <p:nvPr/>
+        </p:nvCxnSpPr>
+        <p:spPr>
+          <a:xfrm>
+            <a:off x="5029949" y="6805722"/>
+            <a:ext cx="2701" cy="429016"/>
+          </a:xfrm>
+          <a:prstGeom prst="straightConnector1">
+            <a:avLst/>
+          </a:prstGeom>
+          <a:ln w="28575">
+            <a:solidFill>
+              <a:schemeClr val="tx1"/>
+            </a:solidFill>
+            <a:tailEnd type="triangle"/>
+          </a:ln>
+        </p:spPr>
+        <p:style>
+          <a:lnRef idx="1">
+            <a:schemeClr val="accent1"/>
+          </a:lnRef>
+          <a:fillRef idx="0">
+            <a:schemeClr val="accent1"/>
+          </a:fillRef>
+          <a:effectRef idx="0">
+            <a:schemeClr val="accent1"/>
+          </a:effectRef>
+          <a:fontRef idx="minor">
+            <a:schemeClr val="tx1"/>
+          </a:fontRef>
+        </p:style>
+      </p:cxnSp>
+      <p:cxnSp>
+        <p:nvCxnSpPr>
+          <p:cNvPr id="26" name="Connector: Elbow 25">
+            <a:extLst>
+              <a:ext uri="{FF2B5EF4-FFF2-40B4-BE49-F238E27FC236}">
+                <a16:creationId xmlns:a16="http://schemas.microsoft.com/office/drawing/2014/main" id="{9AD6D7DA-9696-9EF8-A53D-4AFB34CF3C69}"/>
+              </a:ext>
+            </a:extLst>
+          </p:cNvPr>
+          <p:cNvCxnSpPr>
+            <a:cxnSpLocks/>
+            <a:stCxn id="7" idx="2"/>
+            <a:endCxn id="47" idx="0"/>
+          </p:cNvCxnSpPr>
+          <p:nvPr/>
+        </p:nvCxnSpPr>
+        <p:spPr>
+          <a:xfrm rot="5400000">
+            <a:off x="3605801" y="7546808"/>
+            <a:ext cx="1153856" cy="1699852"/>
+          </a:xfrm>
+          <a:prstGeom prst="bentConnector3">
+            <a:avLst>
+              <a:gd name="adj1" fmla="val 50660"/>
+            </a:avLst>
+          </a:prstGeom>
+          <a:ln w="28575">
+            <a:solidFill>
+              <a:schemeClr val="tx1"/>
+            </a:solidFill>
+            <a:tailEnd type="triangle"/>
+          </a:ln>
+        </p:spPr>
+        <p:style>
+          <a:lnRef idx="1">
+            <a:schemeClr val="accent1"/>
+          </a:lnRef>
+          <a:fillRef idx="0">
+            <a:schemeClr val="accent1"/>
+          </a:fillRef>
+          <a:effectRef idx="0">
+            <a:schemeClr val="accent1"/>
+          </a:effectRef>
+          <a:fontRef idx="minor">
+            <a:schemeClr val="tx1"/>
+          </a:fontRef>
+        </p:style>
+      </p:cxnSp>
+      <p:sp>
+        <p:nvSpPr>
+          <p:cNvPr id="3" name="TextBox 2">
+            <a:extLst>
+              <a:ext uri="{FF2B5EF4-FFF2-40B4-BE49-F238E27FC236}">
+                <a16:creationId xmlns:a16="http://schemas.microsoft.com/office/drawing/2014/main" id="{5A3E217E-8595-1212-E3D6-9AC94727517C}"/>
+              </a:ext>
+            </a:extLst>
+          </p:cNvPr>
+          <p:cNvSpPr txBox="1"/>
+          <p:nvPr/>
+        </p:nvSpPr>
+        <p:spPr>
+          <a:xfrm>
+            <a:off x="3157226" y="1233180"/>
+            <a:ext cx="3432283" cy="400110"/>
+          </a:xfrm>
+          <a:prstGeom prst="rect">
+            <a:avLst/>
+          </a:prstGeom>
+          <a:noFill/>
+        </p:spPr>
+        <p:txBody>
+          <a:bodyPr wrap="square" rtlCol="0">
+            <a:spAutoFit/>
+          </a:bodyPr>
+          <a:lstStyle/>
+          <a:p>
+            <a:r>
+              <a:rPr lang="en-US" sz="2000" dirty="0"/>
+              <a:t> for the clouds dimension</a:t>
+            </a:r>
+          </a:p>
+        </p:txBody>
+      </p:sp>
+      <p:cxnSp>
+        <p:nvCxnSpPr>
+          <p:cNvPr id="4" name="Straight Arrow Connector 3">
+            <a:extLst>
+              <a:ext uri="{FF2B5EF4-FFF2-40B4-BE49-F238E27FC236}">
+                <a16:creationId xmlns:a16="http://schemas.microsoft.com/office/drawing/2014/main" id="{1D550647-5A1C-938E-303A-A0695466EF88}"/>
+              </a:ext>
+            </a:extLst>
+          </p:cNvPr>
+          <p:cNvCxnSpPr>
+            <a:cxnSpLocks/>
+            <a:stCxn id="3" idx="1"/>
+            <a:endCxn id="55" idx="3"/>
+          </p:cNvCxnSpPr>
+          <p:nvPr/>
+        </p:nvCxnSpPr>
+        <p:spPr>
+          <a:xfrm flipH="1" flipV="1">
+            <a:off x="2881751" y="1424675"/>
+            <a:ext cx="275475" cy="8560"/>
+          </a:xfrm>
+          <a:prstGeom prst="straightConnector1">
+            <a:avLst/>
+          </a:prstGeom>
+          <a:ln w="28575">
+            <a:solidFill>
+              <a:schemeClr val="tx1"/>
+            </a:solidFill>
+            <a:tailEnd type="triangle"/>
+          </a:ln>
+        </p:spPr>
+        <p:style>
+          <a:lnRef idx="1">
+            <a:schemeClr val="accent1"/>
+          </a:lnRef>
+          <a:fillRef idx="0">
+            <a:schemeClr val="accent1"/>
+          </a:fillRef>
+          <a:effectRef idx="0">
+            <a:schemeClr val="accent1"/>
+          </a:effectRef>
+          <a:fontRef idx="minor">
+            <a:schemeClr val="tx1"/>
+          </a:fontRef>
+        </p:style>
+      </p:cxnSp>
+    </p:spTree>
+    <p:extLst>
+      <p:ext uri="{BB962C8B-B14F-4D97-AF65-F5344CB8AC3E}">
+        <p14:creationId xmlns:p14="http://schemas.microsoft.com/office/powerpoint/2010/main" val="1385977997"/>
+      </p:ext>
+    </p:extLst>
+  </p:cSld>
+  <p:clrMapOvr>
+    <a:masterClrMapping/>
+  </p:clrMapOvr>
+</p:sld>
+</file>
+
+<file path=ppt/slides/slide6.xml><?xml version="1.0" encoding="utf-8"?>
+<p:sld xmlns:a="http://schemas.openxmlformats.org/drawingml/2006/main" xmlns:r="http://schemas.openxmlformats.org/officeDocument/2006/relationships" xmlns:p="http://schemas.openxmlformats.org/presentationml/2006/main">
+  <p:cSld>
+    <p:spTree>
+      <p:nvGrpSpPr>
+        <p:cNvPr id="1" name=""/>
+        <p:cNvGrpSpPr/>
+        <p:nvPr/>
+      </p:nvGrpSpPr>
+      <p:grpSpPr>
+        <a:xfrm>
+          <a:off x="0" y="0"/>
+          <a:ext cx="0" cy="0"/>
+          <a:chOff x="0" y="0"/>
+          <a:chExt cx="0" cy="0"/>
+        </a:xfrm>
+      </p:grpSpPr>
+      <p:sp>
+        <p:nvSpPr>
+          <p:cNvPr id="53" name="TextBox 52">
+            <a:extLst>
+              <a:ext uri="{FF2B5EF4-FFF2-40B4-BE49-F238E27FC236}">
+                <a16:creationId xmlns:a16="http://schemas.microsoft.com/office/drawing/2014/main" id="{EFAA18AA-66AB-D403-6066-BACF53454A31}"/>
+              </a:ext>
+            </a:extLst>
+          </p:cNvPr>
+          <p:cNvSpPr txBox="1"/>
+          <p:nvPr/>
+        </p:nvSpPr>
+        <p:spPr>
+          <a:xfrm>
+            <a:off x="425285" y="61577"/>
+            <a:ext cx="5997720" cy="492571"/>
+          </a:xfrm>
+          <a:prstGeom prst="rect">
+            <a:avLst/>
+          </a:prstGeom>
+          <a:noFill/>
+        </p:spPr>
+        <p:txBody>
+          <a:bodyPr wrap="square" rtlCol="0">
+            <a:spAutoFit/>
+          </a:bodyPr>
+          <a:lstStyle/>
+          <a:p>
+            <a:pPr algn="ctr"/>
+            <a:r>
+              <a:rPr lang="en-US" sz="2601" b="1" dirty="0"/>
+              <a:t>Model with only images</a:t>
+            </a:r>
+          </a:p>
+        </p:txBody>
+      </p:sp>
+      <p:sp>
+        <p:nvSpPr>
+          <p:cNvPr id="60" name="TextBox 59">
+            <a:extLst>
+              <a:ext uri="{FF2B5EF4-FFF2-40B4-BE49-F238E27FC236}">
+                <a16:creationId xmlns:a16="http://schemas.microsoft.com/office/drawing/2014/main" id="{79B05A41-21F6-7BFD-9C00-D37C18CB0E63}"/>
+              </a:ext>
+            </a:extLst>
+          </p:cNvPr>
+          <p:cNvSpPr txBox="1"/>
+          <p:nvPr/>
+        </p:nvSpPr>
+        <p:spPr>
+          <a:xfrm>
+            <a:off x="1931988" y="643259"/>
+            <a:ext cx="2989448" cy="400110"/>
+          </a:xfrm>
+          <a:prstGeom prst="rect">
+            <a:avLst/>
+          </a:prstGeom>
+          <a:noFill/>
+        </p:spPr>
+        <p:txBody>
+          <a:bodyPr wrap="square" rtlCol="0">
+            <a:spAutoFit/>
+          </a:bodyPr>
+          <a:lstStyle/>
+          <a:p>
+            <a:pPr algn="ctr"/>
+            <a:r>
+              <a:rPr lang="en-US" sz="2000" dirty="0"/>
+              <a:t>images</a:t>
+            </a:r>
+          </a:p>
+        </p:txBody>
+      </p:sp>
+      <p:cxnSp>
+        <p:nvCxnSpPr>
+          <p:cNvPr id="59" name="Straight Arrow Connector 58">
+            <a:extLst>
+              <a:ext uri="{FF2B5EF4-FFF2-40B4-BE49-F238E27FC236}">
+                <a16:creationId xmlns:a16="http://schemas.microsoft.com/office/drawing/2014/main" id="{3D0E3225-D83D-385C-CB5F-B54710252180}"/>
+              </a:ext>
+            </a:extLst>
+          </p:cNvPr>
+          <p:cNvCxnSpPr>
+            <a:cxnSpLocks/>
+            <a:stCxn id="60" idx="2"/>
+            <a:endCxn id="55" idx="0"/>
+          </p:cNvCxnSpPr>
+          <p:nvPr/>
+        </p:nvCxnSpPr>
+        <p:spPr>
+          <a:xfrm flipH="1">
+            <a:off x="3420356" y="1043369"/>
+            <a:ext cx="6356" cy="290786"/>
+          </a:xfrm>
+          <a:prstGeom prst="straightConnector1">
+            <a:avLst/>
+          </a:prstGeom>
+          <a:ln w="28575">
+            <a:solidFill>
+              <a:schemeClr val="tx1"/>
+            </a:solidFill>
+            <a:tailEnd type="triangle"/>
+          </a:ln>
+        </p:spPr>
+        <p:style>
+          <a:lnRef idx="1">
+            <a:schemeClr val="accent1"/>
+          </a:lnRef>
+          <a:fillRef idx="0">
+            <a:schemeClr val="accent1"/>
+          </a:fillRef>
+          <a:effectRef idx="0">
+            <a:schemeClr val="accent1"/>
+          </a:effectRef>
+          <a:fontRef idx="minor">
+            <a:schemeClr val="tx1"/>
+          </a:fontRef>
+        </p:style>
+      </p:cxnSp>
+      <p:grpSp>
+        <p:nvGrpSpPr>
+          <p:cNvPr id="192" name="Group 191">
+            <a:extLst>
+              <a:ext uri="{FF2B5EF4-FFF2-40B4-BE49-F238E27FC236}">
+                <a16:creationId xmlns:a16="http://schemas.microsoft.com/office/drawing/2014/main" id="{523C5409-C8B2-AF35-04C0-874C82897C66}"/>
+              </a:ext>
+            </a:extLst>
+          </p:cNvPr>
+          <p:cNvGrpSpPr/>
+          <p:nvPr/>
+        </p:nvGrpSpPr>
+        <p:grpSpPr>
+          <a:xfrm>
+            <a:off x="2113726" y="1334155"/>
+            <a:ext cx="2620830" cy="4932167"/>
+            <a:chOff x="261266" y="1298551"/>
+            <a:chExt cx="2620830" cy="4602547"/>
+          </a:xfrm>
+        </p:grpSpPr>
+        <p:sp>
+          <p:nvSpPr>
+            <p:cNvPr id="55" name="Rectangle 54">
+              <a:extLst>
+                <a:ext uri="{FF2B5EF4-FFF2-40B4-BE49-F238E27FC236}">
+                  <a16:creationId xmlns:a16="http://schemas.microsoft.com/office/drawing/2014/main" id="{B88D77DE-FBBA-C18C-7ECE-695B63FF0615}"/>
+                </a:ext>
+              </a:extLst>
+            </p:cNvPr>
+            <p:cNvSpPr/>
+            <p:nvPr/>
+          </p:nvSpPr>
+          <p:spPr>
+            <a:xfrm>
+              <a:off x="261266" y="1298551"/>
+              <a:ext cx="2613260" cy="163600"/>
+            </a:xfrm>
+            <a:prstGeom prst="rect">
+              <a:avLst/>
+            </a:prstGeom>
+            <a:solidFill>
+              <a:schemeClr val="bg1"/>
+            </a:solidFill>
+            <a:ln>
+              <a:solidFill>
+                <a:schemeClr val="tx1"/>
+              </a:solidFill>
+            </a:ln>
+          </p:spPr>
+          <p:style>
+            <a:lnRef idx="3">
+              <a:schemeClr val="lt1"/>
+            </a:lnRef>
+            <a:fillRef idx="1">
+              <a:schemeClr val="accent5"/>
+            </a:fillRef>
+            <a:effectRef idx="1">
+              <a:schemeClr val="accent5"/>
+            </a:effectRef>
+            <a:fontRef idx="minor">
+              <a:schemeClr val="lt1"/>
+            </a:fontRef>
+          </p:style>
+          <p:txBody>
+            <a:bodyPr rtlCol="0" anchor="ctr"/>
+            <a:lstStyle/>
+            <a:p>
+              <a:pPr algn="ctr"/>
+              <a:r>
+                <a:rPr lang="en-US" sz="1400" dirty="0">
+                  <a:solidFill>
+                    <a:schemeClr val="tx1"/>
+                  </a:solidFill>
+                </a:rPr>
+                <a:t>2D Convolution Layer (6,16,3,1)</a:t>
+              </a:r>
+            </a:p>
+          </p:txBody>
+        </p:sp>
+        <p:sp>
+          <p:nvSpPr>
+            <p:cNvPr id="56" name="Rectangle 55">
+              <a:extLst>
+                <a:ext uri="{FF2B5EF4-FFF2-40B4-BE49-F238E27FC236}">
+                  <a16:creationId xmlns:a16="http://schemas.microsoft.com/office/drawing/2014/main" id="{D68C6F2E-0F61-6E58-29BB-65795E913C5F}"/>
+                </a:ext>
+              </a:extLst>
+            </p:cNvPr>
+            <p:cNvSpPr/>
+            <p:nvPr/>
+          </p:nvSpPr>
+          <p:spPr>
+            <a:xfrm>
+              <a:off x="266084" y="1661623"/>
+              <a:ext cx="2613260" cy="163600"/>
+            </a:xfrm>
+            <a:prstGeom prst="rect">
+              <a:avLst/>
+            </a:prstGeom>
+            <a:solidFill>
+              <a:schemeClr val="bg1"/>
+            </a:solidFill>
+            <a:ln>
+              <a:solidFill>
+                <a:schemeClr val="tx1"/>
+              </a:solidFill>
+            </a:ln>
+          </p:spPr>
+          <p:style>
+            <a:lnRef idx="3">
+              <a:schemeClr val="lt1"/>
+            </a:lnRef>
+            <a:fillRef idx="1">
+              <a:schemeClr val="accent5"/>
+            </a:fillRef>
+            <a:effectRef idx="1">
+              <a:schemeClr val="accent5"/>
+            </a:effectRef>
+            <a:fontRef idx="minor">
+              <a:schemeClr val="lt1"/>
+            </a:fontRef>
+          </p:style>
+          <p:txBody>
+            <a:bodyPr rtlCol="0" anchor="ctr"/>
+            <a:lstStyle/>
+            <a:p>
+              <a:pPr algn="ctr"/>
+              <a:r>
+                <a:rPr lang="en-US" sz="1400" dirty="0">
+                  <a:solidFill>
+                    <a:schemeClr val="tx1"/>
+                  </a:solidFill>
+                </a:rPr>
+                <a:t>2D Batch Norm (16)</a:t>
+              </a:r>
+            </a:p>
+          </p:txBody>
+        </p:sp>
+        <p:cxnSp>
+          <p:nvCxnSpPr>
+            <p:cNvPr id="57" name="Straight Arrow Connector 56">
+              <a:extLst>
+                <a:ext uri="{FF2B5EF4-FFF2-40B4-BE49-F238E27FC236}">
+                  <a16:creationId xmlns:a16="http://schemas.microsoft.com/office/drawing/2014/main" id="{BCBE3167-7598-FC1F-DE37-C9D8A70F8286}"/>
+                </a:ext>
+              </a:extLst>
+            </p:cNvPr>
+            <p:cNvCxnSpPr>
+              <a:cxnSpLocks/>
+              <a:stCxn id="55" idx="2"/>
+              <a:endCxn id="56" idx="0"/>
+            </p:cNvCxnSpPr>
+            <p:nvPr/>
+          </p:nvCxnSpPr>
+          <p:spPr>
+            <a:xfrm>
+              <a:off x="1567896" y="1462151"/>
+              <a:ext cx="4818" cy="199472"/>
+            </a:xfrm>
+            <a:prstGeom prst="straightConnector1">
+              <a:avLst/>
+            </a:prstGeom>
+            <a:ln w="28575">
+              <a:solidFill>
+                <a:schemeClr val="tx1"/>
+              </a:solidFill>
+              <a:tailEnd type="triangle"/>
+            </a:ln>
+          </p:spPr>
+          <p:style>
+            <a:lnRef idx="1">
+              <a:schemeClr val="accent1"/>
+            </a:lnRef>
+            <a:fillRef idx="0">
+              <a:schemeClr val="accent1"/>
+            </a:fillRef>
+            <a:effectRef idx="0">
+              <a:schemeClr val="accent1"/>
+            </a:effectRef>
+            <a:fontRef idx="minor">
+              <a:schemeClr val="tx1"/>
+            </a:fontRef>
+          </p:style>
+        </p:cxnSp>
+        <p:sp>
+          <p:nvSpPr>
+            <p:cNvPr id="58" name="TextBox 57">
+              <a:extLst>
+                <a:ext uri="{FF2B5EF4-FFF2-40B4-BE49-F238E27FC236}">
+                  <a16:creationId xmlns:a16="http://schemas.microsoft.com/office/drawing/2014/main" id="{DEC08314-9B86-02A6-9F1D-0FC06C32327A}"/>
+                </a:ext>
+              </a:extLst>
+            </p:cNvPr>
+            <p:cNvSpPr txBox="1"/>
+            <p:nvPr/>
+          </p:nvSpPr>
+          <p:spPr>
+            <a:xfrm>
+              <a:off x="1572282" y="1430902"/>
+              <a:ext cx="849879" cy="261610"/>
+            </a:xfrm>
+            <a:prstGeom prst="rect">
+              <a:avLst/>
+            </a:prstGeom>
+            <a:noFill/>
+          </p:spPr>
+          <p:txBody>
+            <a:bodyPr wrap="square" rtlCol="0">
+              <a:spAutoFit/>
+            </a:bodyPr>
+            <a:lstStyle/>
+            <a:p>
+              <a:r>
+                <a:rPr lang="en-US" sz="1100" dirty="0" err="1"/>
+                <a:t>ReLU</a:t>
+              </a:r>
+              <a:endParaRPr lang="en-US" sz="1100" dirty="0"/>
+            </a:p>
+          </p:txBody>
+        </p:sp>
+        <p:sp>
+          <p:nvSpPr>
+            <p:cNvPr id="61" name="Rectangle 60">
+              <a:extLst>
+                <a:ext uri="{FF2B5EF4-FFF2-40B4-BE49-F238E27FC236}">
+                  <a16:creationId xmlns:a16="http://schemas.microsoft.com/office/drawing/2014/main" id="{0E323B05-C28D-7BCE-B6F3-22F1D05FF34F}"/>
+                </a:ext>
+              </a:extLst>
+            </p:cNvPr>
+            <p:cNvSpPr/>
+            <p:nvPr/>
+          </p:nvSpPr>
+          <p:spPr>
+            <a:xfrm>
+              <a:off x="266084" y="2132764"/>
+              <a:ext cx="2613260" cy="163600"/>
+            </a:xfrm>
+            <a:prstGeom prst="rect">
+              <a:avLst/>
+            </a:prstGeom>
+            <a:solidFill>
+              <a:schemeClr val="bg1"/>
+            </a:solidFill>
+            <a:ln>
+              <a:solidFill>
+                <a:schemeClr val="tx1"/>
+              </a:solidFill>
+            </a:ln>
+          </p:spPr>
+          <p:style>
+            <a:lnRef idx="3">
+              <a:schemeClr val="lt1"/>
+            </a:lnRef>
+            <a:fillRef idx="1">
+              <a:schemeClr val="accent5"/>
+            </a:fillRef>
+            <a:effectRef idx="1">
+              <a:schemeClr val="accent5"/>
+            </a:effectRef>
+            <a:fontRef idx="minor">
+              <a:schemeClr val="lt1"/>
+            </a:fontRef>
+          </p:style>
+          <p:txBody>
+            <a:bodyPr rtlCol="0" anchor="ctr"/>
+            <a:lstStyle/>
+            <a:p>
+              <a:pPr algn="ctr"/>
+              <a:r>
+                <a:rPr lang="en-US" sz="1400" dirty="0">
+                  <a:solidFill>
+                    <a:schemeClr val="tx1"/>
+                  </a:solidFill>
+                </a:rPr>
+                <a:t>2D Convolution Layer (16,16,3,1)</a:t>
+              </a:r>
+            </a:p>
+          </p:txBody>
+        </p:sp>
+        <p:sp>
+          <p:nvSpPr>
+            <p:cNvPr id="62" name="Rectangle 61">
+              <a:extLst>
+                <a:ext uri="{FF2B5EF4-FFF2-40B4-BE49-F238E27FC236}">
+                  <a16:creationId xmlns:a16="http://schemas.microsoft.com/office/drawing/2014/main" id="{8EA86D06-B6B5-9453-74B8-9234695BA252}"/>
+                </a:ext>
+              </a:extLst>
+            </p:cNvPr>
+            <p:cNvSpPr/>
+            <p:nvPr/>
+          </p:nvSpPr>
+          <p:spPr>
+            <a:xfrm>
+              <a:off x="266433" y="2493922"/>
+              <a:ext cx="2613260" cy="163600"/>
+            </a:xfrm>
+            <a:prstGeom prst="rect">
+              <a:avLst/>
+            </a:prstGeom>
+            <a:solidFill>
+              <a:schemeClr val="bg1"/>
+            </a:solidFill>
+            <a:ln>
+              <a:solidFill>
+                <a:schemeClr val="tx1"/>
+              </a:solidFill>
+            </a:ln>
+          </p:spPr>
+          <p:style>
+            <a:lnRef idx="3">
+              <a:schemeClr val="lt1"/>
+            </a:lnRef>
+            <a:fillRef idx="1">
+              <a:schemeClr val="accent5"/>
+            </a:fillRef>
+            <a:effectRef idx="1">
+              <a:schemeClr val="accent5"/>
+            </a:effectRef>
+            <a:fontRef idx="minor">
+              <a:schemeClr val="lt1"/>
+            </a:fontRef>
+          </p:style>
+          <p:txBody>
+            <a:bodyPr rtlCol="0" anchor="ctr"/>
+            <a:lstStyle/>
+            <a:p>
+              <a:pPr algn="ctr"/>
+              <a:r>
+                <a:rPr lang="en-US" sz="1400" dirty="0">
+                  <a:solidFill>
+                    <a:schemeClr val="tx1"/>
+                  </a:solidFill>
+                </a:rPr>
+                <a:t>2D Batch Norm (16)</a:t>
+              </a:r>
+            </a:p>
+          </p:txBody>
+        </p:sp>
+        <p:cxnSp>
+          <p:nvCxnSpPr>
+            <p:cNvPr id="63" name="Straight Arrow Connector 62">
+              <a:extLst>
+                <a:ext uri="{FF2B5EF4-FFF2-40B4-BE49-F238E27FC236}">
+                  <a16:creationId xmlns:a16="http://schemas.microsoft.com/office/drawing/2014/main" id="{E52B4DF5-E8FA-7533-5056-F6F95E3B6131}"/>
+                </a:ext>
+              </a:extLst>
+            </p:cNvPr>
+            <p:cNvCxnSpPr>
+              <a:cxnSpLocks/>
+              <a:stCxn id="61" idx="2"/>
+              <a:endCxn id="62" idx="0"/>
+            </p:cNvCxnSpPr>
+            <p:nvPr/>
+          </p:nvCxnSpPr>
+          <p:spPr>
+            <a:xfrm>
+              <a:off x="1572714" y="2296364"/>
+              <a:ext cx="349" cy="197558"/>
+            </a:xfrm>
+            <a:prstGeom prst="straightConnector1">
+              <a:avLst/>
+            </a:prstGeom>
+            <a:ln w="28575">
+              <a:solidFill>
+                <a:schemeClr val="tx1"/>
+              </a:solidFill>
+              <a:tailEnd type="triangle"/>
+            </a:ln>
+          </p:spPr>
+          <p:style>
+            <a:lnRef idx="1">
+              <a:schemeClr val="accent1"/>
+            </a:lnRef>
+            <a:fillRef idx="0">
+              <a:schemeClr val="accent1"/>
+            </a:fillRef>
+            <a:effectRef idx="0">
+              <a:schemeClr val="accent1"/>
+            </a:effectRef>
+            <a:fontRef idx="minor">
+              <a:schemeClr val="tx1"/>
+            </a:fontRef>
+          </p:style>
+        </p:cxnSp>
+        <p:sp>
+          <p:nvSpPr>
+            <p:cNvPr id="64" name="TextBox 63">
+              <a:extLst>
+                <a:ext uri="{FF2B5EF4-FFF2-40B4-BE49-F238E27FC236}">
+                  <a16:creationId xmlns:a16="http://schemas.microsoft.com/office/drawing/2014/main" id="{BCE99756-2446-739A-9F34-67019F3018B0}"/>
+                </a:ext>
+              </a:extLst>
+            </p:cNvPr>
+            <p:cNvSpPr txBox="1"/>
+            <p:nvPr/>
+          </p:nvSpPr>
+          <p:spPr>
+            <a:xfrm>
+              <a:off x="1572282" y="2250316"/>
+              <a:ext cx="849879" cy="261610"/>
+            </a:xfrm>
+            <a:prstGeom prst="rect">
+              <a:avLst/>
+            </a:prstGeom>
+            <a:noFill/>
+          </p:spPr>
+          <p:txBody>
+            <a:bodyPr wrap="square" rtlCol="0">
+              <a:spAutoFit/>
+            </a:bodyPr>
+            <a:lstStyle/>
+            <a:p>
+              <a:r>
+                <a:rPr lang="en-US" sz="1100" dirty="0" err="1"/>
+                <a:t>ReLU</a:t>
+              </a:r>
+              <a:endParaRPr lang="en-US" sz="1100" dirty="0"/>
+            </a:p>
+          </p:txBody>
+        </p:sp>
+        <p:cxnSp>
+          <p:nvCxnSpPr>
+            <p:cNvPr id="65" name="Straight Arrow Connector 64">
+              <a:extLst>
+                <a:ext uri="{FF2B5EF4-FFF2-40B4-BE49-F238E27FC236}">
+                  <a16:creationId xmlns:a16="http://schemas.microsoft.com/office/drawing/2014/main" id="{7DAFA837-D3D1-927C-FF47-246D8C07B6B1}"/>
+                </a:ext>
+              </a:extLst>
+            </p:cNvPr>
+            <p:cNvCxnSpPr>
+              <a:cxnSpLocks/>
+              <a:stCxn id="56" idx="2"/>
+              <a:endCxn id="61" idx="0"/>
+            </p:cNvCxnSpPr>
+            <p:nvPr/>
+          </p:nvCxnSpPr>
+          <p:spPr>
+            <a:xfrm>
+              <a:off x="1572714" y="1825223"/>
+              <a:ext cx="0" cy="307541"/>
+            </a:xfrm>
+            <a:prstGeom prst="straightConnector1">
+              <a:avLst/>
+            </a:prstGeom>
+            <a:ln w="28575">
+              <a:solidFill>
+                <a:schemeClr val="tx1"/>
+              </a:solidFill>
+              <a:tailEnd type="triangle"/>
+            </a:ln>
+          </p:spPr>
+          <p:style>
+            <a:lnRef idx="1">
+              <a:schemeClr val="accent1"/>
+            </a:lnRef>
+            <a:fillRef idx="0">
+              <a:schemeClr val="accent1"/>
+            </a:fillRef>
+            <a:effectRef idx="0">
+              <a:schemeClr val="accent1"/>
+            </a:effectRef>
+            <a:fontRef idx="minor">
+              <a:schemeClr val="tx1"/>
+            </a:fontRef>
+          </p:style>
+        </p:cxnSp>
+        <p:sp>
+          <p:nvSpPr>
+            <p:cNvPr id="66" name="Rectangle 65">
+              <a:extLst>
+                <a:ext uri="{FF2B5EF4-FFF2-40B4-BE49-F238E27FC236}">
+                  <a16:creationId xmlns:a16="http://schemas.microsoft.com/office/drawing/2014/main" id="{8F95317E-992C-8C6D-8379-AAEF2638376C}"/>
+                </a:ext>
+              </a:extLst>
+            </p:cNvPr>
+            <p:cNvSpPr/>
+            <p:nvPr/>
+          </p:nvSpPr>
+          <p:spPr>
+            <a:xfrm>
+              <a:off x="266084" y="2959313"/>
+              <a:ext cx="2613260" cy="163600"/>
+            </a:xfrm>
+            <a:prstGeom prst="rect">
+              <a:avLst/>
+            </a:prstGeom>
+            <a:solidFill>
+              <a:schemeClr val="bg1"/>
+            </a:solidFill>
+            <a:ln>
+              <a:solidFill>
+                <a:schemeClr val="tx1"/>
+              </a:solidFill>
+            </a:ln>
+          </p:spPr>
+          <p:style>
+            <a:lnRef idx="3">
+              <a:schemeClr val="lt1"/>
+            </a:lnRef>
+            <a:fillRef idx="1">
+              <a:schemeClr val="accent5"/>
+            </a:fillRef>
+            <a:effectRef idx="1">
+              <a:schemeClr val="accent5"/>
+            </a:effectRef>
+            <a:fontRef idx="minor">
+              <a:schemeClr val="lt1"/>
+            </a:fontRef>
+          </p:style>
+          <p:txBody>
+            <a:bodyPr rtlCol="0" anchor="ctr"/>
+            <a:lstStyle/>
+            <a:p>
+              <a:pPr algn="ctr"/>
+              <a:r>
+                <a:rPr lang="en-US" sz="1400" dirty="0">
+                  <a:solidFill>
+                    <a:schemeClr val="tx1"/>
+                  </a:solidFill>
+                </a:rPr>
+                <a:t>2D Max Pool (2)</a:t>
+              </a:r>
+            </a:p>
+          </p:txBody>
+        </p:sp>
+        <p:cxnSp>
+          <p:nvCxnSpPr>
+            <p:cNvPr id="67" name="Straight Arrow Connector 66">
+              <a:extLst>
+                <a:ext uri="{FF2B5EF4-FFF2-40B4-BE49-F238E27FC236}">
+                  <a16:creationId xmlns:a16="http://schemas.microsoft.com/office/drawing/2014/main" id="{1637CFE1-7AC3-7F9E-E674-D03818AA9A57}"/>
+                </a:ext>
+              </a:extLst>
+            </p:cNvPr>
+            <p:cNvCxnSpPr>
+              <a:cxnSpLocks/>
+              <a:stCxn id="62" idx="2"/>
+              <a:endCxn id="66" idx="0"/>
+            </p:cNvCxnSpPr>
+            <p:nvPr/>
+          </p:nvCxnSpPr>
+          <p:spPr>
+            <a:xfrm flipH="1">
+              <a:off x="1572714" y="2657522"/>
+              <a:ext cx="349" cy="301791"/>
+            </a:xfrm>
+            <a:prstGeom prst="straightConnector1">
+              <a:avLst/>
+            </a:prstGeom>
+            <a:ln w="28575">
+              <a:solidFill>
+                <a:schemeClr val="tx1"/>
+              </a:solidFill>
+              <a:tailEnd type="triangle"/>
+            </a:ln>
+          </p:spPr>
+          <p:style>
+            <a:lnRef idx="1">
+              <a:schemeClr val="accent1"/>
+            </a:lnRef>
+            <a:fillRef idx="0">
+              <a:schemeClr val="accent1"/>
+            </a:fillRef>
+            <a:effectRef idx="0">
+              <a:schemeClr val="accent1"/>
+            </a:effectRef>
+            <a:fontRef idx="minor">
+              <a:schemeClr val="tx1"/>
+            </a:fontRef>
+          </p:style>
+        </p:cxnSp>
+        <p:sp>
+          <p:nvSpPr>
+            <p:cNvPr id="68" name="Rectangle 67">
+              <a:extLst>
+                <a:ext uri="{FF2B5EF4-FFF2-40B4-BE49-F238E27FC236}">
+                  <a16:creationId xmlns:a16="http://schemas.microsoft.com/office/drawing/2014/main" id="{F82F534D-C218-5400-A9CE-92EBC24D4D0F}"/>
+                </a:ext>
+              </a:extLst>
+            </p:cNvPr>
+            <p:cNvSpPr/>
+            <p:nvPr/>
+          </p:nvSpPr>
+          <p:spPr>
+            <a:xfrm>
+              <a:off x="266084" y="3254769"/>
+              <a:ext cx="2613260" cy="163600"/>
+            </a:xfrm>
+            <a:prstGeom prst="rect">
+              <a:avLst/>
+            </a:prstGeom>
+            <a:solidFill>
+              <a:schemeClr val="bg1"/>
+            </a:solidFill>
+            <a:ln>
+              <a:solidFill>
+                <a:schemeClr val="tx1"/>
+              </a:solidFill>
+            </a:ln>
+          </p:spPr>
+          <p:style>
+            <a:lnRef idx="3">
+              <a:schemeClr val="lt1"/>
+            </a:lnRef>
+            <a:fillRef idx="1">
+              <a:schemeClr val="accent5"/>
+            </a:fillRef>
+            <a:effectRef idx="1">
+              <a:schemeClr val="accent5"/>
+            </a:effectRef>
+            <a:fontRef idx="minor">
+              <a:schemeClr val="lt1"/>
+            </a:fontRef>
+          </p:style>
+          <p:txBody>
+            <a:bodyPr rtlCol="0" anchor="ctr"/>
+            <a:lstStyle/>
+            <a:p>
+              <a:pPr algn="ctr"/>
+              <a:r>
+                <a:rPr lang="en-US" sz="1400" dirty="0">
+                  <a:solidFill>
+                    <a:schemeClr val="tx1"/>
+                  </a:solidFill>
+                </a:rPr>
+                <a:t>2D Dropout (0.3)</a:t>
+              </a:r>
+            </a:p>
+          </p:txBody>
+        </p:sp>
+        <p:cxnSp>
+          <p:nvCxnSpPr>
+            <p:cNvPr id="69" name="Straight Arrow Connector 68">
+              <a:extLst>
+                <a:ext uri="{FF2B5EF4-FFF2-40B4-BE49-F238E27FC236}">
+                  <a16:creationId xmlns:a16="http://schemas.microsoft.com/office/drawing/2014/main" id="{A2367420-9696-40D8-BEE0-B39A99027703}"/>
+                </a:ext>
+              </a:extLst>
+            </p:cNvPr>
+            <p:cNvCxnSpPr>
+              <a:cxnSpLocks/>
+              <a:stCxn id="66" idx="2"/>
+              <a:endCxn id="68" idx="0"/>
+            </p:cNvCxnSpPr>
+            <p:nvPr/>
+          </p:nvCxnSpPr>
+          <p:spPr>
+            <a:xfrm>
+              <a:off x="1572714" y="3122913"/>
+              <a:ext cx="0" cy="131856"/>
+            </a:xfrm>
+            <a:prstGeom prst="straightConnector1">
+              <a:avLst/>
+            </a:prstGeom>
+            <a:ln w="28575">
+              <a:solidFill>
+                <a:schemeClr val="tx1"/>
+              </a:solidFill>
+              <a:tailEnd type="triangle"/>
+            </a:ln>
+          </p:spPr>
+          <p:style>
+            <a:lnRef idx="1">
+              <a:schemeClr val="accent1"/>
+            </a:lnRef>
+            <a:fillRef idx="0">
+              <a:schemeClr val="accent1"/>
+            </a:fillRef>
+            <a:effectRef idx="0">
+              <a:schemeClr val="accent1"/>
+            </a:effectRef>
+            <a:fontRef idx="minor">
+              <a:schemeClr val="tx1"/>
+            </a:fontRef>
+          </p:style>
+        </p:cxnSp>
+        <p:sp>
+          <p:nvSpPr>
+            <p:cNvPr id="70" name="Rectangle 69">
+              <a:extLst>
+                <a:ext uri="{FF2B5EF4-FFF2-40B4-BE49-F238E27FC236}">
+                  <a16:creationId xmlns:a16="http://schemas.microsoft.com/office/drawing/2014/main" id="{EC216857-56B2-C398-D56A-52F6D12D56ED}"/>
+                </a:ext>
+              </a:extLst>
+            </p:cNvPr>
+            <p:cNvSpPr/>
+            <p:nvPr/>
+          </p:nvSpPr>
+          <p:spPr>
+            <a:xfrm>
+              <a:off x="266084" y="3896967"/>
+              <a:ext cx="2613260" cy="163600"/>
+            </a:xfrm>
+            <a:prstGeom prst="rect">
+              <a:avLst/>
+            </a:prstGeom>
+            <a:solidFill>
+              <a:schemeClr val="bg1"/>
+            </a:solidFill>
+            <a:ln>
+              <a:solidFill>
+                <a:schemeClr val="tx1"/>
+              </a:solidFill>
+            </a:ln>
+          </p:spPr>
+          <p:style>
+            <a:lnRef idx="3">
+              <a:schemeClr val="lt1"/>
+            </a:lnRef>
+            <a:fillRef idx="1">
+              <a:schemeClr val="accent5"/>
+            </a:fillRef>
+            <a:effectRef idx="1">
+              <a:schemeClr val="accent5"/>
+            </a:effectRef>
+            <a:fontRef idx="minor">
+              <a:schemeClr val="lt1"/>
+            </a:fontRef>
+          </p:style>
+          <p:txBody>
+            <a:bodyPr rtlCol="0" anchor="ctr"/>
+            <a:lstStyle/>
+            <a:p>
+              <a:pPr algn="ctr"/>
+              <a:r>
+                <a:rPr lang="en-US" sz="1400" dirty="0">
+                  <a:solidFill>
+                    <a:schemeClr val="tx1"/>
+                  </a:solidFill>
+                </a:rPr>
+                <a:t>2D Convolution Layer (16,32,3,1)</a:t>
+              </a:r>
+            </a:p>
+          </p:txBody>
+        </p:sp>
+        <p:sp>
+          <p:nvSpPr>
+            <p:cNvPr id="71" name="Rectangle 70">
+              <a:extLst>
+                <a:ext uri="{FF2B5EF4-FFF2-40B4-BE49-F238E27FC236}">
+                  <a16:creationId xmlns:a16="http://schemas.microsoft.com/office/drawing/2014/main" id="{36D8D136-3AE5-677C-0223-8D2C1776CEB1}"/>
+                </a:ext>
+              </a:extLst>
+            </p:cNvPr>
+            <p:cNvSpPr/>
+            <p:nvPr/>
+          </p:nvSpPr>
+          <p:spPr>
+            <a:xfrm>
+              <a:off x="266090" y="4264670"/>
+              <a:ext cx="2613260" cy="163600"/>
+            </a:xfrm>
+            <a:prstGeom prst="rect">
+              <a:avLst/>
+            </a:prstGeom>
+            <a:solidFill>
+              <a:schemeClr val="bg1"/>
+            </a:solidFill>
+            <a:ln>
+              <a:solidFill>
+                <a:schemeClr val="tx1"/>
+              </a:solidFill>
+            </a:ln>
+          </p:spPr>
+          <p:style>
+            <a:lnRef idx="3">
+              <a:schemeClr val="lt1"/>
+            </a:lnRef>
+            <a:fillRef idx="1">
+              <a:schemeClr val="accent5"/>
+            </a:fillRef>
+            <a:effectRef idx="1">
+              <a:schemeClr val="accent5"/>
+            </a:effectRef>
+            <a:fontRef idx="minor">
+              <a:schemeClr val="lt1"/>
+            </a:fontRef>
+          </p:style>
+          <p:txBody>
+            <a:bodyPr rtlCol="0" anchor="ctr"/>
+            <a:lstStyle/>
+            <a:p>
+              <a:pPr algn="ctr"/>
+              <a:r>
+                <a:rPr lang="en-US" sz="1400" dirty="0">
+                  <a:solidFill>
+                    <a:schemeClr val="tx1"/>
+                  </a:solidFill>
+                </a:rPr>
+                <a:t>2D Batch Norm (32)</a:t>
+              </a:r>
+            </a:p>
+          </p:txBody>
+        </p:sp>
+        <p:cxnSp>
+          <p:nvCxnSpPr>
+            <p:cNvPr id="72" name="Straight Arrow Connector 71">
+              <a:extLst>
+                <a:ext uri="{FF2B5EF4-FFF2-40B4-BE49-F238E27FC236}">
+                  <a16:creationId xmlns:a16="http://schemas.microsoft.com/office/drawing/2014/main" id="{1EAA1DC5-B9CF-48B4-A9BE-619E6333B7D5}"/>
+                </a:ext>
+              </a:extLst>
+            </p:cNvPr>
+            <p:cNvCxnSpPr>
+              <a:cxnSpLocks/>
+              <a:stCxn id="70" idx="2"/>
+              <a:endCxn id="71" idx="0"/>
+            </p:cNvCxnSpPr>
+            <p:nvPr/>
+          </p:nvCxnSpPr>
+          <p:spPr>
+            <a:xfrm>
+              <a:off x="1572714" y="4060567"/>
+              <a:ext cx="6" cy="204103"/>
+            </a:xfrm>
+            <a:prstGeom prst="straightConnector1">
+              <a:avLst/>
+            </a:prstGeom>
+            <a:ln w="28575">
+              <a:solidFill>
+                <a:schemeClr val="tx1"/>
+              </a:solidFill>
+              <a:tailEnd type="triangle"/>
+            </a:ln>
+          </p:spPr>
+          <p:style>
+            <a:lnRef idx="1">
+              <a:schemeClr val="accent1"/>
+            </a:lnRef>
+            <a:fillRef idx="0">
+              <a:schemeClr val="accent1"/>
+            </a:fillRef>
+            <a:effectRef idx="0">
+              <a:schemeClr val="accent1"/>
+            </a:effectRef>
+            <a:fontRef idx="minor">
+              <a:schemeClr val="tx1"/>
+            </a:fontRef>
+          </p:style>
+        </p:cxnSp>
+        <p:sp>
+          <p:nvSpPr>
+            <p:cNvPr id="73" name="TextBox 72">
+              <a:extLst>
+                <a:ext uri="{FF2B5EF4-FFF2-40B4-BE49-F238E27FC236}">
+                  <a16:creationId xmlns:a16="http://schemas.microsoft.com/office/drawing/2014/main" id="{6AA1BAE1-0EA2-99E8-8A4A-39D1D16C9EB9}"/>
+                </a:ext>
+              </a:extLst>
+            </p:cNvPr>
+            <p:cNvSpPr txBox="1"/>
+            <p:nvPr/>
+          </p:nvSpPr>
+          <p:spPr>
+            <a:xfrm>
+              <a:off x="1572282" y="4033337"/>
+              <a:ext cx="849879" cy="261610"/>
+            </a:xfrm>
+            <a:prstGeom prst="rect">
+              <a:avLst/>
+            </a:prstGeom>
+            <a:noFill/>
+          </p:spPr>
+          <p:txBody>
+            <a:bodyPr wrap="square" rtlCol="0">
+              <a:spAutoFit/>
+            </a:bodyPr>
+            <a:lstStyle/>
+            <a:p>
+              <a:r>
+                <a:rPr lang="en-US" sz="1100" dirty="0" err="1"/>
+                <a:t>ReLU</a:t>
+              </a:r>
+              <a:endParaRPr lang="en-US" sz="1100" dirty="0"/>
+            </a:p>
+          </p:txBody>
+        </p:sp>
+        <p:cxnSp>
+          <p:nvCxnSpPr>
+            <p:cNvPr id="74" name="Straight Arrow Connector 73">
+              <a:extLst>
+                <a:ext uri="{FF2B5EF4-FFF2-40B4-BE49-F238E27FC236}">
+                  <a16:creationId xmlns:a16="http://schemas.microsoft.com/office/drawing/2014/main" id="{D30F1A72-5177-0854-67CA-909757C258E9}"/>
+                </a:ext>
+              </a:extLst>
+            </p:cNvPr>
+            <p:cNvCxnSpPr>
+              <a:cxnSpLocks/>
+              <a:stCxn id="68" idx="2"/>
+              <a:endCxn id="70" idx="0"/>
+            </p:cNvCxnSpPr>
+            <p:nvPr/>
+          </p:nvCxnSpPr>
+          <p:spPr>
+            <a:xfrm>
+              <a:off x="1572714" y="3418369"/>
+              <a:ext cx="0" cy="478598"/>
+            </a:xfrm>
+            <a:prstGeom prst="straightConnector1">
+              <a:avLst/>
+            </a:prstGeom>
+            <a:ln w="28575">
+              <a:solidFill>
+                <a:schemeClr val="tx1"/>
+              </a:solidFill>
+              <a:tailEnd type="triangle"/>
+            </a:ln>
+          </p:spPr>
+          <p:style>
+            <a:lnRef idx="1">
+              <a:schemeClr val="accent1"/>
+            </a:lnRef>
+            <a:fillRef idx="0">
+              <a:schemeClr val="accent1"/>
+            </a:fillRef>
+            <a:effectRef idx="0">
+              <a:schemeClr val="accent1"/>
+            </a:effectRef>
+            <a:fontRef idx="minor">
+              <a:schemeClr val="tx1"/>
+            </a:fontRef>
+          </p:style>
+        </p:cxnSp>
+        <p:sp>
+          <p:nvSpPr>
+            <p:cNvPr id="75" name="Rectangle 74">
+              <a:extLst>
+                <a:ext uri="{FF2B5EF4-FFF2-40B4-BE49-F238E27FC236}">
+                  <a16:creationId xmlns:a16="http://schemas.microsoft.com/office/drawing/2014/main" id="{1289B420-C5A3-3591-3D96-3EE56B3CC4D2}"/>
+                </a:ext>
+              </a:extLst>
+            </p:cNvPr>
+            <p:cNvSpPr/>
+            <p:nvPr/>
+          </p:nvSpPr>
+          <p:spPr>
+            <a:xfrm>
+              <a:off x="266090" y="4659080"/>
+              <a:ext cx="2613260" cy="163600"/>
+            </a:xfrm>
+            <a:prstGeom prst="rect">
+              <a:avLst/>
+            </a:prstGeom>
+            <a:solidFill>
+              <a:schemeClr val="bg1"/>
+            </a:solidFill>
+            <a:ln>
+              <a:solidFill>
+                <a:schemeClr val="tx1"/>
+              </a:solidFill>
+            </a:ln>
+          </p:spPr>
+          <p:style>
+            <a:lnRef idx="3">
+              <a:schemeClr val="lt1"/>
+            </a:lnRef>
+            <a:fillRef idx="1">
+              <a:schemeClr val="accent5"/>
+            </a:fillRef>
+            <a:effectRef idx="1">
+              <a:schemeClr val="accent5"/>
+            </a:effectRef>
+            <a:fontRef idx="minor">
+              <a:schemeClr val="lt1"/>
+            </a:fontRef>
+          </p:style>
+          <p:txBody>
+            <a:bodyPr rtlCol="0" anchor="ctr"/>
+            <a:lstStyle/>
+            <a:p>
+              <a:pPr algn="ctr"/>
+              <a:r>
+                <a:rPr lang="en-US" sz="1400" dirty="0">
+                  <a:solidFill>
+                    <a:schemeClr val="tx1"/>
+                  </a:solidFill>
+                </a:rPr>
+                <a:t>2D Convolution Layer (32,32,3,1)</a:t>
+              </a:r>
+            </a:p>
+          </p:txBody>
+        </p:sp>
+        <p:sp>
+          <p:nvSpPr>
+            <p:cNvPr id="76" name="Rectangle 75">
+              <a:extLst>
+                <a:ext uri="{FF2B5EF4-FFF2-40B4-BE49-F238E27FC236}">
+                  <a16:creationId xmlns:a16="http://schemas.microsoft.com/office/drawing/2014/main" id="{099F0F4E-82C2-FC7F-6860-D5D531128607}"/>
+                </a:ext>
+              </a:extLst>
+            </p:cNvPr>
+            <p:cNvSpPr/>
+            <p:nvPr/>
+          </p:nvSpPr>
+          <p:spPr>
+            <a:xfrm>
+              <a:off x="266090" y="5017326"/>
+              <a:ext cx="2613260" cy="163600"/>
+            </a:xfrm>
+            <a:prstGeom prst="rect">
+              <a:avLst/>
+            </a:prstGeom>
+            <a:solidFill>
+              <a:schemeClr val="bg1"/>
+            </a:solidFill>
+            <a:ln>
+              <a:solidFill>
+                <a:schemeClr val="tx1"/>
+              </a:solidFill>
+            </a:ln>
+          </p:spPr>
+          <p:style>
+            <a:lnRef idx="3">
+              <a:schemeClr val="lt1"/>
+            </a:lnRef>
+            <a:fillRef idx="1">
+              <a:schemeClr val="accent5"/>
+            </a:fillRef>
+            <a:effectRef idx="1">
+              <a:schemeClr val="accent5"/>
+            </a:effectRef>
+            <a:fontRef idx="minor">
+              <a:schemeClr val="lt1"/>
+            </a:fontRef>
+          </p:style>
+          <p:txBody>
+            <a:bodyPr rtlCol="0" anchor="ctr"/>
+            <a:lstStyle/>
+            <a:p>
+              <a:pPr algn="ctr"/>
+              <a:r>
+                <a:rPr lang="en-US" sz="1400" dirty="0">
+                  <a:solidFill>
+                    <a:schemeClr val="tx1"/>
+                  </a:solidFill>
+                </a:rPr>
+                <a:t>2D Batch Norm (32)</a:t>
+              </a:r>
+            </a:p>
+          </p:txBody>
+        </p:sp>
+        <p:cxnSp>
+          <p:nvCxnSpPr>
+            <p:cNvPr id="77" name="Straight Arrow Connector 76">
+              <a:extLst>
+                <a:ext uri="{FF2B5EF4-FFF2-40B4-BE49-F238E27FC236}">
+                  <a16:creationId xmlns:a16="http://schemas.microsoft.com/office/drawing/2014/main" id="{53EEDD4E-901C-BA75-9DD3-ADEAA1EF16AC}"/>
+                </a:ext>
+              </a:extLst>
+            </p:cNvPr>
+            <p:cNvCxnSpPr>
+              <a:cxnSpLocks/>
+              <a:stCxn id="75" idx="2"/>
+              <a:endCxn id="76" idx="0"/>
+            </p:cNvCxnSpPr>
+            <p:nvPr/>
+          </p:nvCxnSpPr>
+          <p:spPr>
+            <a:xfrm>
+              <a:off x="1572720" y="4822680"/>
+              <a:ext cx="0" cy="194646"/>
+            </a:xfrm>
+            <a:prstGeom prst="straightConnector1">
+              <a:avLst/>
+            </a:prstGeom>
+            <a:ln w="28575">
+              <a:solidFill>
+                <a:schemeClr val="tx1"/>
+              </a:solidFill>
+              <a:tailEnd type="triangle"/>
+            </a:ln>
+          </p:spPr>
+          <p:style>
+            <a:lnRef idx="1">
+              <a:schemeClr val="accent1"/>
+            </a:lnRef>
+            <a:fillRef idx="0">
+              <a:schemeClr val="accent1"/>
+            </a:fillRef>
+            <a:effectRef idx="0">
+              <a:schemeClr val="accent1"/>
+            </a:effectRef>
+            <a:fontRef idx="minor">
+              <a:schemeClr val="tx1"/>
+            </a:fontRef>
+          </p:style>
+        </p:cxnSp>
+        <p:sp>
+          <p:nvSpPr>
+            <p:cNvPr id="78" name="TextBox 77">
+              <a:extLst>
+                <a:ext uri="{FF2B5EF4-FFF2-40B4-BE49-F238E27FC236}">
+                  <a16:creationId xmlns:a16="http://schemas.microsoft.com/office/drawing/2014/main" id="{179F578E-91C2-534A-C522-7D2205C4B7A3}"/>
+                </a:ext>
+              </a:extLst>
+            </p:cNvPr>
+            <p:cNvSpPr txBox="1"/>
+            <p:nvPr/>
+          </p:nvSpPr>
+          <p:spPr>
+            <a:xfrm>
+              <a:off x="1560796" y="4786499"/>
+              <a:ext cx="849879" cy="261610"/>
+            </a:xfrm>
+            <a:prstGeom prst="rect">
+              <a:avLst/>
+            </a:prstGeom>
+            <a:noFill/>
+          </p:spPr>
+          <p:txBody>
+            <a:bodyPr wrap="square" rtlCol="0">
+              <a:spAutoFit/>
+            </a:bodyPr>
+            <a:lstStyle/>
+            <a:p>
+              <a:r>
+                <a:rPr lang="en-US" sz="1100" dirty="0" err="1"/>
+                <a:t>ReLU</a:t>
+              </a:r>
+              <a:endParaRPr lang="en-US" sz="1100" dirty="0"/>
+            </a:p>
+          </p:txBody>
+        </p:sp>
+        <p:cxnSp>
+          <p:nvCxnSpPr>
+            <p:cNvPr id="79" name="Straight Arrow Connector 78">
+              <a:extLst>
+                <a:ext uri="{FF2B5EF4-FFF2-40B4-BE49-F238E27FC236}">
+                  <a16:creationId xmlns:a16="http://schemas.microsoft.com/office/drawing/2014/main" id="{39E290F1-E81B-744E-DDE1-2B1F83778127}"/>
+                </a:ext>
+              </a:extLst>
+            </p:cNvPr>
+            <p:cNvCxnSpPr>
+              <a:cxnSpLocks/>
+              <a:stCxn id="71" idx="2"/>
+              <a:endCxn id="75" idx="0"/>
+            </p:cNvCxnSpPr>
+            <p:nvPr/>
+          </p:nvCxnSpPr>
+          <p:spPr>
+            <a:xfrm>
+              <a:off x="1572720" y="4428270"/>
+              <a:ext cx="0" cy="230810"/>
+            </a:xfrm>
+            <a:prstGeom prst="straightConnector1">
+              <a:avLst/>
+            </a:prstGeom>
+            <a:ln w="28575">
+              <a:solidFill>
+                <a:schemeClr val="tx1"/>
+              </a:solidFill>
+              <a:tailEnd type="triangle"/>
+            </a:ln>
+          </p:spPr>
+          <p:style>
+            <a:lnRef idx="1">
+              <a:schemeClr val="accent1"/>
+            </a:lnRef>
+            <a:fillRef idx="0">
+              <a:schemeClr val="accent1"/>
+            </a:fillRef>
+            <a:effectRef idx="0">
+              <a:schemeClr val="accent1"/>
+            </a:effectRef>
+            <a:fontRef idx="minor">
+              <a:schemeClr val="tx1"/>
+            </a:fontRef>
+          </p:style>
+        </p:cxnSp>
+        <p:sp>
+          <p:nvSpPr>
+            <p:cNvPr id="80" name="Rectangle 79">
+              <a:extLst>
+                <a:ext uri="{FF2B5EF4-FFF2-40B4-BE49-F238E27FC236}">
+                  <a16:creationId xmlns:a16="http://schemas.microsoft.com/office/drawing/2014/main" id="{4ED0180D-B5D9-83D5-FD6A-4391A42B3377}"/>
+                </a:ext>
+              </a:extLst>
+            </p:cNvPr>
+            <p:cNvSpPr/>
+            <p:nvPr/>
+          </p:nvSpPr>
+          <p:spPr>
+            <a:xfrm>
+              <a:off x="266413" y="5436600"/>
+              <a:ext cx="2613260" cy="163600"/>
+            </a:xfrm>
+            <a:prstGeom prst="rect">
+              <a:avLst/>
+            </a:prstGeom>
+            <a:solidFill>
+              <a:schemeClr val="bg1"/>
+            </a:solidFill>
+            <a:ln>
+              <a:solidFill>
+                <a:schemeClr val="tx1"/>
+              </a:solidFill>
+            </a:ln>
+          </p:spPr>
+          <p:style>
+            <a:lnRef idx="3">
+              <a:schemeClr val="lt1"/>
+            </a:lnRef>
+            <a:fillRef idx="1">
+              <a:schemeClr val="accent5"/>
+            </a:fillRef>
+            <a:effectRef idx="1">
+              <a:schemeClr val="accent5"/>
+            </a:effectRef>
+            <a:fontRef idx="minor">
+              <a:schemeClr val="lt1"/>
+            </a:fontRef>
+          </p:style>
+          <p:txBody>
+            <a:bodyPr rtlCol="0" anchor="ctr"/>
+            <a:lstStyle/>
+            <a:p>
+              <a:pPr algn="ctr"/>
+              <a:r>
+                <a:rPr lang="en-US" sz="1400" dirty="0">
+                  <a:solidFill>
+                    <a:schemeClr val="tx1"/>
+                  </a:solidFill>
+                </a:rPr>
+                <a:t>2D Max Pool (2)</a:t>
+              </a:r>
+            </a:p>
+          </p:txBody>
+        </p:sp>
+        <p:cxnSp>
+          <p:nvCxnSpPr>
+            <p:cNvPr id="81" name="Straight Arrow Connector 80">
+              <a:extLst>
+                <a:ext uri="{FF2B5EF4-FFF2-40B4-BE49-F238E27FC236}">
+                  <a16:creationId xmlns:a16="http://schemas.microsoft.com/office/drawing/2014/main" id="{6B3F5DE1-5B2A-7493-34C4-403FE50A65D4}"/>
+                </a:ext>
+              </a:extLst>
+            </p:cNvPr>
+            <p:cNvCxnSpPr>
+              <a:cxnSpLocks/>
+              <a:stCxn id="76" idx="2"/>
+              <a:endCxn id="80" idx="0"/>
+            </p:cNvCxnSpPr>
+            <p:nvPr/>
+          </p:nvCxnSpPr>
+          <p:spPr>
+            <a:xfrm>
+              <a:off x="1572720" y="5180926"/>
+              <a:ext cx="323" cy="255674"/>
+            </a:xfrm>
+            <a:prstGeom prst="straightConnector1">
+              <a:avLst/>
+            </a:prstGeom>
+            <a:ln w="28575">
+              <a:solidFill>
+                <a:schemeClr val="tx1"/>
+              </a:solidFill>
+              <a:tailEnd type="triangle"/>
+            </a:ln>
+          </p:spPr>
+          <p:style>
+            <a:lnRef idx="1">
+              <a:schemeClr val="accent1"/>
+            </a:lnRef>
+            <a:fillRef idx="0">
+              <a:schemeClr val="accent1"/>
+            </a:fillRef>
+            <a:effectRef idx="0">
+              <a:schemeClr val="accent1"/>
+            </a:effectRef>
+            <a:fontRef idx="minor">
+              <a:schemeClr val="tx1"/>
+            </a:fontRef>
+          </p:style>
+        </p:cxnSp>
+        <p:sp>
+          <p:nvSpPr>
+            <p:cNvPr id="82" name="Rectangle 81">
+              <a:extLst>
+                <a:ext uri="{FF2B5EF4-FFF2-40B4-BE49-F238E27FC236}">
+                  <a16:creationId xmlns:a16="http://schemas.microsoft.com/office/drawing/2014/main" id="{50B067C0-8C36-95DE-52D6-98049711A55E}"/>
+                </a:ext>
+              </a:extLst>
+            </p:cNvPr>
+            <p:cNvSpPr/>
+            <p:nvPr/>
+          </p:nvSpPr>
+          <p:spPr>
+            <a:xfrm>
+              <a:off x="268836" y="5737498"/>
+              <a:ext cx="2613260" cy="163600"/>
+            </a:xfrm>
+            <a:prstGeom prst="rect">
+              <a:avLst/>
+            </a:prstGeom>
+            <a:solidFill>
+              <a:schemeClr val="bg1"/>
+            </a:solidFill>
+            <a:ln>
+              <a:solidFill>
+                <a:schemeClr val="tx1"/>
+              </a:solidFill>
+            </a:ln>
+          </p:spPr>
+          <p:style>
+            <a:lnRef idx="3">
+              <a:schemeClr val="lt1"/>
+            </a:lnRef>
+            <a:fillRef idx="1">
+              <a:schemeClr val="accent5"/>
+            </a:fillRef>
+            <a:effectRef idx="1">
+              <a:schemeClr val="accent5"/>
+            </a:effectRef>
+            <a:fontRef idx="minor">
+              <a:schemeClr val="lt1"/>
+            </a:fontRef>
+          </p:style>
+          <p:txBody>
+            <a:bodyPr rtlCol="0" anchor="ctr"/>
+            <a:lstStyle/>
+            <a:p>
+              <a:pPr algn="ctr"/>
+              <a:r>
+                <a:rPr lang="en-US" sz="1400" dirty="0">
+                  <a:solidFill>
+                    <a:schemeClr val="tx1"/>
+                  </a:solidFill>
+                </a:rPr>
+                <a:t>2D Dropout (0.3)</a:t>
+              </a:r>
+            </a:p>
+          </p:txBody>
+        </p:sp>
+        <p:cxnSp>
+          <p:nvCxnSpPr>
+            <p:cNvPr id="83" name="Straight Arrow Connector 82">
+              <a:extLst>
+                <a:ext uri="{FF2B5EF4-FFF2-40B4-BE49-F238E27FC236}">
+                  <a16:creationId xmlns:a16="http://schemas.microsoft.com/office/drawing/2014/main" id="{94A21D6F-B64F-DC70-F908-64FAFD8E2EFF}"/>
+                </a:ext>
+              </a:extLst>
+            </p:cNvPr>
+            <p:cNvCxnSpPr>
+              <a:cxnSpLocks/>
+            </p:cNvCxnSpPr>
+            <p:nvPr/>
+          </p:nvCxnSpPr>
+          <p:spPr>
+            <a:xfrm>
+              <a:off x="1573041" y="5600200"/>
+              <a:ext cx="2423" cy="137298"/>
+            </a:xfrm>
+            <a:prstGeom prst="straightConnector1">
+              <a:avLst/>
+            </a:prstGeom>
+            <a:ln w="28575">
+              <a:solidFill>
+                <a:schemeClr val="tx1"/>
+              </a:solidFill>
+              <a:tailEnd type="triangle"/>
+            </a:ln>
+          </p:spPr>
+          <p:style>
+            <a:lnRef idx="1">
+              <a:schemeClr val="accent1"/>
+            </a:lnRef>
+            <a:fillRef idx="0">
+              <a:schemeClr val="accent1"/>
+            </a:fillRef>
+            <a:effectRef idx="0">
+              <a:schemeClr val="accent1"/>
+            </a:effectRef>
+            <a:fontRef idx="minor">
+              <a:schemeClr val="tx1"/>
+            </a:fontRef>
+          </p:style>
+        </p:cxnSp>
+      </p:grpSp>
+      <p:grpSp>
+        <p:nvGrpSpPr>
+          <p:cNvPr id="189" name="Group 188">
+            <a:extLst>
+              <a:ext uri="{FF2B5EF4-FFF2-40B4-BE49-F238E27FC236}">
+                <a16:creationId xmlns:a16="http://schemas.microsoft.com/office/drawing/2014/main" id="{C9130B8D-1173-3A37-80E9-6A422B6AC178}"/>
+              </a:ext>
+            </a:extLst>
+          </p:cNvPr>
+          <p:cNvGrpSpPr/>
+          <p:nvPr/>
+        </p:nvGrpSpPr>
+        <p:grpSpPr>
+          <a:xfrm>
+            <a:off x="1844809" y="7066340"/>
+            <a:ext cx="3158672" cy="2479061"/>
+            <a:chOff x="718916" y="7014309"/>
+            <a:chExt cx="5037183" cy="1911826"/>
+          </a:xfrm>
+        </p:grpSpPr>
+        <p:sp>
+          <p:nvSpPr>
+            <p:cNvPr id="44" name="Rectangle 43">
+              <a:extLst>
+                <a:ext uri="{FF2B5EF4-FFF2-40B4-BE49-F238E27FC236}">
+                  <a16:creationId xmlns:a16="http://schemas.microsoft.com/office/drawing/2014/main" id="{D7A8CD30-28B9-55B4-3335-4A6AC7870836}"/>
+                </a:ext>
+              </a:extLst>
+            </p:cNvPr>
+            <p:cNvSpPr/>
+            <p:nvPr/>
+          </p:nvSpPr>
+          <p:spPr>
+            <a:xfrm>
+              <a:off x="718929" y="7014309"/>
+              <a:ext cx="5037170" cy="163640"/>
+            </a:xfrm>
+            <a:prstGeom prst="rect">
+              <a:avLst/>
+            </a:prstGeom>
+            <a:solidFill>
+              <a:schemeClr val="bg1"/>
+            </a:solidFill>
+            <a:ln>
+              <a:solidFill>
+                <a:schemeClr val="tx1"/>
+              </a:solidFill>
+            </a:ln>
+          </p:spPr>
+          <p:style>
+            <a:lnRef idx="3">
+              <a:schemeClr val="lt1"/>
+            </a:lnRef>
+            <a:fillRef idx="1">
+              <a:schemeClr val="accent5"/>
+            </a:fillRef>
+            <a:effectRef idx="1">
+              <a:schemeClr val="accent5"/>
+            </a:effectRef>
+            <a:fontRef idx="minor">
+              <a:schemeClr val="lt1"/>
+            </a:fontRef>
+          </p:style>
+          <p:txBody>
+            <a:bodyPr rtlCol="0" anchor="ctr"/>
+            <a:lstStyle/>
+            <a:p>
+              <a:pPr algn="ctr"/>
+              <a:r>
+                <a:rPr lang="en-US" sz="1400" dirty="0">
+                  <a:solidFill>
+                    <a:schemeClr val="tx1"/>
+                  </a:solidFill>
+                </a:rPr>
+                <a:t>LSTM1 (15497,128)</a:t>
+              </a:r>
+            </a:p>
+          </p:txBody>
+        </p:sp>
+        <p:sp>
+          <p:nvSpPr>
+            <p:cNvPr id="45" name="Rectangle 44">
+              <a:extLst>
+                <a:ext uri="{FF2B5EF4-FFF2-40B4-BE49-F238E27FC236}">
+                  <a16:creationId xmlns:a16="http://schemas.microsoft.com/office/drawing/2014/main" id="{5ABE9609-9C7F-0696-0BB1-FB08BB0344D3}"/>
+                </a:ext>
+              </a:extLst>
+            </p:cNvPr>
+            <p:cNvSpPr/>
+            <p:nvPr/>
+          </p:nvSpPr>
+          <p:spPr>
+            <a:xfrm>
+              <a:off x="718929" y="7335239"/>
+              <a:ext cx="5037170" cy="163640"/>
+            </a:xfrm>
+            <a:prstGeom prst="rect">
+              <a:avLst/>
+            </a:prstGeom>
+            <a:solidFill>
+              <a:schemeClr val="bg1"/>
+            </a:solidFill>
+            <a:ln>
+              <a:solidFill>
+                <a:schemeClr val="tx1"/>
+              </a:solidFill>
+            </a:ln>
+          </p:spPr>
+          <p:style>
+            <a:lnRef idx="3">
+              <a:schemeClr val="lt1"/>
+            </a:lnRef>
+            <a:fillRef idx="1">
+              <a:schemeClr val="accent5"/>
+            </a:fillRef>
+            <a:effectRef idx="1">
+              <a:schemeClr val="accent5"/>
+            </a:effectRef>
+            <a:fontRef idx="minor">
+              <a:schemeClr val="lt1"/>
+            </a:fontRef>
+          </p:style>
+          <p:txBody>
+            <a:bodyPr rtlCol="0" anchor="ctr"/>
+            <a:lstStyle/>
+            <a:p>
+              <a:pPr algn="ctr"/>
+              <a:r>
+                <a:rPr lang="en-US" sz="1400" dirty="0">
+                  <a:solidFill>
+                    <a:schemeClr val="tx1"/>
+                  </a:solidFill>
+                </a:rPr>
+                <a:t>LSTM2 (128,128)</a:t>
+              </a:r>
+            </a:p>
+          </p:txBody>
+        </p:sp>
+        <p:sp>
+          <p:nvSpPr>
+            <p:cNvPr id="46" name="Rectangle 45">
+              <a:extLst>
+                <a:ext uri="{FF2B5EF4-FFF2-40B4-BE49-F238E27FC236}">
+                  <a16:creationId xmlns:a16="http://schemas.microsoft.com/office/drawing/2014/main" id="{7EED2A71-107D-0B21-E4C2-233235C66324}"/>
+                </a:ext>
+              </a:extLst>
+            </p:cNvPr>
+            <p:cNvSpPr/>
+            <p:nvPr/>
+          </p:nvSpPr>
+          <p:spPr>
+            <a:xfrm>
+              <a:off x="718916" y="7818755"/>
+              <a:ext cx="5037170" cy="163640"/>
+            </a:xfrm>
+            <a:prstGeom prst="rect">
+              <a:avLst/>
+            </a:prstGeom>
+            <a:solidFill>
+              <a:schemeClr val="bg1"/>
+            </a:solidFill>
+            <a:ln>
+              <a:solidFill>
+                <a:schemeClr val="tx1"/>
+              </a:solidFill>
+            </a:ln>
+          </p:spPr>
+          <p:style>
+            <a:lnRef idx="3">
+              <a:schemeClr val="lt1"/>
+            </a:lnRef>
+            <a:fillRef idx="1">
+              <a:schemeClr val="accent5"/>
+            </a:fillRef>
+            <a:effectRef idx="1">
+              <a:schemeClr val="accent5"/>
+            </a:effectRef>
+            <a:fontRef idx="minor">
+              <a:schemeClr val="lt1"/>
+            </a:fontRef>
+          </p:style>
+          <p:txBody>
+            <a:bodyPr rtlCol="0" anchor="ctr"/>
+            <a:lstStyle/>
+            <a:p>
+              <a:pPr algn="ctr"/>
+              <a:r>
+                <a:rPr lang="en-US" sz="1400" dirty="0">
+                  <a:solidFill>
+                    <a:schemeClr val="tx1"/>
+                  </a:solidFill>
+                </a:rPr>
+                <a:t>Fully Connected Layer (128,64)</a:t>
+              </a:r>
+            </a:p>
+          </p:txBody>
+        </p:sp>
+        <p:sp>
+          <p:nvSpPr>
+            <p:cNvPr id="47" name="Rectangle 46">
+              <a:extLst>
+                <a:ext uri="{FF2B5EF4-FFF2-40B4-BE49-F238E27FC236}">
+                  <a16:creationId xmlns:a16="http://schemas.microsoft.com/office/drawing/2014/main" id="{D67BB8F1-F56C-5528-AE52-27A0D9C5F8F2}"/>
+                </a:ext>
+              </a:extLst>
+            </p:cNvPr>
+            <p:cNvSpPr/>
+            <p:nvPr/>
+          </p:nvSpPr>
+          <p:spPr>
+            <a:xfrm>
+              <a:off x="718925" y="8205004"/>
+              <a:ext cx="5037170" cy="163640"/>
+            </a:xfrm>
+            <a:prstGeom prst="rect">
+              <a:avLst/>
+            </a:prstGeom>
+            <a:solidFill>
+              <a:schemeClr val="bg1"/>
+            </a:solidFill>
+            <a:ln>
+              <a:solidFill>
+                <a:schemeClr val="tx1"/>
+              </a:solidFill>
+            </a:ln>
+          </p:spPr>
+          <p:style>
+            <a:lnRef idx="3">
+              <a:schemeClr val="lt1"/>
+            </a:lnRef>
+            <a:fillRef idx="1">
+              <a:schemeClr val="accent5"/>
+            </a:fillRef>
+            <a:effectRef idx="1">
+              <a:schemeClr val="accent5"/>
+            </a:effectRef>
+            <a:fontRef idx="minor">
+              <a:schemeClr val="lt1"/>
+            </a:fontRef>
+          </p:style>
+          <p:txBody>
+            <a:bodyPr rtlCol="0" anchor="ctr"/>
+            <a:lstStyle/>
+            <a:p>
+              <a:pPr algn="ctr"/>
+              <a:r>
+                <a:rPr lang="en-US" sz="1400" dirty="0">
+                  <a:solidFill>
+                    <a:schemeClr val="tx1"/>
+                  </a:solidFill>
+                </a:rPr>
+                <a:t>Fully Connected Layer (64,1)</a:t>
+              </a:r>
+            </a:p>
+          </p:txBody>
+        </p:sp>
+        <p:cxnSp>
+          <p:nvCxnSpPr>
+            <p:cNvPr id="48" name="Straight Arrow Connector 47">
+              <a:extLst>
+                <a:ext uri="{FF2B5EF4-FFF2-40B4-BE49-F238E27FC236}">
+                  <a16:creationId xmlns:a16="http://schemas.microsoft.com/office/drawing/2014/main" id="{0494B427-B83B-B5F3-3E73-E34C28637626}"/>
+                </a:ext>
+              </a:extLst>
+            </p:cNvPr>
+            <p:cNvCxnSpPr>
+              <a:cxnSpLocks/>
+              <a:stCxn id="44" idx="2"/>
+            </p:cNvCxnSpPr>
+            <p:nvPr/>
+          </p:nvCxnSpPr>
+          <p:spPr>
+            <a:xfrm flipH="1">
+              <a:off x="3237512" y="7177949"/>
+              <a:ext cx="2" cy="157290"/>
+            </a:xfrm>
+            <a:prstGeom prst="straightConnector1">
+              <a:avLst/>
+            </a:prstGeom>
+            <a:ln w="28575">
+              <a:solidFill>
+                <a:schemeClr val="tx1"/>
+              </a:solidFill>
+              <a:tailEnd type="triangle"/>
+            </a:ln>
+          </p:spPr>
+          <p:style>
+            <a:lnRef idx="1">
+              <a:schemeClr val="accent1"/>
+            </a:lnRef>
+            <a:fillRef idx="0">
+              <a:schemeClr val="accent1"/>
+            </a:fillRef>
+            <a:effectRef idx="0">
+              <a:schemeClr val="accent1"/>
+            </a:effectRef>
+            <a:fontRef idx="minor">
+              <a:schemeClr val="tx1"/>
+            </a:fontRef>
+          </p:style>
+        </p:cxnSp>
+        <p:cxnSp>
+          <p:nvCxnSpPr>
+            <p:cNvPr id="49" name="Straight Arrow Connector 48">
+              <a:extLst>
+                <a:ext uri="{FF2B5EF4-FFF2-40B4-BE49-F238E27FC236}">
+                  <a16:creationId xmlns:a16="http://schemas.microsoft.com/office/drawing/2014/main" id="{A87D8269-B3A7-4FC6-2E04-92B2A6BFBDAE}"/>
+                </a:ext>
+              </a:extLst>
+            </p:cNvPr>
+            <p:cNvCxnSpPr>
+              <a:cxnSpLocks/>
+              <a:endCxn id="46" idx="0"/>
+            </p:cNvCxnSpPr>
+            <p:nvPr/>
+          </p:nvCxnSpPr>
+          <p:spPr>
+            <a:xfrm flipH="1">
+              <a:off x="3237501" y="7498879"/>
+              <a:ext cx="11" cy="319876"/>
+            </a:xfrm>
+            <a:prstGeom prst="straightConnector1">
+              <a:avLst/>
+            </a:prstGeom>
+            <a:ln w="28575">
+              <a:solidFill>
+                <a:schemeClr val="tx1"/>
+              </a:solidFill>
+              <a:tailEnd type="triangle"/>
+            </a:ln>
+          </p:spPr>
+          <p:style>
+            <a:lnRef idx="1">
+              <a:schemeClr val="accent1"/>
+            </a:lnRef>
+            <a:fillRef idx="0">
+              <a:schemeClr val="accent1"/>
+            </a:fillRef>
+            <a:effectRef idx="0">
+              <a:schemeClr val="accent1"/>
+            </a:effectRef>
+            <a:fontRef idx="minor">
+              <a:schemeClr val="tx1"/>
+            </a:fontRef>
+          </p:style>
+        </p:cxnSp>
+        <p:cxnSp>
+          <p:nvCxnSpPr>
+            <p:cNvPr id="50" name="Straight Arrow Connector 49">
+              <a:extLst>
+                <a:ext uri="{FF2B5EF4-FFF2-40B4-BE49-F238E27FC236}">
+                  <a16:creationId xmlns:a16="http://schemas.microsoft.com/office/drawing/2014/main" id="{BF8A35D7-A0E7-0AEF-F3E7-9F512B43B8B6}"/>
+                </a:ext>
+              </a:extLst>
+            </p:cNvPr>
+            <p:cNvCxnSpPr>
+              <a:cxnSpLocks/>
+              <a:stCxn id="46" idx="2"/>
+              <a:endCxn id="47" idx="0"/>
+            </p:cNvCxnSpPr>
+            <p:nvPr/>
+          </p:nvCxnSpPr>
+          <p:spPr>
+            <a:xfrm>
+              <a:off x="3237501" y="7982395"/>
+              <a:ext cx="9" cy="222609"/>
+            </a:xfrm>
+            <a:prstGeom prst="straightConnector1">
+              <a:avLst/>
+            </a:prstGeom>
+            <a:ln w="28575">
+              <a:solidFill>
+                <a:schemeClr val="tx1"/>
+              </a:solidFill>
+              <a:tailEnd type="triangle"/>
+            </a:ln>
+          </p:spPr>
+          <p:style>
+            <a:lnRef idx="1">
+              <a:schemeClr val="accent1"/>
+            </a:lnRef>
+            <a:fillRef idx="0">
+              <a:schemeClr val="accent1"/>
+            </a:fillRef>
+            <a:effectRef idx="0">
+              <a:schemeClr val="accent1"/>
+            </a:effectRef>
+            <a:fontRef idx="minor">
+              <a:schemeClr val="tx1"/>
+            </a:fontRef>
+          </p:style>
+        </p:cxnSp>
+        <p:sp>
+          <p:nvSpPr>
+            <p:cNvPr id="51" name="TextBox 50">
+              <a:extLst>
+                <a:ext uri="{FF2B5EF4-FFF2-40B4-BE49-F238E27FC236}">
+                  <a16:creationId xmlns:a16="http://schemas.microsoft.com/office/drawing/2014/main" id="{ECAEFB51-A2C5-2283-3F25-856EC5DE0906}"/>
+                </a:ext>
+              </a:extLst>
+            </p:cNvPr>
+            <p:cNvSpPr txBox="1"/>
+            <p:nvPr/>
+          </p:nvSpPr>
+          <p:spPr>
+            <a:xfrm>
+              <a:off x="3237501" y="7955622"/>
+              <a:ext cx="1156424" cy="138077"/>
+            </a:xfrm>
+            <a:prstGeom prst="rect">
+              <a:avLst/>
+            </a:prstGeom>
+            <a:noFill/>
+          </p:spPr>
+          <p:txBody>
+            <a:bodyPr wrap="square" rtlCol="0">
+              <a:spAutoFit/>
+            </a:bodyPr>
+            <a:lstStyle/>
+            <a:p>
+              <a:r>
+                <a:rPr lang="en-US" sz="1100" dirty="0" err="1"/>
+                <a:t>ReLU</a:t>
+              </a:r>
+              <a:endParaRPr lang="en-US" sz="1100" dirty="0"/>
+            </a:p>
+          </p:txBody>
+        </p:sp>
+        <p:cxnSp>
+          <p:nvCxnSpPr>
+            <p:cNvPr id="54" name="Straight Arrow Connector 53">
+              <a:extLst>
+                <a:ext uri="{FF2B5EF4-FFF2-40B4-BE49-F238E27FC236}">
+                  <a16:creationId xmlns:a16="http://schemas.microsoft.com/office/drawing/2014/main" id="{9CB789D9-4A67-DF2C-4CB5-04A3B93181F4}"/>
+                </a:ext>
+              </a:extLst>
+            </p:cNvPr>
+            <p:cNvCxnSpPr>
+              <a:cxnSpLocks/>
+              <a:stCxn id="47" idx="2"/>
+            </p:cNvCxnSpPr>
+            <p:nvPr/>
+          </p:nvCxnSpPr>
+          <p:spPr>
+            <a:xfrm flipH="1">
+              <a:off x="3237501" y="8368645"/>
+              <a:ext cx="13" cy="211394"/>
+            </a:xfrm>
+            <a:prstGeom prst="straightConnector1">
+              <a:avLst/>
+            </a:prstGeom>
+            <a:ln w="28575">
+              <a:solidFill>
+                <a:schemeClr val="tx1"/>
+              </a:solidFill>
+              <a:tailEnd type="triangle"/>
+            </a:ln>
+          </p:spPr>
+          <p:style>
+            <a:lnRef idx="1">
+              <a:schemeClr val="accent1"/>
+            </a:lnRef>
+            <a:fillRef idx="0">
+              <a:schemeClr val="accent1"/>
+            </a:fillRef>
+            <a:effectRef idx="0">
+              <a:schemeClr val="accent1"/>
+            </a:effectRef>
+            <a:fontRef idx="minor">
+              <a:schemeClr val="tx1"/>
+            </a:fontRef>
+          </p:style>
+        </p:cxnSp>
+        <p:sp>
+          <p:nvSpPr>
+            <p:cNvPr id="165" name="TextBox 164">
+              <a:extLst>
+                <a:ext uri="{FF2B5EF4-FFF2-40B4-BE49-F238E27FC236}">
+                  <a16:creationId xmlns:a16="http://schemas.microsoft.com/office/drawing/2014/main" id="{214199D3-8E57-F763-7077-83344D799384}"/>
+                </a:ext>
+              </a:extLst>
+            </p:cNvPr>
+            <p:cNvSpPr txBox="1"/>
+            <p:nvPr/>
+          </p:nvSpPr>
+          <p:spPr>
+            <a:xfrm>
+              <a:off x="2422161" y="8556803"/>
+              <a:ext cx="1630680" cy="369332"/>
+            </a:xfrm>
+            <a:prstGeom prst="rect">
+              <a:avLst/>
+            </a:prstGeom>
+            <a:noFill/>
+          </p:spPr>
+          <p:txBody>
+            <a:bodyPr wrap="square" rtlCol="0">
+              <a:spAutoFit/>
+            </a:bodyPr>
+            <a:lstStyle/>
+            <a:p>
+              <a:pPr algn="ctr"/>
+              <a:r>
+                <a:rPr lang="en-US" dirty="0"/>
+                <a:t>Output</a:t>
+              </a:r>
+            </a:p>
+          </p:txBody>
+        </p:sp>
+      </p:grpSp>
+      <p:cxnSp>
+        <p:nvCxnSpPr>
+          <p:cNvPr id="179" name="Connector: Elbow 178">
+            <a:extLst>
+              <a:ext uri="{FF2B5EF4-FFF2-40B4-BE49-F238E27FC236}">
+                <a16:creationId xmlns:a16="http://schemas.microsoft.com/office/drawing/2014/main" id="{BC7E5FC2-7A3E-DEB9-AEC1-C0B093D2EAF8}"/>
+              </a:ext>
+            </a:extLst>
+          </p:cNvPr>
+          <p:cNvCxnSpPr>
+            <a:stCxn id="82" idx="2"/>
+            <a:endCxn id="44" idx="0"/>
+          </p:cNvCxnSpPr>
+          <p:nvPr/>
+        </p:nvCxnSpPr>
+        <p:spPr>
+          <a:xfrm rot="5400000">
+            <a:off x="3026029" y="6664443"/>
+            <a:ext cx="800018" cy="3777"/>
+          </a:xfrm>
+          <a:prstGeom prst="bentConnector3">
+            <a:avLst>
+              <a:gd name="adj1" fmla="val 50000"/>
+            </a:avLst>
+          </a:prstGeom>
+          <a:ln w="28575">
+            <a:solidFill>
+              <a:schemeClr val="tx1"/>
+            </a:solidFill>
+            <a:tailEnd type="triangle"/>
+          </a:ln>
+        </p:spPr>
+        <p:style>
+          <a:lnRef idx="1">
+            <a:schemeClr val="accent1"/>
+          </a:lnRef>
+          <a:fillRef idx="0">
+            <a:schemeClr val="accent1"/>
+          </a:fillRef>
+          <a:effectRef idx="0">
+            <a:schemeClr val="accent1"/>
+          </a:effectRef>
+          <a:fontRef idx="minor">
+            <a:schemeClr val="tx1"/>
+          </a:fontRef>
+        </p:style>
+      </p:cxnSp>
+    </p:spTree>
+    <p:extLst>
+      <p:ext uri="{BB962C8B-B14F-4D97-AF65-F5344CB8AC3E}">
+        <p14:creationId xmlns:p14="http://schemas.microsoft.com/office/powerpoint/2010/main" val="3470785750"/>
+      </p:ext>
+    </p:extLst>
+  </p:cSld>
+  <p:clrMapOvr>
+    <a:masterClrMapping/>
+  </p:clrMapOvr>
+</p:sld>
+</file>
+
+<file path=ppt/slides/slide7.xml><?xml version="1.0" encoding="utf-8"?>
+<p:sld xmlns:a="http://schemas.openxmlformats.org/drawingml/2006/main" xmlns:r="http://schemas.openxmlformats.org/officeDocument/2006/relationships" xmlns:p="http://schemas.openxmlformats.org/presentationml/2006/main">
+  <p:cSld>
+    <p:spTree>
+      <p:nvGrpSpPr>
+        <p:cNvPr id="1" name=""/>
+        <p:cNvGrpSpPr/>
+        <p:nvPr/>
+      </p:nvGrpSpPr>
+      <p:grpSpPr>
+        <a:xfrm>
+          <a:off x="0" y="0"/>
+          <a:ext cx="0" cy="0"/>
+          <a:chOff x="0" y="0"/>
+          <a:chExt cx="0" cy="0"/>
+        </a:xfrm>
+      </p:grpSpPr>
+      <p:sp>
+        <p:nvSpPr>
+          <p:cNvPr id="38" name="TextBox 37">
+            <a:extLst>
+              <a:ext uri="{FF2B5EF4-FFF2-40B4-BE49-F238E27FC236}">
+                <a16:creationId xmlns:a16="http://schemas.microsoft.com/office/drawing/2014/main" id="{1B4661FE-66F1-C55C-7C42-86D362674C2E}"/>
+              </a:ext>
+            </a:extLst>
+          </p:cNvPr>
+          <p:cNvSpPr txBox="1"/>
+          <p:nvPr/>
+        </p:nvSpPr>
+        <p:spPr>
+          <a:xfrm>
+            <a:off x="1659661" y="468491"/>
+            <a:ext cx="3538658" cy="492571"/>
+          </a:xfrm>
+          <a:prstGeom prst="rect">
+            <a:avLst/>
+          </a:prstGeom>
+          <a:noFill/>
+        </p:spPr>
+        <p:txBody>
+          <a:bodyPr wrap="square" rtlCol="0">
+            <a:spAutoFit/>
+          </a:bodyPr>
+          <a:lstStyle/>
+          <a:p>
+            <a:pPr algn="ctr"/>
+            <a:r>
+              <a:rPr lang="en-US" sz="2601" b="1" dirty="0"/>
+              <a:t>Vision transformer</a:t>
+            </a:r>
+          </a:p>
+        </p:txBody>
+      </p:sp>
+      <p:sp>
+        <p:nvSpPr>
+          <p:cNvPr id="4" name="Rectangle 3">
+            <a:extLst>
+              <a:ext uri="{FF2B5EF4-FFF2-40B4-BE49-F238E27FC236}">
+                <a16:creationId xmlns:a16="http://schemas.microsoft.com/office/drawing/2014/main" id="{CE0124AF-2AF1-3059-2D4E-B38B64414C09}"/>
+              </a:ext>
+            </a:extLst>
+          </p:cNvPr>
+          <p:cNvSpPr/>
+          <p:nvPr/>
+        </p:nvSpPr>
+        <p:spPr>
+          <a:xfrm>
+            <a:off x="213591" y="2169038"/>
+            <a:ext cx="2386438" cy="383115"/>
+          </a:xfrm>
+          <a:prstGeom prst="rect">
+            <a:avLst/>
+          </a:prstGeom>
+          <a:solidFill>
+            <a:schemeClr val="bg1"/>
+          </a:solidFill>
+          <a:ln>
+            <a:solidFill>
+              <a:schemeClr val="tx1"/>
+            </a:solidFill>
+          </a:ln>
+        </p:spPr>
+        <p:style>
+          <a:lnRef idx="3">
+            <a:schemeClr val="lt1"/>
+          </a:lnRef>
+          <a:fillRef idx="1">
+            <a:schemeClr val="accent5"/>
+          </a:fillRef>
+          <a:effectRef idx="1">
+            <a:schemeClr val="accent5"/>
+          </a:effectRef>
+          <a:fontRef idx="minor">
+            <a:schemeClr val="lt1"/>
+          </a:fontRef>
+        </p:style>
+        <p:txBody>
+          <a:bodyPr rtlCol="0" anchor="ctr"/>
+          <a:lstStyle/>
+          <a:p>
+            <a:pPr algn="ctr"/>
+            <a:r>
+              <a:rPr lang="en-US" sz="2311" dirty="0" err="1">
+                <a:solidFill>
+                  <a:schemeClr val="tx1"/>
+                </a:solidFill>
+              </a:rPr>
+              <a:t>ViT</a:t>
+            </a:r>
+            <a:r>
+              <a:rPr lang="en-US" sz="2311" dirty="0">
+                <a:solidFill>
+                  <a:schemeClr val="tx1"/>
+                </a:solidFill>
+              </a:rPr>
+              <a:t> (100,32)</a:t>
+            </a:r>
+          </a:p>
+        </p:txBody>
+      </p:sp>
+      <p:sp>
+        <p:nvSpPr>
+          <p:cNvPr id="5" name="Rectangle 4">
+            <a:extLst>
+              <a:ext uri="{FF2B5EF4-FFF2-40B4-BE49-F238E27FC236}">
+                <a16:creationId xmlns:a16="http://schemas.microsoft.com/office/drawing/2014/main" id="{0FC3D960-B4B5-5D5D-94A6-3AABB82D4DDA}"/>
+              </a:ext>
+            </a:extLst>
+          </p:cNvPr>
+          <p:cNvSpPr/>
+          <p:nvPr/>
+        </p:nvSpPr>
+        <p:spPr>
+          <a:xfrm>
+            <a:off x="1162007" y="3110944"/>
+            <a:ext cx="3507104" cy="808959"/>
+          </a:xfrm>
+          <a:prstGeom prst="rect">
+            <a:avLst/>
+          </a:prstGeom>
+          <a:solidFill>
+            <a:schemeClr val="bg1"/>
+          </a:solidFill>
+          <a:ln>
+            <a:solidFill>
+              <a:schemeClr val="tx1"/>
+            </a:solidFill>
+          </a:ln>
+        </p:spPr>
+        <p:style>
+          <a:lnRef idx="3">
+            <a:schemeClr val="lt1"/>
+          </a:lnRef>
+          <a:fillRef idx="1">
+            <a:schemeClr val="accent5"/>
+          </a:fillRef>
+          <a:effectRef idx="1">
+            <a:schemeClr val="accent5"/>
+          </a:effectRef>
+          <a:fontRef idx="minor">
+            <a:schemeClr val="lt1"/>
+          </a:fontRef>
+        </p:style>
+        <p:txBody>
+          <a:bodyPr rtlCol="0" anchor="ctr"/>
+          <a:lstStyle/>
+          <a:p>
+            <a:pPr algn="ctr"/>
+            <a:r>
+              <a:rPr lang="en-US" sz="2311" dirty="0">
+                <a:solidFill>
+                  <a:schemeClr val="tx1"/>
+                </a:solidFill>
+              </a:rPr>
+              <a:t>Fully Connected Layer (64,16)</a:t>
+            </a:r>
+          </a:p>
+        </p:txBody>
+      </p:sp>
+      <p:sp>
+        <p:nvSpPr>
+          <p:cNvPr id="8" name="Rectangle 7">
+            <a:extLst>
+              <a:ext uri="{FF2B5EF4-FFF2-40B4-BE49-F238E27FC236}">
+                <a16:creationId xmlns:a16="http://schemas.microsoft.com/office/drawing/2014/main" id="{C17E76A8-243D-F90E-9156-F946869191A2}"/>
+              </a:ext>
+            </a:extLst>
+          </p:cNvPr>
+          <p:cNvSpPr/>
+          <p:nvPr/>
+        </p:nvSpPr>
+        <p:spPr>
+          <a:xfrm>
+            <a:off x="1161999" y="4143243"/>
+            <a:ext cx="3507104" cy="654689"/>
+          </a:xfrm>
+          <a:prstGeom prst="rect">
+            <a:avLst/>
+          </a:prstGeom>
+          <a:solidFill>
+            <a:schemeClr val="bg1"/>
+          </a:solidFill>
+          <a:ln>
+            <a:solidFill>
+              <a:schemeClr val="tx1"/>
+            </a:solidFill>
+          </a:ln>
+        </p:spPr>
+        <p:style>
+          <a:lnRef idx="3">
+            <a:schemeClr val="lt1"/>
+          </a:lnRef>
+          <a:fillRef idx="1">
+            <a:schemeClr val="accent5"/>
+          </a:fillRef>
+          <a:effectRef idx="1">
+            <a:schemeClr val="accent5"/>
+          </a:effectRef>
+          <a:fontRef idx="minor">
+            <a:schemeClr val="lt1"/>
+          </a:fontRef>
+        </p:style>
+        <p:txBody>
+          <a:bodyPr rtlCol="0" anchor="ctr"/>
+          <a:lstStyle/>
+          <a:p>
+            <a:pPr algn="ctr"/>
+            <a:r>
+              <a:rPr lang="en-US" sz="2311" dirty="0">
+                <a:solidFill>
+                  <a:schemeClr val="tx1"/>
+                </a:solidFill>
+              </a:rPr>
+              <a:t>Fully Connected Layer (64,64)</a:t>
+            </a:r>
+          </a:p>
+        </p:txBody>
+      </p:sp>
+      <p:sp>
+        <p:nvSpPr>
+          <p:cNvPr id="9" name="Rectangle 8">
+            <a:extLst>
+              <a:ext uri="{FF2B5EF4-FFF2-40B4-BE49-F238E27FC236}">
+                <a16:creationId xmlns:a16="http://schemas.microsoft.com/office/drawing/2014/main" id="{276F03E6-BF21-451E-36EC-38E6692031D4}"/>
+              </a:ext>
+            </a:extLst>
+          </p:cNvPr>
+          <p:cNvSpPr/>
+          <p:nvPr/>
+        </p:nvSpPr>
+        <p:spPr>
+          <a:xfrm>
+            <a:off x="1161988" y="5278093"/>
+            <a:ext cx="3507104" cy="654689"/>
+          </a:xfrm>
+          <a:prstGeom prst="rect">
+            <a:avLst/>
+          </a:prstGeom>
+          <a:solidFill>
+            <a:schemeClr val="bg1"/>
+          </a:solidFill>
+          <a:ln>
+            <a:solidFill>
+              <a:schemeClr val="tx1"/>
+            </a:solidFill>
+          </a:ln>
+        </p:spPr>
+        <p:style>
+          <a:lnRef idx="3">
+            <a:schemeClr val="lt1"/>
+          </a:lnRef>
+          <a:fillRef idx="1">
+            <a:schemeClr val="accent5"/>
+          </a:fillRef>
+          <a:effectRef idx="1">
+            <a:schemeClr val="accent5"/>
+          </a:effectRef>
+          <a:fontRef idx="minor">
+            <a:schemeClr val="lt1"/>
+          </a:fontRef>
+        </p:style>
+        <p:txBody>
+          <a:bodyPr rtlCol="0" anchor="ctr"/>
+          <a:lstStyle/>
+          <a:p>
+            <a:pPr algn="ctr"/>
+            <a:r>
+              <a:rPr lang="en-US" sz="2311" dirty="0">
+                <a:solidFill>
+                  <a:schemeClr val="tx1"/>
+                </a:solidFill>
+              </a:rPr>
+              <a:t>Fully Connected Layer (64,1) or (64+9,1)</a:t>
+            </a:r>
+          </a:p>
+        </p:txBody>
+      </p:sp>
+      <p:grpSp>
+        <p:nvGrpSpPr>
+          <p:cNvPr id="13" name="Group 12">
+            <a:extLst>
+              <a:ext uri="{FF2B5EF4-FFF2-40B4-BE49-F238E27FC236}">
+                <a16:creationId xmlns:a16="http://schemas.microsoft.com/office/drawing/2014/main" id="{A5071A11-F66D-C067-7DA8-64659CA989F0}"/>
+              </a:ext>
+            </a:extLst>
+          </p:cNvPr>
+          <p:cNvGrpSpPr/>
+          <p:nvPr/>
+        </p:nvGrpSpPr>
+        <p:grpSpPr>
+          <a:xfrm>
+            <a:off x="1406808" y="1917017"/>
+            <a:ext cx="1508751" cy="1193928"/>
+            <a:chOff x="4706190" y="591300"/>
+            <a:chExt cx="1389814" cy="890543"/>
+          </a:xfrm>
+        </p:grpSpPr>
+        <p:cxnSp>
+          <p:nvCxnSpPr>
+            <p:cNvPr id="11" name="Straight Arrow Connector 10">
+              <a:extLst>
+                <a:ext uri="{FF2B5EF4-FFF2-40B4-BE49-F238E27FC236}">
+                  <a16:creationId xmlns:a16="http://schemas.microsoft.com/office/drawing/2014/main" id="{9097FF47-971E-6796-0C03-B34B4338CD3C}"/>
+                </a:ext>
+              </a:extLst>
+            </p:cNvPr>
+            <p:cNvCxnSpPr>
+              <a:cxnSpLocks/>
+              <a:stCxn id="4" idx="2"/>
+              <a:endCxn id="5" idx="0"/>
+            </p:cNvCxnSpPr>
+            <p:nvPr/>
+          </p:nvCxnSpPr>
+          <p:spPr>
+            <a:xfrm>
+              <a:off x="4706192" y="1065044"/>
+              <a:ext cx="1389812" cy="416799"/>
+            </a:xfrm>
+            <a:prstGeom prst="straightConnector1">
+              <a:avLst/>
+            </a:prstGeom>
+            <a:ln w="28575">
+              <a:solidFill>
+                <a:schemeClr val="tx1"/>
+              </a:solidFill>
+              <a:tailEnd type="triangle"/>
+            </a:ln>
+          </p:spPr>
+          <p:style>
+            <a:lnRef idx="1">
+              <a:schemeClr val="accent1"/>
+            </a:lnRef>
+            <a:fillRef idx="0">
+              <a:schemeClr val="accent1"/>
+            </a:fillRef>
+            <a:effectRef idx="0">
+              <a:schemeClr val="accent1"/>
+            </a:effectRef>
+            <a:fontRef idx="minor">
+              <a:schemeClr val="tx1"/>
+            </a:fontRef>
+          </p:style>
+        </p:cxnSp>
+        <p:cxnSp>
+          <p:nvCxnSpPr>
+            <p:cNvPr id="78" name="Straight Arrow Connector 77">
+              <a:extLst>
+                <a:ext uri="{FF2B5EF4-FFF2-40B4-BE49-F238E27FC236}">
+                  <a16:creationId xmlns:a16="http://schemas.microsoft.com/office/drawing/2014/main" id="{85A31864-1DEF-CE12-C3A0-D959187D87AA}"/>
+                </a:ext>
+              </a:extLst>
+            </p:cNvPr>
+            <p:cNvCxnSpPr>
+              <a:cxnSpLocks/>
+              <a:stCxn id="82" idx="2"/>
+              <a:endCxn id="4" idx="0"/>
+            </p:cNvCxnSpPr>
+            <p:nvPr/>
+          </p:nvCxnSpPr>
+          <p:spPr>
+            <a:xfrm>
+              <a:off x="4706190" y="591300"/>
+              <a:ext cx="0" cy="187982"/>
+            </a:xfrm>
+            <a:prstGeom prst="straightConnector1">
+              <a:avLst/>
+            </a:prstGeom>
+            <a:ln w="28575">
+              <a:solidFill>
+                <a:schemeClr val="tx1"/>
+              </a:solidFill>
+              <a:tailEnd type="triangle"/>
+            </a:ln>
+          </p:spPr>
+          <p:style>
+            <a:lnRef idx="1">
+              <a:schemeClr val="accent1"/>
+            </a:lnRef>
+            <a:fillRef idx="0">
+              <a:schemeClr val="accent1"/>
+            </a:fillRef>
+            <a:effectRef idx="0">
+              <a:schemeClr val="accent1"/>
+            </a:effectRef>
+            <a:fontRef idx="minor">
+              <a:schemeClr val="tx1"/>
+            </a:fontRef>
+          </p:style>
+        </p:cxnSp>
+      </p:grpSp>
+      <p:cxnSp>
+        <p:nvCxnSpPr>
+          <p:cNvPr id="33" name="Straight Arrow Connector 32">
+            <a:extLst>
+              <a:ext uri="{FF2B5EF4-FFF2-40B4-BE49-F238E27FC236}">
+                <a16:creationId xmlns:a16="http://schemas.microsoft.com/office/drawing/2014/main" id="{F5B8ABB3-0228-22D0-DB53-37F13A9AFD8C}"/>
+              </a:ext>
+            </a:extLst>
+          </p:cNvPr>
+          <p:cNvCxnSpPr>
+            <a:cxnSpLocks/>
+            <a:stCxn id="8" idx="2"/>
+            <a:endCxn id="9" idx="0"/>
+          </p:cNvCxnSpPr>
+          <p:nvPr/>
+        </p:nvCxnSpPr>
+        <p:spPr>
+          <a:xfrm flipH="1">
+            <a:off x="2915540" y="4797932"/>
+            <a:ext cx="11" cy="480161"/>
+          </a:xfrm>
+          <a:prstGeom prst="straightConnector1">
+            <a:avLst/>
+          </a:prstGeom>
+          <a:ln w="28575">
+            <a:solidFill>
+              <a:schemeClr val="tx1"/>
+            </a:solidFill>
+            <a:tailEnd type="triangle"/>
+          </a:ln>
+        </p:spPr>
+        <p:style>
+          <a:lnRef idx="1">
+            <a:schemeClr val="accent1"/>
+          </a:lnRef>
+          <a:fillRef idx="0">
+            <a:schemeClr val="accent1"/>
+          </a:fillRef>
+          <a:effectRef idx="0">
+            <a:schemeClr val="accent1"/>
+          </a:effectRef>
+          <a:fontRef idx="minor">
+            <a:schemeClr val="tx1"/>
+          </a:fontRef>
+        </p:style>
+      </p:cxnSp>
+      <p:sp>
+        <p:nvSpPr>
+          <p:cNvPr id="34" name="TextBox 33">
+            <a:extLst>
+              <a:ext uri="{FF2B5EF4-FFF2-40B4-BE49-F238E27FC236}">
+                <a16:creationId xmlns:a16="http://schemas.microsoft.com/office/drawing/2014/main" id="{03CCE204-FF69-9827-A89E-BDDCBC929523}"/>
+              </a:ext>
+            </a:extLst>
+          </p:cNvPr>
+          <p:cNvSpPr txBox="1"/>
+          <p:nvPr/>
+        </p:nvSpPr>
+        <p:spPr>
+          <a:xfrm>
+            <a:off x="2197451" y="4889938"/>
+            <a:ext cx="805155" cy="333217"/>
+          </a:xfrm>
+          <a:prstGeom prst="rect">
+            <a:avLst/>
+          </a:prstGeom>
+          <a:noFill/>
+        </p:spPr>
+        <p:txBody>
+          <a:bodyPr wrap="square" rtlCol="0">
+            <a:spAutoFit/>
+          </a:bodyPr>
+          <a:lstStyle/>
+          <a:p>
+            <a:r>
+              <a:rPr lang="en-US" sz="1733" dirty="0" err="1"/>
+              <a:t>ReLU</a:t>
+            </a:r>
+            <a:endParaRPr lang="en-US" sz="1733" dirty="0"/>
+          </a:p>
+        </p:txBody>
+      </p:sp>
+      <p:sp>
+        <p:nvSpPr>
+          <p:cNvPr id="99" name="TextBox 98">
+            <a:extLst>
+              <a:ext uri="{FF2B5EF4-FFF2-40B4-BE49-F238E27FC236}">
+                <a16:creationId xmlns:a16="http://schemas.microsoft.com/office/drawing/2014/main" id="{D4F87652-C423-416E-3CDB-715D7EB2809D}"/>
+              </a:ext>
+            </a:extLst>
+          </p:cNvPr>
+          <p:cNvSpPr txBox="1"/>
+          <p:nvPr/>
+        </p:nvSpPr>
+        <p:spPr>
+          <a:xfrm>
+            <a:off x="2275502" y="6156122"/>
+            <a:ext cx="1305892" cy="492571"/>
+          </a:xfrm>
+          <a:prstGeom prst="rect">
+            <a:avLst/>
+          </a:prstGeom>
+          <a:noFill/>
+        </p:spPr>
+        <p:txBody>
+          <a:bodyPr wrap="square" rtlCol="0">
+            <a:spAutoFit/>
+          </a:bodyPr>
+          <a:lstStyle/>
+          <a:p>
+            <a:pPr algn="ctr"/>
+            <a:r>
+              <a:rPr lang="en-US" sz="2601" dirty="0"/>
+              <a:t>output</a:t>
+            </a:r>
+          </a:p>
+        </p:txBody>
+      </p:sp>
+      <p:sp>
+        <p:nvSpPr>
+          <p:cNvPr id="82" name="TextBox 81">
+            <a:extLst>
+              <a:ext uri="{FF2B5EF4-FFF2-40B4-BE49-F238E27FC236}">
+                <a16:creationId xmlns:a16="http://schemas.microsoft.com/office/drawing/2014/main" id="{5DD067DB-9AA2-7833-E0AC-2DD81C5DD039}"/>
+              </a:ext>
+            </a:extLst>
+          </p:cNvPr>
+          <p:cNvSpPr txBox="1"/>
+          <p:nvPr/>
+        </p:nvSpPr>
+        <p:spPr>
+          <a:xfrm>
+            <a:off x="0" y="1459832"/>
+            <a:ext cx="2813620" cy="457184"/>
+          </a:xfrm>
+          <a:prstGeom prst="rect">
+            <a:avLst/>
+          </a:prstGeom>
+          <a:noFill/>
+        </p:spPr>
+        <p:txBody>
+          <a:bodyPr wrap="square" rtlCol="0">
+            <a:spAutoFit/>
+          </a:bodyPr>
+          <a:lstStyle/>
+          <a:p>
+            <a:pPr algn="ctr"/>
+            <a:r>
+              <a:rPr lang="en-US" sz="2601" dirty="0"/>
+              <a:t>X1</a:t>
+            </a:r>
+          </a:p>
+        </p:txBody>
+      </p:sp>
+      <p:cxnSp>
+        <p:nvCxnSpPr>
+          <p:cNvPr id="96" name="Straight Arrow Connector 95">
+            <a:extLst>
+              <a:ext uri="{FF2B5EF4-FFF2-40B4-BE49-F238E27FC236}">
+                <a16:creationId xmlns:a16="http://schemas.microsoft.com/office/drawing/2014/main" id="{71AB546C-F66A-47A9-6FD6-90CFEBF9A390}"/>
+              </a:ext>
+            </a:extLst>
+          </p:cNvPr>
+          <p:cNvCxnSpPr>
+            <a:cxnSpLocks/>
+            <a:stCxn id="9" idx="2"/>
+          </p:cNvCxnSpPr>
+          <p:nvPr/>
+        </p:nvCxnSpPr>
+        <p:spPr>
+          <a:xfrm>
+            <a:off x="2915540" y="5932782"/>
+            <a:ext cx="0" cy="310826"/>
+          </a:xfrm>
+          <a:prstGeom prst="straightConnector1">
+            <a:avLst/>
+          </a:prstGeom>
+          <a:ln w="28575">
+            <a:solidFill>
+              <a:schemeClr val="tx1"/>
+            </a:solidFill>
+            <a:tailEnd type="triangle"/>
+          </a:ln>
+        </p:spPr>
+        <p:style>
+          <a:lnRef idx="1">
+            <a:schemeClr val="accent1"/>
+          </a:lnRef>
+          <a:fillRef idx="0">
+            <a:schemeClr val="accent1"/>
+          </a:fillRef>
+          <a:effectRef idx="0">
+            <a:schemeClr val="accent1"/>
+          </a:effectRef>
+          <a:fontRef idx="minor">
+            <a:schemeClr val="tx1"/>
+          </a:fontRef>
+        </p:style>
+      </p:cxnSp>
+      <p:sp>
+        <p:nvSpPr>
+          <p:cNvPr id="37" name="Rectangle 36">
+            <a:extLst>
+              <a:ext uri="{FF2B5EF4-FFF2-40B4-BE49-F238E27FC236}">
+                <a16:creationId xmlns:a16="http://schemas.microsoft.com/office/drawing/2014/main" id="{67975EFE-9F3C-7CB7-B0B3-F0FACA3E6A32}"/>
+              </a:ext>
+            </a:extLst>
+          </p:cNvPr>
+          <p:cNvSpPr/>
+          <p:nvPr/>
+        </p:nvSpPr>
+        <p:spPr>
+          <a:xfrm>
+            <a:off x="3129134" y="2169037"/>
+            <a:ext cx="2386438" cy="383115"/>
+          </a:xfrm>
+          <a:prstGeom prst="rect">
+            <a:avLst/>
+          </a:prstGeom>
+          <a:solidFill>
+            <a:schemeClr val="bg1"/>
+          </a:solidFill>
+          <a:ln>
+            <a:solidFill>
+              <a:schemeClr val="tx1"/>
+            </a:solidFill>
+          </a:ln>
+        </p:spPr>
+        <p:style>
+          <a:lnRef idx="3">
+            <a:schemeClr val="lt1"/>
+          </a:lnRef>
+          <a:fillRef idx="1">
+            <a:schemeClr val="accent5"/>
+          </a:fillRef>
+          <a:effectRef idx="1">
+            <a:schemeClr val="accent5"/>
+          </a:effectRef>
+          <a:fontRef idx="minor">
+            <a:schemeClr val="lt1"/>
+          </a:fontRef>
+        </p:style>
+        <p:txBody>
+          <a:bodyPr rtlCol="0" anchor="ctr"/>
+          <a:lstStyle/>
+          <a:p>
+            <a:pPr algn="ctr"/>
+            <a:r>
+              <a:rPr lang="en-US" sz="2311" dirty="0" err="1">
+                <a:solidFill>
+                  <a:schemeClr val="tx1"/>
+                </a:solidFill>
+              </a:rPr>
+              <a:t>ViT</a:t>
+            </a:r>
+            <a:r>
+              <a:rPr lang="en-US" sz="2311" dirty="0">
+                <a:solidFill>
+                  <a:schemeClr val="tx1"/>
+                </a:solidFill>
+              </a:rPr>
+              <a:t> (100,32)</a:t>
+            </a:r>
+          </a:p>
+        </p:txBody>
+      </p:sp>
+      <p:sp>
+        <p:nvSpPr>
+          <p:cNvPr id="44" name="TextBox 43">
+            <a:extLst>
+              <a:ext uri="{FF2B5EF4-FFF2-40B4-BE49-F238E27FC236}">
+                <a16:creationId xmlns:a16="http://schemas.microsoft.com/office/drawing/2014/main" id="{F28D27DA-5DE5-EA00-EB68-8FB4CFF06142}"/>
+              </a:ext>
+            </a:extLst>
+          </p:cNvPr>
+          <p:cNvSpPr txBox="1"/>
+          <p:nvPr/>
+        </p:nvSpPr>
+        <p:spPr>
+          <a:xfrm>
+            <a:off x="2915543" y="1459831"/>
+            <a:ext cx="2813620" cy="457184"/>
+          </a:xfrm>
+          <a:prstGeom prst="rect">
+            <a:avLst/>
+          </a:prstGeom>
+          <a:noFill/>
+        </p:spPr>
+        <p:txBody>
+          <a:bodyPr wrap="square" rtlCol="0">
+            <a:spAutoFit/>
+          </a:bodyPr>
+          <a:lstStyle/>
+          <a:p>
+            <a:pPr algn="ctr"/>
+            <a:r>
+              <a:rPr lang="en-US" sz="2601" dirty="0"/>
+              <a:t>X1</a:t>
+            </a:r>
+          </a:p>
+        </p:txBody>
+      </p:sp>
+      <p:cxnSp>
+        <p:nvCxnSpPr>
+          <p:cNvPr id="46" name="Straight Arrow Connector 45">
+            <a:extLst>
+              <a:ext uri="{FF2B5EF4-FFF2-40B4-BE49-F238E27FC236}">
+                <a16:creationId xmlns:a16="http://schemas.microsoft.com/office/drawing/2014/main" id="{5966EBB2-EDD9-0D39-51AA-4FC6DC1009F7}"/>
+              </a:ext>
+            </a:extLst>
+          </p:cNvPr>
+          <p:cNvCxnSpPr>
+            <a:cxnSpLocks/>
+            <a:stCxn id="44" idx="2"/>
+            <a:endCxn id="37" idx="0"/>
+          </p:cNvCxnSpPr>
+          <p:nvPr/>
+        </p:nvCxnSpPr>
+        <p:spPr>
+          <a:xfrm>
+            <a:off x="4322353" y="1917015"/>
+            <a:ext cx="0" cy="252022"/>
+          </a:xfrm>
+          <a:prstGeom prst="straightConnector1">
+            <a:avLst/>
+          </a:prstGeom>
+          <a:ln w="28575">
+            <a:solidFill>
+              <a:schemeClr val="tx1"/>
+            </a:solidFill>
+            <a:tailEnd type="triangle"/>
+          </a:ln>
+        </p:spPr>
+        <p:style>
+          <a:lnRef idx="1">
+            <a:schemeClr val="accent1"/>
+          </a:lnRef>
+          <a:fillRef idx="0">
+            <a:schemeClr val="accent1"/>
+          </a:fillRef>
+          <a:effectRef idx="0">
+            <a:schemeClr val="accent1"/>
+          </a:effectRef>
+          <a:fontRef idx="minor">
+            <a:schemeClr val="tx1"/>
+          </a:fontRef>
+        </p:style>
+      </p:cxnSp>
+      <p:cxnSp>
+        <p:nvCxnSpPr>
+          <p:cNvPr id="50" name="Straight Arrow Connector 49">
+            <a:extLst>
+              <a:ext uri="{FF2B5EF4-FFF2-40B4-BE49-F238E27FC236}">
+                <a16:creationId xmlns:a16="http://schemas.microsoft.com/office/drawing/2014/main" id="{07E31B67-C219-A8A3-C140-043DFA5AAF9A}"/>
+              </a:ext>
+            </a:extLst>
+          </p:cNvPr>
+          <p:cNvCxnSpPr>
+            <a:cxnSpLocks/>
+            <a:stCxn id="37" idx="2"/>
+            <a:endCxn id="5" idx="0"/>
+          </p:cNvCxnSpPr>
+          <p:nvPr/>
+        </p:nvCxnSpPr>
+        <p:spPr>
+          <a:xfrm flipH="1">
+            <a:off x="2915559" y="2552152"/>
+            <a:ext cx="1406794" cy="558792"/>
+          </a:xfrm>
+          <a:prstGeom prst="straightConnector1">
+            <a:avLst/>
+          </a:prstGeom>
+          <a:ln w="28575">
+            <a:solidFill>
+              <a:schemeClr val="tx1"/>
+            </a:solidFill>
+            <a:tailEnd type="triangle"/>
+          </a:ln>
+        </p:spPr>
+        <p:style>
+          <a:lnRef idx="1">
+            <a:schemeClr val="accent1"/>
+          </a:lnRef>
+          <a:fillRef idx="0">
+            <a:schemeClr val="accent1"/>
+          </a:fillRef>
+          <a:effectRef idx="0">
+            <a:schemeClr val="accent1"/>
+          </a:effectRef>
+          <a:fontRef idx="minor">
+            <a:schemeClr val="tx1"/>
+          </a:fontRef>
+        </p:style>
+      </p:cxnSp>
+      <p:cxnSp>
+        <p:nvCxnSpPr>
+          <p:cNvPr id="58" name="Straight Arrow Connector 57">
+            <a:extLst>
+              <a:ext uri="{FF2B5EF4-FFF2-40B4-BE49-F238E27FC236}">
+                <a16:creationId xmlns:a16="http://schemas.microsoft.com/office/drawing/2014/main" id="{F7B62541-1FEB-017C-E2EB-1DD22647108C}"/>
+              </a:ext>
+            </a:extLst>
+          </p:cNvPr>
+          <p:cNvCxnSpPr>
+            <a:cxnSpLocks/>
+            <a:stCxn id="5" idx="2"/>
+            <a:endCxn id="8" idx="0"/>
+          </p:cNvCxnSpPr>
+          <p:nvPr/>
+        </p:nvCxnSpPr>
+        <p:spPr>
+          <a:xfrm flipH="1">
+            <a:off x="2915551" y="3919903"/>
+            <a:ext cx="8" cy="223340"/>
+          </a:xfrm>
+          <a:prstGeom prst="straightConnector1">
+            <a:avLst/>
+          </a:prstGeom>
+          <a:ln w="28575">
+            <a:solidFill>
+              <a:schemeClr val="tx1"/>
+            </a:solidFill>
+            <a:tailEnd type="triangle"/>
+          </a:ln>
+        </p:spPr>
+        <p:style>
+          <a:lnRef idx="1">
+            <a:schemeClr val="accent1"/>
+          </a:lnRef>
+          <a:fillRef idx="0">
+            <a:schemeClr val="accent1"/>
+          </a:fillRef>
+          <a:effectRef idx="0">
+            <a:schemeClr val="accent1"/>
+          </a:effectRef>
+          <a:fontRef idx="minor">
+            <a:schemeClr val="tx1"/>
+          </a:fontRef>
+        </p:style>
+      </p:cxnSp>
+      <p:sp>
+        <p:nvSpPr>
+          <p:cNvPr id="79" name="TextBox 78">
+            <a:extLst>
+              <a:ext uri="{FF2B5EF4-FFF2-40B4-BE49-F238E27FC236}">
+                <a16:creationId xmlns:a16="http://schemas.microsoft.com/office/drawing/2014/main" id="{A85E0394-A088-1187-717C-171ED29B981C}"/>
+              </a:ext>
+            </a:extLst>
+          </p:cNvPr>
+          <p:cNvSpPr txBox="1"/>
+          <p:nvPr/>
+        </p:nvSpPr>
+        <p:spPr>
+          <a:xfrm>
+            <a:off x="5198319" y="5073234"/>
+            <a:ext cx="1305892" cy="892809"/>
+          </a:xfrm>
+          <a:prstGeom prst="rect">
+            <a:avLst/>
+          </a:prstGeom>
+          <a:noFill/>
+        </p:spPr>
+        <p:txBody>
+          <a:bodyPr wrap="square" rtlCol="0">
+            <a:spAutoFit/>
+          </a:bodyPr>
+          <a:lstStyle/>
+          <a:p>
+            <a:pPr algn="ctr"/>
+            <a:r>
+              <a:rPr lang="en-US" sz="2601" dirty="0" err="1"/>
+              <a:t>Meteo</a:t>
+            </a:r>
+            <a:r>
+              <a:rPr lang="en-US" sz="2601" dirty="0"/>
+              <a:t> data</a:t>
+            </a:r>
+          </a:p>
+        </p:txBody>
+      </p:sp>
+      <p:cxnSp>
+        <p:nvCxnSpPr>
+          <p:cNvPr id="100" name="Elbow Connector 99">
+            <a:extLst>
+              <a:ext uri="{FF2B5EF4-FFF2-40B4-BE49-F238E27FC236}">
+                <a16:creationId xmlns:a16="http://schemas.microsoft.com/office/drawing/2014/main" id="{FC5FEE8C-402F-96A0-1EDF-85508E26D438}"/>
+              </a:ext>
+            </a:extLst>
+          </p:cNvPr>
+          <p:cNvCxnSpPr>
+            <a:cxnSpLocks/>
+            <a:stCxn id="79" idx="0"/>
+          </p:cNvCxnSpPr>
+          <p:nvPr/>
+        </p:nvCxnSpPr>
+        <p:spPr>
+          <a:xfrm rot="16200000" flipV="1">
+            <a:off x="3906106" y="3128074"/>
+            <a:ext cx="1041661" cy="2848659"/>
+          </a:xfrm>
+          <a:prstGeom prst="bentConnector2">
+            <a:avLst/>
+          </a:prstGeom>
+          <a:ln w="25400">
+            <a:prstDash val="sysDash"/>
+            <a:tailEnd type="triangle"/>
+          </a:ln>
+        </p:spPr>
+        <p:style>
+          <a:lnRef idx="1">
+            <a:schemeClr val="dk1"/>
+          </a:lnRef>
+          <a:fillRef idx="0">
+            <a:schemeClr val="dk1"/>
+          </a:fillRef>
+          <a:effectRef idx="0">
+            <a:schemeClr val="dk1"/>
+          </a:effectRef>
+          <a:fontRef idx="minor">
+            <a:schemeClr val="tx1"/>
+          </a:fontRef>
+        </p:style>
+      </p:cxnSp>
+      <p:cxnSp>
+        <p:nvCxnSpPr>
+          <p:cNvPr id="104" name="Elbow Connector 103">
+            <a:extLst>
+              <a:ext uri="{FF2B5EF4-FFF2-40B4-BE49-F238E27FC236}">
+                <a16:creationId xmlns:a16="http://schemas.microsoft.com/office/drawing/2014/main" id="{F8B1B788-0E6B-6D23-6FB5-60BABD7DEA45}"/>
+              </a:ext>
+            </a:extLst>
+          </p:cNvPr>
+          <p:cNvCxnSpPr>
+            <a:cxnSpLocks/>
+            <a:stCxn id="79" idx="2"/>
+            <a:endCxn id="34" idx="3"/>
+          </p:cNvCxnSpPr>
+          <p:nvPr/>
+        </p:nvCxnSpPr>
+        <p:spPr>
+          <a:xfrm rot="5400000" flipH="1">
+            <a:off x="3972188" y="4086966"/>
+            <a:ext cx="909496" cy="2848659"/>
+          </a:xfrm>
+          <a:prstGeom prst="bentConnector4">
+            <a:avLst>
+              <a:gd name="adj1" fmla="val -25135"/>
+              <a:gd name="adj2" fmla="val 34117"/>
+            </a:avLst>
+          </a:prstGeom>
+          <a:ln w="25400">
+            <a:prstDash val="sysDash"/>
+            <a:tailEnd type="triangle"/>
+          </a:ln>
+        </p:spPr>
+        <p:style>
+          <a:lnRef idx="1">
+            <a:schemeClr val="dk1"/>
+          </a:lnRef>
+          <a:fillRef idx="0">
+            <a:schemeClr val="dk1"/>
+          </a:fillRef>
+          <a:effectRef idx="0">
+            <a:schemeClr val="dk1"/>
+          </a:effectRef>
+          <a:fontRef idx="minor">
+            <a:schemeClr val="tx1"/>
+          </a:fontRef>
+        </p:style>
+      </p:cxnSp>
+    </p:spTree>
+    <p:extLst>
+      <p:ext uri="{BB962C8B-B14F-4D97-AF65-F5344CB8AC3E}">
+        <p14:creationId xmlns:p14="http://schemas.microsoft.com/office/powerpoint/2010/main" val="962494950"/>
+      </p:ext>
+    </p:extLst>
+  </p:cSld>
+  <p:clrMapOvr>
+    <a:masterClrMapping/>
+  </p:clrMapOvr>
+</p:sld>
+</file>
+
 <file path=ppt/theme/theme1.xml><?xml version="1.0" encoding="utf-8"?>
 <a:theme xmlns:a="http://schemas.openxmlformats.org/drawingml/2006/main" name="Office Theme">
   <a:themeElements>

--- a/Model-schematics.pptx
+++ b/Model-schematics.pptx
@@ -15801,65 +15801,6 @@
       </p:sp>
       <p:sp>
         <p:nvSpPr>
-          <p:cNvPr id="5" name="Rectangle 4">
-            <a:extLst>
-              <a:ext uri="{FF2B5EF4-FFF2-40B4-BE49-F238E27FC236}">
-                <a16:creationId xmlns:a16="http://schemas.microsoft.com/office/drawing/2014/main" id="{0FC3D960-B4B5-5D5D-94A6-3AABB82D4DDA}"/>
-              </a:ext>
-            </a:extLst>
-          </p:cNvPr>
-          <p:cNvSpPr/>
-          <p:nvPr/>
-        </p:nvSpPr>
-        <p:spPr>
-          <a:xfrm>
-            <a:off x="1162007" y="3110944"/>
-            <a:ext cx="3507104" cy="808959"/>
-          </a:xfrm>
-          <a:prstGeom prst="rect">
-            <a:avLst/>
-          </a:prstGeom>
-          <a:solidFill>
-            <a:schemeClr val="bg1"/>
-          </a:solidFill>
-          <a:ln>
-            <a:solidFill>
-              <a:schemeClr val="tx1"/>
-            </a:solidFill>
-          </a:ln>
-        </p:spPr>
-        <p:style>
-          <a:lnRef idx="3">
-            <a:schemeClr val="lt1"/>
-          </a:lnRef>
-          <a:fillRef idx="1">
-            <a:schemeClr val="accent5"/>
-          </a:fillRef>
-          <a:effectRef idx="1">
-            <a:schemeClr val="accent5"/>
-          </a:effectRef>
-          <a:fontRef idx="minor">
-            <a:schemeClr val="lt1"/>
-          </a:fontRef>
-        </p:style>
-        <p:txBody>
-          <a:bodyPr rtlCol="0" anchor="ctr"/>
-          <a:lstStyle/>
-          <a:p>
-            <a:pPr algn="ctr"/>
-            <a:r>
-              <a:rPr lang="en-US" sz="2311" dirty="0">
-                <a:solidFill>
-                  <a:schemeClr val="tx1"/>
-                </a:solidFill>
-              </a:rPr>
-              <a:t>Fully Connected Layer (64,16)</a:t>
-            </a:r>
-          </a:p>
-        </p:txBody>
-      </p:sp>
-      <p:sp>
-        <p:nvSpPr>
           <p:cNvPr id="8" name="Rectangle 7">
             <a:extLst>
               <a:ext uri="{FF2B5EF4-FFF2-40B4-BE49-F238E27FC236}">
@@ -15976,119 +15917,97 @@
           </a:p>
         </p:txBody>
       </p:sp>
-      <p:grpSp>
-        <p:nvGrpSpPr>
-          <p:cNvPr id="13" name="Group 12">
+      <p:cxnSp>
+        <p:nvCxnSpPr>
+          <p:cNvPr id="11" name="Straight Arrow Connector 10">
             <a:extLst>
               <a:ext uri="{FF2B5EF4-FFF2-40B4-BE49-F238E27FC236}">
-                <a16:creationId xmlns:a16="http://schemas.microsoft.com/office/drawing/2014/main" id="{A5071A11-F66D-C067-7DA8-64659CA989F0}"/>
+                <a16:creationId xmlns:a16="http://schemas.microsoft.com/office/drawing/2014/main" id="{9097FF47-971E-6796-0C03-B34B4338CD3C}"/>
               </a:ext>
             </a:extLst>
           </p:cNvPr>
-          <p:cNvGrpSpPr/>
+          <p:cNvCxnSpPr>
+            <a:cxnSpLocks/>
+            <a:stCxn id="4" idx="2"/>
+          </p:cNvCxnSpPr>
           <p:nvPr/>
-        </p:nvGrpSpPr>
-        <p:grpSpPr>
+        </p:nvCxnSpPr>
+        <p:spPr>
+          <a:xfrm>
+            <a:off x="1406810" y="2552153"/>
+            <a:ext cx="1495852" cy="1367750"/>
+          </a:xfrm>
+          <a:prstGeom prst="straightConnector1">
+            <a:avLst/>
+          </a:prstGeom>
+          <a:ln w="28575">
+            <a:solidFill>
+              <a:schemeClr val="tx1"/>
+            </a:solidFill>
+            <a:tailEnd type="triangle"/>
+          </a:ln>
+        </p:spPr>
+        <p:style>
+          <a:lnRef idx="1">
+            <a:schemeClr val="accent1"/>
+          </a:lnRef>
+          <a:fillRef idx="0">
+            <a:schemeClr val="accent1"/>
+          </a:fillRef>
+          <a:effectRef idx="0">
+            <a:schemeClr val="accent1"/>
+          </a:effectRef>
+          <a:fontRef idx="minor">
+            <a:schemeClr val="tx1"/>
+          </a:fontRef>
+        </p:style>
+      </p:cxnSp>
+      <p:cxnSp>
+        <p:nvCxnSpPr>
+          <p:cNvPr id="78" name="Straight Arrow Connector 77">
+            <a:extLst>
+              <a:ext uri="{FF2B5EF4-FFF2-40B4-BE49-F238E27FC236}">
+                <a16:creationId xmlns:a16="http://schemas.microsoft.com/office/drawing/2014/main" id="{85A31864-1DEF-CE12-C3A0-D959187D87AA}"/>
+              </a:ext>
+            </a:extLst>
+          </p:cNvPr>
+          <p:cNvCxnSpPr>
+            <a:cxnSpLocks/>
+            <a:stCxn id="82" idx="2"/>
+            <a:endCxn id="4" idx="0"/>
+          </p:cNvCxnSpPr>
+          <p:nvPr/>
+        </p:nvCxnSpPr>
+        <p:spPr>
           <a:xfrm>
             <a:off x="1406808" y="1917017"/>
-            <a:ext cx="1508751" cy="1193928"/>
-            <a:chOff x="4706190" y="591300"/>
-            <a:chExt cx="1389814" cy="890543"/>
+            <a:ext cx="0" cy="252023"/>
           </a:xfrm>
-        </p:grpSpPr>
-        <p:cxnSp>
-          <p:nvCxnSpPr>
-            <p:cNvPr id="11" name="Straight Arrow Connector 10">
-              <a:extLst>
-                <a:ext uri="{FF2B5EF4-FFF2-40B4-BE49-F238E27FC236}">
-                  <a16:creationId xmlns:a16="http://schemas.microsoft.com/office/drawing/2014/main" id="{9097FF47-971E-6796-0C03-B34B4338CD3C}"/>
-                </a:ext>
-              </a:extLst>
-            </p:cNvPr>
-            <p:cNvCxnSpPr>
-              <a:cxnSpLocks/>
-              <a:stCxn id="4" idx="2"/>
-              <a:endCxn id="5" idx="0"/>
-            </p:cNvCxnSpPr>
-            <p:nvPr/>
-          </p:nvCxnSpPr>
-          <p:spPr>
-            <a:xfrm>
-              <a:off x="4706192" y="1065044"/>
-              <a:ext cx="1389812" cy="416799"/>
-            </a:xfrm>
-            <a:prstGeom prst="straightConnector1">
-              <a:avLst/>
-            </a:prstGeom>
-            <a:ln w="28575">
-              <a:solidFill>
-                <a:schemeClr val="tx1"/>
-              </a:solidFill>
-              <a:tailEnd type="triangle"/>
-            </a:ln>
-          </p:spPr>
-          <p:style>
-            <a:lnRef idx="1">
-              <a:schemeClr val="accent1"/>
-            </a:lnRef>
-            <a:fillRef idx="0">
-              <a:schemeClr val="accent1"/>
-            </a:fillRef>
-            <a:effectRef idx="0">
-              <a:schemeClr val="accent1"/>
-            </a:effectRef>
-            <a:fontRef idx="minor">
+          <a:prstGeom prst="straightConnector1">
+            <a:avLst/>
+          </a:prstGeom>
+          <a:ln w="28575">
+            <a:solidFill>
               <a:schemeClr val="tx1"/>
-            </a:fontRef>
-          </p:style>
-        </p:cxnSp>
-        <p:cxnSp>
-          <p:nvCxnSpPr>
-            <p:cNvPr id="78" name="Straight Arrow Connector 77">
-              <a:extLst>
-                <a:ext uri="{FF2B5EF4-FFF2-40B4-BE49-F238E27FC236}">
-                  <a16:creationId xmlns:a16="http://schemas.microsoft.com/office/drawing/2014/main" id="{85A31864-1DEF-CE12-C3A0-D959187D87AA}"/>
-                </a:ext>
-              </a:extLst>
-            </p:cNvPr>
-            <p:cNvCxnSpPr>
-              <a:cxnSpLocks/>
-              <a:stCxn id="82" idx="2"/>
-              <a:endCxn id="4" idx="0"/>
-            </p:cNvCxnSpPr>
-            <p:nvPr/>
-          </p:nvCxnSpPr>
-          <p:spPr>
-            <a:xfrm>
-              <a:off x="4706190" y="591300"/>
-              <a:ext cx="0" cy="187982"/>
-            </a:xfrm>
-            <a:prstGeom prst="straightConnector1">
-              <a:avLst/>
-            </a:prstGeom>
-            <a:ln w="28575">
-              <a:solidFill>
-                <a:schemeClr val="tx1"/>
-              </a:solidFill>
-              <a:tailEnd type="triangle"/>
-            </a:ln>
-          </p:spPr>
-          <p:style>
-            <a:lnRef idx="1">
-              <a:schemeClr val="accent1"/>
-            </a:lnRef>
-            <a:fillRef idx="0">
-              <a:schemeClr val="accent1"/>
-            </a:fillRef>
-            <a:effectRef idx="0">
-              <a:schemeClr val="accent1"/>
-            </a:effectRef>
-            <a:fontRef idx="minor">
-              <a:schemeClr val="tx1"/>
-            </a:fontRef>
-          </p:style>
-        </p:cxnSp>
-      </p:grpSp>
+            </a:solidFill>
+            <a:tailEnd type="triangle"/>
+          </a:ln>
+        </p:spPr>
+        <p:style>
+          <a:lnRef idx="1">
+            <a:schemeClr val="accent1"/>
+          </a:lnRef>
+          <a:fillRef idx="0">
+            <a:schemeClr val="accent1"/>
+          </a:fillRef>
+          <a:effectRef idx="0">
+            <a:schemeClr val="accent1"/>
+          </a:effectRef>
+          <a:fontRef idx="minor">
+            <a:schemeClr val="tx1"/>
+          </a:fontRef>
+        </p:style>
+      </p:cxnSp>
       <p:cxnSp>
         <p:nvCxnSpPr>
           <p:cNvPr id="33" name="Straight Arrow Connector 32">
@@ -16449,14 +16368,13 @@
           <p:cNvCxnSpPr>
             <a:cxnSpLocks/>
             <a:stCxn id="37" idx="2"/>
-            <a:endCxn id="5" idx="0"/>
           </p:cNvCxnSpPr>
           <p:nvPr/>
         </p:nvCxnSpPr>
         <p:spPr>
           <a:xfrm flipH="1">
-            <a:off x="2915559" y="2552152"/>
-            <a:ext cx="1406794" cy="558792"/>
+            <a:off x="2928448" y="2552152"/>
+            <a:ext cx="1393905" cy="1367751"/>
           </a:xfrm>
           <a:prstGeom prst="straightConnector1">
             <a:avLst/>
@@ -16494,7 +16412,6 @@
           </p:cNvPr>
           <p:cNvCxnSpPr>
             <a:cxnSpLocks/>
-            <a:stCxn id="5" idx="2"/>
             <a:endCxn id="8" idx="0"/>
           </p:cNvCxnSpPr>
           <p:nvPr/>

--- a/Model-schematics.pptx
+++ b/Model-schematics.pptx
@@ -249,7 +249,7 @@
           <a:p>
             <a:fld id="{52585953-74D6-4FF4-974B-78B745075B35}" type="datetimeFigureOut">
               <a:rPr lang="en-US" smtClean="0"/>
-              <a:t>12/18/23</a:t>
+              <a:t>12/19/23</a:t>
             </a:fld>
             <a:endParaRPr lang="en-US"/>
           </a:p>
@@ -419,7 +419,7 @@
           <a:p>
             <a:fld id="{52585953-74D6-4FF4-974B-78B745075B35}" type="datetimeFigureOut">
               <a:rPr lang="en-US" smtClean="0"/>
-              <a:t>12/18/23</a:t>
+              <a:t>12/19/23</a:t>
             </a:fld>
             <a:endParaRPr lang="en-US"/>
           </a:p>
@@ -599,7 +599,7 @@
           <a:p>
             <a:fld id="{52585953-74D6-4FF4-974B-78B745075B35}" type="datetimeFigureOut">
               <a:rPr lang="en-US" smtClean="0"/>
-              <a:t>12/18/23</a:t>
+              <a:t>12/19/23</a:t>
             </a:fld>
             <a:endParaRPr lang="en-US"/>
           </a:p>
@@ -769,7 +769,7 @@
           <a:p>
             <a:fld id="{52585953-74D6-4FF4-974B-78B745075B35}" type="datetimeFigureOut">
               <a:rPr lang="en-US" smtClean="0"/>
-              <a:t>12/18/23</a:t>
+              <a:t>12/19/23</a:t>
             </a:fld>
             <a:endParaRPr lang="en-US"/>
           </a:p>
@@ -1013,7 +1013,7 @@
           <a:p>
             <a:fld id="{52585953-74D6-4FF4-974B-78B745075B35}" type="datetimeFigureOut">
               <a:rPr lang="en-US" smtClean="0"/>
-              <a:t>12/18/23</a:t>
+              <a:t>12/19/23</a:t>
             </a:fld>
             <a:endParaRPr lang="en-US"/>
           </a:p>
@@ -1245,7 +1245,7 @@
           <a:p>
             <a:fld id="{52585953-74D6-4FF4-974B-78B745075B35}" type="datetimeFigureOut">
               <a:rPr lang="en-US" smtClean="0"/>
-              <a:t>12/18/23</a:t>
+              <a:t>12/19/23</a:t>
             </a:fld>
             <a:endParaRPr lang="en-US"/>
           </a:p>
@@ -1612,7 +1612,7 @@
           <a:p>
             <a:fld id="{52585953-74D6-4FF4-974B-78B745075B35}" type="datetimeFigureOut">
               <a:rPr lang="en-US" smtClean="0"/>
-              <a:t>12/18/23</a:t>
+              <a:t>12/19/23</a:t>
             </a:fld>
             <a:endParaRPr lang="en-US"/>
           </a:p>
@@ -1730,7 +1730,7 @@
           <a:p>
             <a:fld id="{52585953-74D6-4FF4-974B-78B745075B35}" type="datetimeFigureOut">
               <a:rPr lang="en-US" smtClean="0"/>
-              <a:t>12/18/23</a:t>
+              <a:t>12/19/23</a:t>
             </a:fld>
             <a:endParaRPr lang="en-US"/>
           </a:p>
@@ -1825,7 +1825,7 @@
           <a:p>
             <a:fld id="{52585953-74D6-4FF4-974B-78B745075B35}" type="datetimeFigureOut">
               <a:rPr lang="en-US" smtClean="0"/>
-              <a:t>12/18/23</a:t>
+              <a:t>12/19/23</a:t>
             </a:fld>
             <a:endParaRPr lang="en-US"/>
           </a:p>
@@ -2102,7 +2102,7 @@
           <a:p>
             <a:fld id="{52585953-74D6-4FF4-974B-78B745075B35}" type="datetimeFigureOut">
               <a:rPr lang="en-US" smtClean="0"/>
-              <a:t>12/18/23</a:t>
+              <a:t>12/19/23</a:t>
             </a:fld>
             <a:endParaRPr lang="en-US"/>
           </a:p>
@@ -2359,7 +2359,7 @@
           <a:p>
             <a:fld id="{52585953-74D6-4FF4-974B-78B745075B35}" type="datetimeFigureOut">
               <a:rPr lang="en-US" smtClean="0"/>
-              <a:t>12/18/23</a:t>
+              <a:t>12/19/23</a:t>
             </a:fld>
             <a:endParaRPr lang="en-US"/>
           </a:p>
@@ -2572,7 +2572,7 @@
           <a:p>
             <a:fld id="{52585953-74D6-4FF4-974B-78B745075B35}" type="datetimeFigureOut">
               <a:rPr lang="en-US" smtClean="0"/>
-              <a:t>12/18/23</a:t>
+              <a:t>12/19/23</a:t>
             </a:fld>
             <a:endParaRPr lang="en-US"/>
           </a:p>
@@ -3445,10 +3445,9 @@
               <a:lstStyle/>
               <a:p>
                 <a:r>
-                  <a:rPr lang="en-US" sz="1733" dirty="0" err="1"/>
+                  <a:rPr lang="en-US" sz="1733" dirty="0"/>
                   <a:t>ReLU</a:t>
                 </a:r>
-                <a:endParaRPr lang="en-US" sz="1733" dirty="0"/>
               </a:p>
             </p:txBody>
           </p:sp>
@@ -3594,10 +3593,9 @@
               <a:lstStyle/>
               <a:p>
                 <a:r>
-                  <a:rPr lang="en-US" sz="1733" dirty="0" err="1"/>
+                  <a:rPr lang="en-US" sz="1733" dirty="0"/>
                   <a:t>ReLU</a:t>
                 </a:r>
-                <a:endParaRPr lang="en-US" sz="1733" dirty="0"/>
               </a:p>
             </p:txBody>
           </p:sp>
@@ -3789,10 +3787,9 @@
               <a:lstStyle/>
               <a:p>
                 <a:r>
-                  <a:rPr lang="en-US" sz="1733" dirty="0" err="1"/>
+                  <a:rPr lang="en-US" sz="1733" dirty="0"/>
                   <a:t>ReLU</a:t>
                 </a:r>
-                <a:endParaRPr lang="en-US" sz="1733" dirty="0"/>
               </a:p>
             </p:txBody>
           </p:sp>
@@ -4321,10 +4318,9 @@
             <a:lstStyle/>
             <a:p>
               <a:r>
-                <a:rPr lang="en-US" sz="1100" dirty="0" err="1"/>
+                <a:rPr lang="en-US" sz="1100" dirty="0"/>
                 <a:t>ReLU</a:t>
               </a:r>
-              <a:endParaRPr lang="en-US" sz="1100" dirty="0"/>
             </a:p>
           </p:txBody>
         </p:sp>
@@ -4521,10 +4517,9 @@
             <a:lstStyle/>
             <a:p>
               <a:r>
-                <a:rPr lang="en-US" sz="1100" dirty="0" err="1"/>
+                <a:rPr lang="en-US" sz="1100" dirty="0"/>
                 <a:t>ReLU</a:t>
               </a:r>
-              <a:endParaRPr lang="en-US" sz="1100" dirty="0"/>
             </a:p>
           </p:txBody>
         </p:sp>
@@ -4977,10 +4972,9 @@
             <a:lstStyle/>
             <a:p>
               <a:r>
-                <a:rPr lang="en-US" sz="1100" dirty="0" err="1"/>
+                <a:rPr lang="en-US" sz="1100" dirty="0"/>
                 <a:t>ReLU</a:t>
               </a:r>
-              <a:endParaRPr lang="en-US" sz="1100" dirty="0"/>
             </a:p>
           </p:txBody>
         </p:sp>
@@ -5223,10 +5217,9 @@
             <a:lstStyle/>
             <a:p>
               <a:r>
-                <a:rPr lang="en-US" sz="1100" dirty="0" err="1"/>
+                <a:rPr lang="en-US" sz="1100" dirty="0"/>
                 <a:t>ReLU</a:t>
               </a:r>
-              <a:endParaRPr lang="en-US" sz="1100" dirty="0"/>
             </a:p>
           </p:txBody>
         </p:sp>
@@ -5906,10 +5899,9 @@
             <a:lstStyle/>
             <a:p>
               <a:r>
-                <a:rPr lang="en-US" sz="1100" dirty="0" err="1"/>
+                <a:rPr lang="en-US" sz="1100" dirty="0"/>
                 <a:t>ReLU</a:t>
               </a:r>
-              <a:endParaRPr lang="en-US" sz="1100" dirty="0"/>
             </a:p>
           </p:txBody>
         </p:sp>
@@ -6496,10 +6488,9 @@
             <a:lstStyle/>
             <a:p>
               <a:r>
-                <a:rPr lang="en-US" sz="1100" dirty="0" err="1"/>
+                <a:rPr lang="en-US" sz="1100" dirty="0"/>
                 <a:t>ReLU</a:t>
               </a:r>
-              <a:endParaRPr lang="en-US" sz="1100" dirty="0"/>
             </a:p>
           </p:txBody>
         </p:sp>
@@ -6696,10 +6687,9 @@
             <a:lstStyle/>
             <a:p>
               <a:r>
-                <a:rPr lang="en-US" sz="1100" dirty="0" err="1"/>
+                <a:rPr lang="en-US" sz="1100" dirty="0"/>
                 <a:t>ReLU</a:t>
               </a:r>
-              <a:endParaRPr lang="en-US" sz="1100" dirty="0"/>
             </a:p>
           </p:txBody>
         </p:sp>
@@ -7152,10 +7142,9 @@
             <a:lstStyle/>
             <a:p>
               <a:r>
-                <a:rPr lang="en-US" sz="1100" dirty="0" err="1"/>
+                <a:rPr lang="en-US" sz="1100" dirty="0"/>
                 <a:t>ReLU</a:t>
               </a:r>
-              <a:endParaRPr lang="en-US" sz="1100" dirty="0"/>
             </a:p>
           </p:txBody>
         </p:sp>
@@ -7398,10 +7387,9 @@
             <a:lstStyle/>
             <a:p>
               <a:r>
-                <a:rPr lang="en-US" sz="1100" dirty="0" err="1"/>
+                <a:rPr lang="en-US" sz="1100" dirty="0"/>
                 <a:t>ReLU</a:t>
               </a:r>
-              <a:endParaRPr lang="en-US" sz="1100" dirty="0"/>
             </a:p>
           </p:txBody>
         </p:sp>
@@ -8344,10 +8332,9 @@
           <a:lstStyle/>
           <a:p>
             <a:r>
-              <a:rPr lang="en-US" sz="1100" dirty="0" err="1"/>
+              <a:rPr lang="en-US" sz="1100" dirty="0"/>
               <a:t>ReLU</a:t>
             </a:r>
-            <a:endParaRPr lang="en-US" sz="1100" dirty="0"/>
           </a:p>
         </p:txBody>
       </p:sp>
@@ -8380,10 +8367,9 @@
           <a:lstStyle/>
           <a:p>
             <a:r>
-              <a:rPr lang="en-US" sz="1100" dirty="0" err="1"/>
+              <a:rPr lang="en-US" sz="1100" dirty="0"/>
               <a:t>ReLU</a:t>
             </a:r>
-            <a:endParaRPr lang="en-US" sz="1100" dirty="0"/>
           </a:p>
         </p:txBody>
       </p:sp>
@@ -8416,10 +8402,9 @@
           <a:lstStyle/>
           <a:p>
             <a:r>
-              <a:rPr lang="en-US" sz="1100" dirty="0" err="1"/>
+              <a:rPr lang="en-US" sz="1100" dirty="0"/>
               <a:t>ReLU</a:t>
             </a:r>
-            <a:endParaRPr lang="en-US" sz="1100" dirty="0"/>
           </a:p>
         </p:txBody>
       </p:sp>
@@ -8925,10 +8910,9 @@
             <a:lstStyle/>
             <a:p>
               <a:r>
-                <a:rPr lang="en-US" sz="1100" dirty="0" err="1"/>
+                <a:rPr lang="en-US" sz="1100" dirty="0"/>
                 <a:t>ReLU</a:t>
               </a:r>
-              <a:endParaRPr lang="en-US" sz="1100" dirty="0"/>
             </a:p>
           </p:txBody>
         </p:sp>
@@ -9125,10 +9109,9 @@
             <a:lstStyle/>
             <a:p>
               <a:r>
-                <a:rPr lang="en-US" sz="1100" dirty="0" err="1"/>
+                <a:rPr lang="en-US" sz="1100" dirty="0"/>
                 <a:t>ReLU</a:t>
               </a:r>
-              <a:endParaRPr lang="en-US" sz="1100" dirty="0"/>
             </a:p>
           </p:txBody>
         </p:sp>
@@ -9581,10 +9564,9 @@
             <a:lstStyle/>
             <a:p>
               <a:r>
-                <a:rPr lang="en-US" sz="1100" dirty="0" err="1"/>
+                <a:rPr lang="en-US" sz="1100" dirty="0"/>
                 <a:t>ReLU</a:t>
               </a:r>
-              <a:endParaRPr lang="en-US" sz="1100" dirty="0"/>
             </a:p>
           </p:txBody>
         </p:sp>
@@ -9827,10 +9809,9 @@
             <a:lstStyle/>
             <a:p>
               <a:r>
-                <a:rPr lang="en-US" sz="1100" dirty="0" err="1"/>
+                <a:rPr lang="en-US" sz="1100" dirty="0"/>
                 <a:t>ReLU</a:t>
               </a:r>
-              <a:endParaRPr lang="en-US" sz="1100" dirty="0"/>
             </a:p>
           </p:txBody>
         </p:sp>
@@ -10773,10 +10754,9 @@
           <a:lstStyle/>
           <a:p>
             <a:r>
-              <a:rPr lang="en-US" sz="1100" dirty="0" err="1"/>
+              <a:rPr lang="en-US" sz="1100" dirty="0"/>
               <a:t>ReLU</a:t>
             </a:r>
-            <a:endParaRPr lang="en-US" sz="1100" dirty="0"/>
           </a:p>
         </p:txBody>
       </p:sp>
@@ -10809,10 +10789,9 @@
           <a:lstStyle/>
           <a:p>
             <a:r>
-              <a:rPr lang="en-US" sz="1100" dirty="0" err="1"/>
+              <a:rPr lang="en-US" sz="1100" dirty="0"/>
               <a:t>ReLU</a:t>
             </a:r>
-            <a:endParaRPr lang="en-US" sz="1100" dirty="0"/>
           </a:p>
         </p:txBody>
       </p:sp>
@@ -10845,10 +10824,9 @@
           <a:lstStyle/>
           <a:p>
             <a:r>
-              <a:rPr lang="en-US" sz="1100" dirty="0" err="1"/>
+              <a:rPr lang="en-US" sz="1100" dirty="0"/>
               <a:t>ReLU</a:t>
             </a:r>
-            <a:endParaRPr lang="en-US" sz="1100" dirty="0"/>
           </a:p>
         </p:txBody>
       </p:sp>
@@ -11435,10 +11413,9 @@
             <a:lstStyle/>
             <a:p>
               <a:r>
-                <a:rPr lang="en-US" sz="1100" dirty="0" err="1"/>
+                <a:rPr lang="en-US" sz="1100" dirty="0"/>
                 <a:t>ReLU</a:t>
               </a:r>
-              <a:endParaRPr lang="en-US" sz="1100" dirty="0"/>
             </a:p>
           </p:txBody>
         </p:sp>
@@ -11635,10 +11612,9 @@
             <a:lstStyle/>
             <a:p>
               <a:r>
-                <a:rPr lang="en-US" sz="1100" dirty="0" err="1"/>
+                <a:rPr lang="en-US" sz="1100" dirty="0"/>
                 <a:t>ReLU</a:t>
               </a:r>
-              <a:endParaRPr lang="en-US" sz="1100" dirty="0"/>
             </a:p>
           </p:txBody>
         </p:sp>
@@ -12091,10 +12067,9 @@
             <a:lstStyle/>
             <a:p>
               <a:r>
-                <a:rPr lang="en-US" sz="1100" dirty="0" err="1"/>
+                <a:rPr lang="en-US" sz="1100" dirty="0"/>
                 <a:t>ReLU</a:t>
               </a:r>
-              <a:endParaRPr lang="en-US" sz="1100" dirty="0"/>
             </a:p>
           </p:txBody>
         </p:sp>
@@ -12337,10 +12312,9 @@
             <a:lstStyle/>
             <a:p>
               <a:r>
-                <a:rPr lang="en-US" sz="1100" dirty="0" err="1"/>
+                <a:rPr lang="en-US" sz="1100" dirty="0"/>
                 <a:t>ReLU</a:t>
               </a:r>
-              <a:endParaRPr lang="en-US" sz="1100" dirty="0"/>
             </a:p>
           </p:txBody>
         </p:sp>
@@ -13283,10 +13257,9 @@
           <a:lstStyle/>
           <a:p>
             <a:r>
-              <a:rPr lang="en-US" sz="1100" dirty="0" err="1"/>
+              <a:rPr lang="en-US" sz="1100" dirty="0"/>
               <a:t>ReLU</a:t>
             </a:r>
-            <a:endParaRPr lang="en-US" sz="1100" dirty="0"/>
           </a:p>
         </p:txBody>
       </p:sp>
@@ -13319,10 +13292,9 @@
           <a:lstStyle/>
           <a:p>
             <a:r>
-              <a:rPr lang="en-US" sz="1100" dirty="0" err="1"/>
+              <a:rPr lang="en-US" sz="1100" dirty="0"/>
               <a:t>ReLU</a:t>
             </a:r>
-            <a:endParaRPr lang="en-US" sz="1100" dirty="0"/>
           </a:p>
         </p:txBody>
       </p:sp>
@@ -13355,10 +13327,9 @@
           <a:lstStyle/>
           <a:p>
             <a:r>
-              <a:rPr lang="en-US" sz="1100" dirty="0" err="1"/>
+              <a:rPr lang="en-US" sz="1100" dirty="0"/>
               <a:t>ReLU</a:t>
             </a:r>
-            <a:endParaRPr lang="en-US" sz="1100" dirty="0"/>
           </a:p>
         </p:txBody>
       </p:sp>
@@ -13945,10 +13916,9 @@
             <a:lstStyle/>
             <a:p>
               <a:r>
-                <a:rPr lang="en-US" sz="1100" dirty="0" err="1"/>
+                <a:rPr lang="en-US" sz="1100" dirty="0"/>
                 <a:t>ReLU</a:t>
               </a:r>
-              <a:endParaRPr lang="en-US" sz="1100" dirty="0"/>
             </a:p>
           </p:txBody>
         </p:sp>
@@ -14145,10 +14115,9 @@
             <a:lstStyle/>
             <a:p>
               <a:r>
-                <a:rPr lang="en-US" sz="1100" dirty="0" err="1"/>
+                <a:rPr lang="en-US" sz="1100" dirty="0"/>
                 <a:t>ReLU</a:t>
               </a:r>
-              <a:endParaRPr lang="en-US" sz="1100" dirty="0"/>
             </a:p>
           </p:txBody>
         </p:sp>
@@ -14601,10 +14570,9 @@
             <a:lstStyle/>
             <a:p>
               <a:r>
-                <a:rPr lang="en-US" sz="1100" dirty="0" err="1"/>
+                <a:rPr lang="en-US" sz="1100" dirty="0"/>
                 <a:t>ReLU</a:t>
               </a:r>
-              <a:endParaRPr lang="en-US" sz="1100" dirty="0"/>
             </a:p>
           </p:txBody>
         </p:sp>
@@ -14847,10 +14815,9 @@
             <a:lstStyle/>
             <a:p>
               <a:r>
-                <a:rPr lang="en-US" sz="1100" dirty="0" err="1"/>
+                <a:rPr lang="en-US" sz="1100" dirty="0"/>
                 <a:t>ReLU</a:t>
               </a:r>
-              <a:endParaRPr lang="en-US" sz="1100" dirty="0"/>
             </a:p>
           </p:txBody>
         </p:sp>
@@ -15530,10 +15497,9 @@
             <a:lstStyle/>
             <a:p>
               <a:r>
-                <a:rPr lang="en-US" sz="1100" dirty="0" err="1"/>
+                <a:rPr lang="en-US" sz="1100" dirty="0"/>
                 <a:t>ReLU</a:t>
               </a:r>
-              <a:endParaRPr lang="en-US" sz="1100" dirty="0"/>
             </a:p>
           </p:txBody>
         </p:sp>
@@ -15781,20 +15747,12 @@
           <a:p>
             <a:pPr algn="ctr"/>
             <a:r>
-              <a:rPr lang="en-US" sz="2311" dirty="0" err="1">
-                <a:solidFill>
-                  <a:schemeClr val="tx1"/>
-                </a:solidFill>
-              </a:rPr>
-              <a:t>ViT</a:t>
-            </a:r>
-            <a:r>
               <a:rPr lang="en-US" sz="2311" dirty="0">
                 <a:solidFill>
                   <a:schemeClr val="tx1"/>
                 </a:solidFill>
               </a:rPr>
-              <a:t> (100,32)</a:t>
+              <a:t>ViT (100,32)</a:t>
             </a:r>
           </a:p>
         </p:txBody>
@@ -16083,10 +16041,9 @@
           <a:lstStyle/>
           <a:p>
             <a:r>
-              <a:rPr lang="en-US" sz="1733" dirty="0" err="1"/>
+              <a:rPr lang="en-US" sz="1733" dirty="0"/>
               <a:t>ReLU</a:t>
             </a:r>
-            <a:endParaRPr lang="en-US" sz="1733" dirty="0"/>
           </a:p>
         </p:txBody>
       </p:sp>
@@ -16256,20 +16213,12 @@
           <a:p>
             <a:pPr algn="ctr"/>
             <a:r>
-              <a:rPr lang="en-US" sz="2311" dirty="0" err="1">
-                <a:solidFill>
-                  <a:schemeClr val="tx1"/>
-                </a:solidFill>
-              </a:rPr>
-              <a:t>ViT</a:t>
-            </a:r>
-            <a:r>
               <a:rPr lang="en-US" sz="2311" dirty="0">
                 <a:solidFill>
                   <a:schemeClr val="tx1"/>
                 </a:solidFill>
               </a:rPr>
-              <a:t> (100,32)</a:t>
+              <a:t>ViT (100,32)</a:t>
             </a:r>
           </a:p>
         </p:txBody>
@@ -16476,12 +16425,8 @@
           <a:p>
             <a:pPr algn="ctr"/>
             <a:r>
-              <a:rPr lang="en-US" sz="2601" dirty="0" err="1"/>
-              <a:t>Meteo</a:t>
-            </a:r>
-            <a:r>
               <a:rPr lang="en-US" sz="2601" dirty="0"/>
-              <a:t> data</a:t>
+              <a:t>Meteo data</a:t>
             </a:r>
           </a:p>
         </p:txBody>
